--- a/Z-Wave_Presentation_backup.pptx
+++ b/Z-Wave_Presentation_backup.pptx
@@ -214,7 +214,7 @@
           <a:p>
             <a:fld id="{AB35F272-415F-4538-B4CE-9FA364691D96}" type="datetimeFigureOut">
               <a:rPr lang="de-CH" smtClean="0"/>
-              <a:t>10.03.2016</a:t>
+              <a:t>13.03.2016</a:t>
             </a:fld>
             <a:endParaRPr lang="de-CH"/>
           </a:p>
@@ -813,7 +813,7 @@
           <a:p>
             <a:fld id="{385DF268-AEF6-46C5-8D9C-EB18CF741AF6}" type="datetimeFigureOut">
               <a:rPr lang="de-CH" smtClean="0"/>
-              <a:t>10.03.2016</a:t>
+              <a:t>13.03.2016</a:t>
             </a:fld>
             <a:endParaRPr lang="de-CH"/>
           </a:p>
@@ -990,7 +990,7 @@
           <a:p>
             <a:fld id="{385DF268-AEF6-46C5-8D9C-EB18CF741AF6}" type="datetimeFigureOut">
               <a:rPr lang="de-CH" smtClean="0"/>
-              <a:t>10.03.2016</a:t>
+              <a:t>13.03.2016</a:t>
             </a:fld>
             <a:endParaRPr lang="de-CH"/>
           </a:p>
@@ -1170,7 +1170,7 @@
           <a:p>
             <a:fld id="{385DF268-AEF6-46C5-8D9C-EB18CF741AF6}" type="datetimeFigureOut">
               <a:rPr lang="de-CH" smtClean="0"/>
-              <a:t>10.03.2016</a:t>
+              <a:t>13.03.2016</a:t>
             </a:fld>
             <a:endParaRPr lang="de-CH"/>
           </a:p>
@@ -1350,7 +1350,7 @@
           <a:p>
             <a:fld id="{385DF268-AEF6-46C5-8D9C-EB18CF741AF6}" type="datetimeFigureOut">
               <a:rPr lang="de-CH" smtClean="0"/>
-              <a:t>10.03.2016</a:t>
+              <a:t>13.03.2016</a:t>
             </a:fld>
             <a:endParaRPr lang="de-CH"/>
           </a:p>
@@ -1675,7 +1675,7 @@
           <a:p>
             <a:fld id="{385DF268-AEF6-46C5-8D9C-EB18CF741AF6}" type="datetimeFigureOut">
               <a:rPr lang="de-CH" smtClean="0"/>
-              <a:t>10.03.2016</a:t>
+              <a:t>13.03.2016</a:t>
             </a:fld>
             <a:endParaRPr lang="de-CH"/>
           </a:p>
@@ -1907,7 +1907,7 @@
           <a:p>
             <a:fld id="{385DF268-AEF6-46C5-8D9C-EB18CF741AF6}" type="datetimeFigureOut">
               <a:rPr lang="de-CH" smtClean="0"/>
-              <a:t>10.03.2016</a:t>
+              <a:t>13.03.2016</a:t>
             </a:fld>
             <a:endParaRPr lang="de-CH"/>
           </a:p>
@@ -2266,7 +2266,7 @@
           <a:p>
             <a:fld id="{385DF268-AEF6-46C5-8D9C-EB18CF741AF6}" type="datetimeFigureOut">
               <a:rPr lang="de-CH" smtClean="0"/>
-              <a:t>10.03.2016</a:t>
+              <a:t>13.03.2016</a:t>
             </a:fld>
             <a:endParaRPr lang="de-CH"/>
           </a:p>
@@ -2407,7 +2407,7 @@
           <a:p>
             <a:fld id="{385DF268-AEF6-46C5-8D9C-EB18CF741AF6}" type="datetimeFigureOut">
               <a:rPr lang="de-CH" smtClean="0"/>
-              <a:t>10.03.2016</a:t>
+              <a:t>13.03.2016</a:t>
             </a:fld>
             <a:endParaRPr lang="de-CH"/>
           </a:p>
@@ -2502,7 +2502,7 @@
           <a:p>
             <a:fld id="{385DF268-AEF6-46C5-8D9C-EB18CF741AF6}" type="datetimeFigureOut">
               <a:rPr lang="de-CH" smtClean="0"/>
-              <a:t>10.03.2016</a:t>
+              <a:t>13.03.2016</a:t>
             </a:fld>
             <a:endParaRPr lang="de-CH"/>
           </a:p>
@@ -2859,7 +2859,7 @@
           <a:p>
             <a:fld id="{385DF268-AEF6-46C5-8D9C-EB18CF741AF6}" type="datetimeFigureOut">
               <a:rPr lang="de-CH" smtClean="0"/>
-              <a:t>10.03.2016</a:t>
+              <a:t>13.03.2016</a:t>
             </a:fld>
             <a:endParaRPr lang="de-CH"/>
           </a:p>
@@ -3216,7 +3216,7 @@
           <a:p>
             <a:fld id="{385DF268-AEF6-46C5-8D9C-EB18CF741AF6}" type="datetimeFigureOut">
               <a:rPr lang="de-CH" smtClean="0"/>
-              <a:t>10.03.2016</a:t>
+              <a:t>13.03.2016</a:t>
             </a:fld>
             <a:endParaRPr lang="de-CH"/>
           </a:p>
@@ -3457,7 +3457,7 @@
           <a:p>
             <a:fld id="{385DF268-AEF6-46C5-8D9C-EB18CF741AF6}" type="datetimeFigureOut">
               <a:rPr lang="de-CH" smtClean="0"/>
-              <a:t>10.03.2016</a:t>
+              <a:t>13.03.2016</a:t>
             </a:fld>
             <a:endParaRPr lang="de-CH"/>
           </a:p>
@@ -9240,10 +9240,78 @@
           <a:bodyPr/>
           <a:lstStyle/>
           <a:p>
+            <a:r>
+              <a:rPr lang="de-CH" dirty="0"/>
+              <a:t>Energieverbrauch: </a:t>
+            </a:r>
+            <a:r>
+              <a:rPr lang="de-CH" dirty="0" smtClean="0"/>
+              <a:t>	power-safe </a:t>
+            </a:r>
+            <a:r>
+              <a:rPr lang="de-CH" dirty="0"/>
+              <a:t>Mode </a:t>
+            </a:r>
+            <a:br>
+              <a:rPr lang="de-CH" dirty="0"/>
+            </a:br>
+            <a:r>
+              <a:rPr lang="de-CH" dirty="0"/>
+              <a:t>Eignungsbereiche: </a:t>
+            </a:r>
+            <a:r>
+              <a:rPr lang="de-CH" dirty="0" smtClean="0"/>
+              <a:t>	SmartHome </a:t>
+            </a:r>
+            <a:r>
+              <a:rPr lang="de-CH" dirty="0"/>
+              <a:t/>
+            </a:r>
+            <a:br>
+              <a:rPr lang="de-CH" dirty="0"/>
+            </a:br>
+            <a:r>
+              <a:rPr lang="de-CH" dirty="0"/>
+              <a:t>Entwicklung: </a:t>
+            </a:r>
+            <a:r>
+              <a:rPr lang="de-CH" dirty="0" smtClean="0"/>
+              <a:t>		OpenZWave </a:t>
+            </a:r>
             <a:endParaRPr lang="de-CH" dirty="0"/>
           </a:p>
         </p:txBody>
       </p:sp>
+      <p:pic>
+        <p:nvPicPr>
+          <p:cNvPr id="4" name="Picture 3"/>
+          <p:cNvPicPr>
+            <a:picLocks noChangeAspect="1"/>
+          </p:cNvPicPr>
+          <p:nvPr/>
+        </p:nvPicPr>
+        <p:blipFill>
+          <a:blip r:embed="rId2">
+            <a:extLst>
+              <a:ext uri="{28A0092B-C50C-407E-A947-70E740481C1C}">
+                <a14:useLocalDpi xmlns:a14="http://schemas.microsoft.com/office/drawing/2010/main" val="0"/>
+              </a:ext>
+            </a:extLst>
+          </a:blip>
+          <a:stretch>
+            <a:fillRect/>
+          </a:stretch>
+        </p:blipFill>
+        <p:spPr>
+          <a:xfrm>
+            <a:off x="4953143" y="3835686"/>
+            <a:ext cx="2285714" cy="1142857"/>
+          </a:xfrm>
+          <a:prstGeom prst="rect">
+            <a:avLst/>
+          </a:prstGeom>
+        </p:spPr>
+      </p:pic>
     </p:spTree>
     <p:extLst>
       <p:ext uri="{BB962C8B-B14F-4D97-AF65-F5344CB8AC3E}">
@@ -9427,11 +9495,7 @@
           <a:p>
             <a:r>
               <a:rPr lang="de-CH" dirty="0" smtClean="0"/>
-              <a:t>Demo Z-Wave </a:t>
-            </a:r>
-            <a:r>
-              <a:rPr lang="de-CH" dirty="0" smtClean="0"/>
-              <a:t>Prinzip</a:t>
+              <a:t>Demo Z-Wave Prinzip</a:t>
             </a:r>
           </a:p>
           <a:p>
@@ -9439,7 +9503,6 @@
               <a:rPr lang="de-CH" dirty="0" smtClean="0"/>
               <a:t>Generell</a:t>
             </a:r>
-            <a:endParaRPr lang="de-CH" dirty="0" smtClean="0"/>
           </a:p>
           <a:p>
             <a:r>
@@ -9500,7 +9563,6 @@
               <a:rPr lang="de-CH" dirty="0" smtClean="0"/>
               <a:t>Quellen &amp; Fragen</a:t>
             </a:r>
-            <a:endParaRPr lang="de-CH" dirty="0" smtClean="0"/>
           </a:p>
           <a:p>
             <a:endParaRPr lang="de-CH" dirty="0" smtClean="0"/>

--- a/Z-Wave_Presentation_backup.pptx
+++ b/Z-Wave_Presentation_backup.pptx
@@ -16,14 +16,14 @@
     <p:sldId id="261" r:id="rId7"/>
     <p:sldId id="262" r:id="rId8"/>
     <p:sldId id="265" r:id="rId9"/>
-    <p:sldId id="264" r:id="rId10"/>
-    <p:sldId id="266" r:id="rId11"/>
-    <p:sldId id="267" r:id="rId12"/>
-    <p:sldId id="268" r:id="rId13"/>
-    <p:sldId id="269" r:id="rId14"/>
-    <p:sldId id="270" r:id="rId15"/>
-    <p:sldId id="271" r:id="rId16"/>
-    <p:sldId id="272" r:id="rId17"/>
+    <p:sldId id="267" r:id="rId10"/>
+    <p:sldId id="268" r:id="rId11"/>
+    <p:sldId id="269" r:id="rId12"/>
+    <p:sldId id="270" r:id="rId13"/>
+    <p:sldId id="271" r:id="rId14"/>
+    <p:sldId id="272" r:id="rId15"/>
+    <p:sldId id="275" r:id="rId16"/>
+    <p:sldId id="276" r:id="rId17"/>
     <p:sldId id="273" r:id="rId18"/>
     <p:sldId id="274" r:id="rId19"/>
   </p:sldIdLst>
@@ -214,7 +214,7 @@
           <a:p>
             <a:fld id="{AB35F272-415F-4538-B4CE-9FA364691D96}" type="datetimeFigureOut">
               <a:rPr lang="de-CH" smtClean="0"/>
-              <a:t>13.03.2016</a:t>
+              <a:t>14.03.2016</a:t>
             </a:fld>
             <a:endParaRPr lang="de-CH"/>
           </a:p>
@@ -278,35 +278,35 @@
           <a:p>
             <a:pPr lvl="0"/>
             <a:r>
-              <a:rPr lang="en-US" smtClean="0"/>
+              <a:rPr lang="en-US"/>
               <a:t>Edit Master text styles</a:t>
             </a:r>
           </a:p>
           <a:p>
             <a:pPr lvl="1"/>
             <a:r>
-              <a:rPr lang="en-US" smtClean="0"/>
+              <a:rPr lang="en-US"/>
               <a:t>Second level</a:t>
             </a:r>
           </a:p>
           <a:p>
             <a:pPr lvl="2"/>
             <a:r>
-              <a:rPr lang="en-US" smtClean="0"/>
+              <a:rPr lang="en-US"/>
               <a:t>Third level</a:t>
             </a:r>
           </a:p>
           <a:p>
             <a:pPr lvl="3"/>
             <a:r>
-              <a:rPr lang="en-US" smtClean="0"/>
+              <a:rPr lang="en-US"/>
               <a:t>Fourth level</a:t>
             </a:r>
           </a:p>
           <a:p>
             <a:pPr lvl="4"/>
             <a:r>
-              <a:rPr lang="en-US" smtClean="0"/>
+              <a:rPr lang="en-US"/>
               <a:t>Fifth level</a:t>
             </a:r>
             <a:endParaRPr lang="de-CH"/>
@@ -373,7 +373,7 @@
           <a:p>
             <a:fld id="{5279EE45-4CD9-40E0-A0B6-44AE4FDE48B5}" type="slidenum">
               <a:rPr lang="de-CH" smtClean="0"/>
-              <a:t>‹#›</a:t>
+              <a:t>‹Nr.›</a:t>
             </a:fld>
             <a:endParaRPr lang="de-CH"/>
           </a:p>
@@ -547,7 +547,7 @@
           <a:p>
             <a:fld id="{5279EE45-4CD9-40E0-A0B6-44AE4FDE48B5}" type="slidenum">
               <a:rPr lang="de-CH" smtClean="0"/>
-              <a:t>9</a:t>
+              <a:t>15</a:t>
             </a:fld>
             <a:endParaRPr lang="de-CH"/>
           </a:p>
@@ -556,7 +556,7 @@
     </p:spTree>
     <p:extLst>
       <p:ext uri="{BB962C8B-B14F-4D97-AF65-F5344CB8AC3E}">
-        <p14:creationId xmlns:p14="http://schemas.microsoft.com/office/powerpoint/2010/main" val="1632036886"/>
+        <p14:creationId xmlns:p14="http://schemas.microsoft.com/office/powerpoint/2010/main" val="3283052014"/>
       </p:ext>
     </p:extLst>
   </p:cSld>
@@ -631,7 +631,7 @@
           <a:p>
             <a:fld id="{5279EE45-4CD9-40E0-A0B6-44AE4FDE48B5}" type="slidenum">
               <a:rPr lang="de-CH" smtClean="0"/>
-              <a:t>10</a:t>
+              <a:t>16</a:t>
             </a:fld>
             <a:endParaRPr lang="de-CH"/>
           </a:p>
@@ -640,7 +640,7 @@
     </p:spTree>
     <p:extLst>
       <p:ext uri="{BB962C8B-B14F-4D97-AF65-F5344CB8AC3E}">
-        <p14:creationId xmlns:p14="http://schemas.microsoft.com/office/powerpoint/2010/main" val="3142211011"/>
+        <p14:creationId xmlns:p14="http://schemas.microsoft.com/office/powerpoint/2010/main" val="3983908916"/>
       </p:ext>
     </p:extLst>
   </p:cSld>
@@ -714,7 +714,7 @@
           </a:lstStyle>
           <a:p>
             <a:r>
-              <a:rPr lang="en-US" smtClean="0"/>
+              <a:rPr lang="en-US"/>
               <a:t>Click to edit Master title style</a:t>
             </a:r>
             <a:endParaRPr lang="en-US" dirty="0"/>
@@ -789,7 +789,7 @@
           </a:lstStyle>
           <a:p>
             <a:r>
-              <a:rPr lang="en-US" smtClean="0"/>
+              <a:rPr lang="en-US"/>
               <a:t>Click to edit Master subtitle style</a:t>
             </a:r>
             <a:endParaRPr lang="en-US" dirty="0"/>
@@ -813,7 +813,7 @@
           <a:p>
             <a:fld id="{385DF268-AEF6-46C5-8D9C-EB18CF741AF6}" type="datetimeFigureOut">
               <a:rPr lang="de-CH" smtClean="0"/>
-              <a:t>13.03.2016</a:t>
+              <a:t>14.03.2016</a:t>
             </a:fld>
             <a:endParaRPr lang="de-CH"/>
           </a:p>
@@ -855,7 +855,7 @@
           <a:p>
             <a:fld id="{67BACFD2-2040-4680-8A69-CA73BA1159BB}" type="slidenum">
               <a:rPr lang="de-CH" smtClean="0"/>
-              <a:t>‹#›</a:t>
+              <a:t>‹Nr.›</a:t>
             </a:fld>
             <a:endParaRPr lang="de-CH"/>
           </a:p>
@@ -871,13 +871,6 @@
   <p:clrMapOvr>
     <a:overrideClrMapping bg1="dk1" tx1="lt1" bg2="dk2" tx2="lt2" accent1="accent1" accent2="accent2" accent3="accent3" accent4="accent4" accent5="accent5" accent6="accent6" hlink="hlink" folHlink="folHlink"/>
   </p:clrMapOvr>
-  <p:timing>
-    <p:tnLst>
-      <p:par>
-        <p:cTn id="1" dur="indefinite" restart="never" nodeType="tmRoot"/>
-      </p:par>
-    </p:tnLst>
-  </p:timing>
 </p:sldLayout>
 </file>
 
@@ -914,7 +907,7 @@
           <a:lstStyle/>
           <a:p>
             <a:r>
-              <a:rPr lang="en-US" smtClean="0"/>
+              <a:rPr lang="en-US"/>
               <a:t>Click to edit Master title style</a:t>
             </a:r>
             <a:endParaRPr lang="en-US" dirty="0"/>
@@ -938,35 +931,35 @@
           <a:p>
             <a:pPr lvl="0"/>
             <a:r>
-              <a:rPr lang="en-US" smtClean="0"/>
+              <a:rPr lang="en-US"/>
               <a:t>Edit Master text styles</a:t>
             </a:r>
           </a:p>
           <a:p>
             <a:pPr lvl="1"/>
             <a:r>
-              <a:rPr lang="en-US" smtClean="0"/>
+              <a:rPr lang="en-US"/>
               <a:t>Second level</a:t>
             </a:r>
           </a:p>
           <a:p>
             <a:pPr lvl="2"/>
             <a:r>
-              <a:rPr lang="en-US" smtClean="0"/>
+              <a:rPr lang="en-US"/>
               <a:t>Third level</a:t>
             </a:r>
           </a:p>
           <a:p>
             <a:pPr lvl="3"/>
             <a:r>
-              <a:rPr lang="en-US" smtClean="0"/>
+              <a:rPr lang="en-US"/>
               <a:t>Fourth level</a:t>
             </a:r>
           </a:p>
           <a:p>
             <a:pPr lvl="4"/>
             <a:r>
-              <a:rPr lang="en-US" smtClean="0"/>
+              <a:rPr lang="en-US"/>
               <a:t>Fifth level</a:t>
             </a:r>
             <a:endParaRPr lang="en-US" dirty="0"/>
@@ -990,7 +983,7 @@
           <a:p>
             <a:fld id="{385DF268-AEF6-46C5-8D9C-EB18CF741AF6}" type="datetimeFigureOut">
               <a:rPr lang="de-CH" smtClean="0"/>
-              <a:t>13.03.2016</a:t>
+              <a:t>14.03.2016</a:t>
             </a:fld>
             <a:endParaRPr lang="de-CH"/>
           </a:p>
@@ -1032,7 +1025,7 @@
           <a:p>
             <a:fld id="{67BACFD2-2040-4680-8A69-CA73BA1159BB}" type="slidenum">
               <a:rPr lang="de-CH" smtClean="0"/>
-              <a:t>‹#›</a:t>
+              <a:t>‹Nr.›</a:t>
             </a:fld>
             <a:endParaRPr lang="de-CH"/>
           </a:p>
@@ -1089,7 +1082,7 @@
           <a:lstStyle/>
           <a:p>
             <a:r>
-              <a:rPr lang="en-US" smtClean="0"/>
+              <a:rPr lang="en-US"/>
               <a:t>Click to edit Master title style</a:t>
             </a:r>
             <a:endParaRPr lang="en-US" dirty="0"/>
@@ -1118,35 +1111,35 @@
           <a:p>
             <a:pPr lvl="0"/>
             <a:r>
-              <a:rPr lang="en-US" smtClean="0"/>
+              <a:rPr lang="en-US"/>
               <a:t>Edit Master text styles</a:t>
             </a:r>
           </a:p>
           <a:p>
             <a:pPr lvl="1"/>
             <a:r>
-              <a:rPr lang="en-US" smtClean="0"/>
+              <a:rPr lang="en-US"/>
               <a:t>Second level</a:t>
             </a:r>
           </a:p>
           <a:p>
             <a:pPr lvl="2"/>
             <a:r>
-              <a:rPr lang="en-US" smtClean="0"/>
+              <a:rPr lang="en-US"/>
               <a:t>Third level</a:t>
             </a:r>
           </a:p>
           <a:p>
             <a:pPr lvl="3"/>
             <a:r>
-              <a:rPr lang="en-US" smtClean="0"/>
+              <a:rPr lang="en-US"/>
               <a:t>Fourth level</a:t>
             </a:r>
           </a:p>
           <a:p>
             <a:pPr lvl="4"/>
             <a:r>
-              <a:rPr lang="en-US" smtClean="0"/>
+              <a:rPr lang="en-US"/>
               <a:t>Fifth level</a:t>
             </a:r>
             <a:endParaRPr lang="en-US" dirty="0"/>
@@ -1170,7 +1163,7 @@
           <a:p>
             <a:fld id="{385DF268-AEF6-46C5-8D9C-EB18CF741AF6}" type="datetimeFigureOut">
               <a:rPr lang="de-CH" smtClean="0"/>
-              <a:t>13.03.2016</a:t>
+              <a:t>14.03.2016</a:t>
             </a:fld>
             <a:endParaRPr lang="de-CH"/>
           </a:p>
@@ -1212,7 +1205,7 @@
           <a:p>
             <a:fld id="{67BACFD2-2040-4680-8A69-CA73BA1159BB}" type="slidenum">
               <a:rPr lang="de-CH" smtClean="0"/>
-              <a:t>‹#›</a:t>
+              <a:t>‹Nr.›</a:t>
             </a:fld>
             <a:endParaRPr lang="de-CH"/>
           </a:p>
@@ -1269,7 +1262,7 @@
           <a:lstStyle/>
           <a:p>
             <a:r>
-              <a:rPr lang="en-US" smtClean="0"/>
+              <a:rPr lang="en-US"/>
               <a:t>Click to edit Master title style</a:t>
             </a:r>
             <a:endParaRPr lang="en-US" dirty="0"/>
@@ -1298,35 +1291,35 @@
           <a:p>
             <a:pPr lvl="0"/>
             <a:r>
-              <a:rPr lang="en-US" smtClean="0"/>
+              <a:rPr lang="en-US"/>
               <a:t>Edit Master text styles</a:t>
             </a:r>
           </a:p>
           <a:p>
             <a:pPr lvl="1"/>
             <a:r>
-              <a:rPr lang="en-US" smtClean="0"/>
+              <a:rPr lang="en-US"/>
               <a:t>Second level</a:t>
             </a:r>
           </a:p>
           <a:p>
             <a:pPr lvl="2"/>
             <a:r>
-              <a:rPr lang="en-US" smtClean="0"/>
+              <a:rPr lang="en-US"/>
               <a:t>Third level</a:t>
             </a:r>
           </a:p>
           <a:p>
             <a:pPr lvl="3"/>
             <a:r>
-              <a:rPr lang="en-US" smtClean="0"/>
+              <a:rPr lang="en-US"/>
               <a:t>Fourth level</a:t>
             </a:r>
           </a:p>
           <a:p>
             <a:pPr lvl="4"/>
             <a:r>
-              <a:rPr lang="en-US" smtClean="0"/>
+              <a:rPr lang="en-US"/>
               <a:t>Fifth level</a:t>
             </a:r>
             <a:endParaRPr lang="en-US" dirty="0"/>
@@ -1350,7 +1343,7 @@
           <a:p>
             <a:fld id="{385DF268-AEF6-46C5-8D9C-EB18CF741AF6}" type="datetimeFigureOut">
               <a:rPr lang="de-CH" smtClean="0"/>
-              <a:t>13.03.2016</a:t>
+              <a:t>14.03.2016</a:t>
             </a:fld>
             <a:endParaRPr lang="de-CH"/>
           </a:p>
@@ -1458,13 +1451,6 @@
   <p:clrMapOvr>
     <a:masterClrMapping/>
   </p:clrMapOvr>
-  <p:timing>
-    <p:tnLst>
-      <p:par>
-        <p:cTn id="1" dur="indefinite" restart="never" nodeType="tmRoot"/>
-      </p:par>
-    </p:tnLst>
-  </p:timing>
 </p:sldLayout>
 </file>
 
@@ -1532,7 +1518,7 @@
           </a:lstStyle>
           <a:p>
             <a:r>
-              <a:rPr lang="en-US" smtClean="0"/>
+              <a:rPr lang="en-US"/>
               <a:t>Click to edit Master title style</a:t>
             </a:r>
             <a:endParaRPr lang="en-US" dirty="0"/>
@@ -1652,7 +1638,7 @@
           <a:p>
             <a:pPr lvl="0"/>
             <a:r>
-              <a:rPr lang="en-US" smtClean="0"/>
+              <a:rPr lang="en-US"/>
               <a:t>Edit Master text styles</a:t>
             </a:r>
           </a:p>
@@ -1675,7 +1661,7 @@
           <a:p>
             <a:fld id="{385DF268-AEF6-46C5-8D9C-EB18CF741AF6}" type="datetimeFigureOut">
               <a:rPr lang="de-CH" smtClean="0"/>
-              <a:t>13.03.2016</a:t>
+              <a:t>14.03.2016</a:t>
             </a:fld>
             <a:endParaRPr lang="de-CH"/>
           </a:p>
@@ -1717,7 +1703,7 @@
           <a:p>
             <a:fld id="{67BACFD2-2040-4680-8A69-CA73BA1159BB}" type="slidenum">
               <a:rPr lang="de-CH" smtClean="0"/>
-              <a:t>‹#›</a:t>
+              <a:t>‹Nr.›</a:t>
             </a:fld>
             <a:endParaRPr lang="de-CH"/>
           </a:p>
@@ -1769,7 +1755,7 @@
           <a:lstStyle/>
           <a:p>
             <a:r>
-              <a:rPr lang="en-US" smtClean="0"/>
+              <a:rPr lang="en-US"/>
               <a:t>Click to edit Master title style</a:t>
             </a:r>
             <a:endParaRPr lang="en-US" dirty="0"/>
@@ -1798,35 +1784,35 @@
           <a:p>
             <a:pPr lvl="0"/>
             <a:r>
-              <a:rPr lang="en-US" smtClean="0"/>
+              <a:rPr lang="en-US"/>
               <a:t>Edit Master text styles</a:t>
             </a:r>
           </a:p>
           <a:p>
             <a:pPr lvl="1"/>
             <a:r>
-              <a:rPr lang="en-US" smtClean="0"/>
+              <a:rPr lang="en-US"/>
               <a:t>Second level</a:t>
             </a:r>
           </a:p>
           <a:p>
             <a:pPr lvl="2"/>
             <a:r>
-              <a:rPr lang="en-US" smtClean="0"/>
+              <a:rPr lang="en-US"/>
               <a:t>Third level</a:t>
             </a:r>
           </a:p>
           <a:p>
             <a:pPr lvl="3"/>
             <a:r>
-              <a:rPr lang="en-US" smtClean="0"/>
+              <a:rPr lang="en-US"/>
               <a:t>Fourth level</a:t>
             </a:r>
           </a:p>
           <a:p>
             <a:pPr lvl="4"/>
             <a:r>
-              <a:rPr lang="en-US" smtClean="0"/>
+              <a:rPr lang="en-US"/>
               <a:t>Fifth level</a:t>
             </a:r>
             <a:endParaRPr lang="en-US" dirty="0"/>
@@ -1855,35 +1841,35 @@
           <a:p>
             <a:pPr lvl="0"/>
             <a:r>
-              <a:rPr lang="en-US" smtClean="0"/>
+              <a:rPr lang="en-US"/>
               <a:t>Edit Master text styles</a:t>
             </a:r>
           </a:p>
           <a:p>
             <a:pPr lvl="1"/>
             <a:r>
-              <a:rPr lang="en-US" smtClean="0"/>
+              <a:rPr lang="en-US"/>
               <a:t>Second level</a:t>
             </a:r>
           </a:p>
           <a:p>
             <a:pPr lvl="2"/>
             <a:r>
-              <a:rPr lang="en-US" smtClean="0"/>
+              <a:rPr lang="en-US"/>
               <a:t>Third level</a:t>
             </a:r>
           </a:p>
           <a:p>
             <a:pPr lvl="3"/>
             <a:r>
-              <a:rPr lang="en-US" smtClean="0"/>
+              <a:rPr lang="en-US"/>
               <a:t>Fourth level</a:t>
             </a:r>
           </a:p>
           <a:p>
             <a:pPr lvl="4"/>
             <a:r>
-              <a:rPr lang="en-US" smtClean="0"/>
+              <a:rPr lang="en-US"/>
               <a:t>Fifth level</a:t>
             </a:r>
             <a:endParaRPr lang="en-US" dirty="0"/>
@@ -1907,7 +1893,7 @@
           <a:p>
             <a:fld id="{385DF268-AEF6-46C5-8D9C-EB18CF741AF6}" type="datetimeFigureOut">
               <a:rPr lang="de-CH" smtClean="0"/>
-              <a:t>13.03.2016</a:t>
+              <a:t>14.03.2016</a:t>
             </a:fld>
             <a:endParaRPr lang="de-CH"/>
           </a:p>
@@ -1949,7 +1935,7 @@
           <a:p>
             <a:fld id="{67BACFD2-2040-4680-8A69-CA73BA1159BB}" type="slidenum">
               <a:rPr lang="de-CH" smtClean="0"/>
-              <a:t>‹#›</a:t>
+              <a:t>‹Nr.›</a:t>
             </a:fld>
             <a:endParaRPr lang="de-CH"/>
           </a:p>
@@ -2052,7 +2038,7 @@
           <a:p>
             <a:pPr lvl="0"/>
             <a:r>
-              <a:rPr lang="en-US" smtClean="0"/>
+              <a:rPr lang="en-US"/>
               <a:t>Edit Master text styles</a:t>
             </a:r>
           </a:p>
@@ -2080,35 +2066,35 @@
           <a:p>
             <a:pPr lvl="0"/>
             <a:r>
-              <a:rPr lang="en-US" smtClean="0"/>
+              <a:rPr lang="en-US"/>
               <a:t>Edit Master text styles</a:t>
             </a:r>
           </a:p>
           <a:p>
             <a:pPr lvl="1"/>
             <a:r>
-              <a:rPr lang="en-US" smtClean="0"/>
+              <a:rPr lang="en-US"/>
               <a:t>Second level</a:t>
             </a:r>
           </a:p>
           <a:p>
             <a:pPr lvl="2"/>
             <a:r>
-              <a:rPr lang="en-US" smtClean="0"/>
+              <a:rPr lang="en-US"/>
               <a:t>Third level</a:t>
             </a:r>
           </a:p>
           <a:p>
             <a:pPr lvl="3"/>
             <a:r>
-              <a:rPr lang="en-US" smtClean="0"/>
+              <a:rPr lang="en-US"/>
               <a:t>Fourth level</a:t>
             </a:r>
           </a:p>
           <a:p>
             <a:pPr lvl="4"/>
             <a:r>
-              <a:rPr lang="en-US" smtClean="0"/>
+              <a:rPr lang="en-US"/>
               <a:t>Fifth level</a:t>
             </a:r>
             <a:endParaRPr lang="en-US" dirty="0"/>
@@ -2141,35 +2127,35 @@
           <a:p>
             <a:pPr lvl="0"/>
             <a:r>
-              <a:rPr lang="en-US" smtClean="0"/>
+              <a:rPr lang="en-US"/>
               <a:t>Edit Master text styles</a:t>
             </a:r>
           </a:p>
           <a:p>
             <a:pPr lvl="1"/>
             <a:r>
-              <a:rPr lang="en-US" smtClean="0"/>
+              <a:rPr lang="en-US"/>
               <a:t>Second level</a:t>
             </a:r>
           </a:p>
           <a:p>
             <a:pPr lvl="2"/>
             <a:r>
-              <a:rPr lang="en-US" smtClean="0"/>
+              <a:rPr lang="en-US"/>
               <a:t>Third level</a:t>
             </a:r>
           </a:p>
           <a:p>
             <a:pPr lvl="3"/>
             <a:r>
-              <a:rPr lang="en-US" smtClean="0"/>
+              <a:rPr lang="en-US"/>
               <a:t>Fourth level</a:t>
             </a:r>
           </a:p>
           <a:p>
             <a:pPr lvl="4"/>
             <a:r>
-              <a:rPr lang="en-US" smtClean="0"/>
+              <a:rPr lang="en-US"/>
               <a:t>Fifth level</a:t>
             </a:r>
             <a:endParaRPr lang="en-US" dirty="0"/>
@@ -2243,7 +2229,7 @@
           <a:p>
             <a:pPr lvl="0"/>
             <a:r>
-              <a:rPr lang="en-US" smtClean="0"/>
+              <a:rPr lang="en-US"/>
               <a:t>Edit Master text styles</a:t>
             </a:r>
           </a:p>
@@ -2266,7 +2252,7 @@
           <a:p>
             <a:fld id="{385DF268-AEF6-46C5-8D9C-EB18CF741AF6}" type="datetimeFigureOut">
               <a:rPr lang="de-CH" smtClean="0"/>
-              <a:t>13.03.2016</a:t>
+              <a:t>14.03.2016</a:t>
             </a:fld>
             <a:endParaRPr lang="de-CH"/>
           </a:p>
@@ -2308,7 +2294,7 @@
           <a:p>
             <a:fld id="{67BACFD2-2040-4680-8A69-CA73BA1159BB}" type="slidenum">
               <a:rPr lang="de-CH" smtClean="0"/>
-              <a:t>‹#›</a:t>
+              <a:t>‹Nr.›</a:t>
             </a:fld>
             <a:endParaRPr lang="de-CH"/>
           </a:p>
@@ -2330,7 +2316,7 @@
           <a:lstStyle/>
           <a:p>
             <a:r>
-              <a:rPr lang="en-US" smtClean="0"/>
+              <a:rPr lang="en-US"/>
               <a:t>Click to edit Master title style</a:t>
             </a:r>
             <a:endParaRPr lang="en-US" dirty="0"/>
@@ -2383,7 +2369,7 @@
           <a:lstStyle/>
           <a:p>
             <a:r>
-              <a:rPr lang="en-US" smtClean="0"/>
+              <a:rPr lang="en-US"/>
               <a:t>Click to edit Master title style</a:t>
             </a:r>
             <a:endParaRPr lang="en-US" dirty="0"/>
@@ -2407,7 +2393,7 @@
           <a:p>
             <a:fld id="{385DF268-AEF6-46C5-8D9C-EB18CF741AF6}" type="datetimeFigureOut">
               <a:rPr lang="de-CH" smtClean="0"/>
-              <a:t>13.03.2016</a:t>
+              <a:t>14.03.2016</a:t>
             </a:fld>
             <a:endParaRPr lang="de-CH"/>
           </a:p>
@@ -2449,7 +2435,7 @@
           <a:p>
             <a:fld id="{67BACFD2-2040-4680-8A69-CA73BA1159BB}" type="slidenum">
               <a:rPr lang="de-CH" smtClean="0"/>
-              <a:t>‹#›</a:t>
+              <a:t>‹Nr.›</a:t>
             </a:fld>
             <a:endParaRPr lang="de-CH"/>
           </a:p>
@@ -2502,7 +2488,7 @@
           <a:p>
             <a:fld id="{385DF268-AEF6-46C5-8D9C-EB18CF741AF6}" type="datetimeFigureOut">
               <a:rPr lang="de-CH" smtClean="0"/>
-              <a:t>13.03.2016</a:t>
+              <a:t>14.03.2016</a:t>
             </a:fld>
             <a:endParaRPr lang="de-CH"/>
           </a:p>
@@ -2544,7 +2530,7 @@
           <a:p>
             <a:fld id="{67BACFD2-2040-4680-8A69-CA73BA1159BB}" type="slidenum">
               <a:rPr lang="de-CH" smtClean="0"/>
-              <a:t>‹#›</a:t>
+              <a:t>‹Nr.›</a:t>
             </a:fld>
             <a:endParaRPr lang="de-CH"/>
           </a:p>
@@ -2657,7 +2643,7 @@
           </a:lstStyle>
           <a:p>
             <a:r>
-              <a:rPr lang="en-US" smtClean="0"/>
+              <a:rPr lang="en-US"/>
               <a:t>Click to edit Master title style</a:t>
             </a:r>
             <a:endParaRPr lang="en-US" dirty="0"/>
@@ -2736,35 +2722,35 @@
           <a:p>
             <a:pPr lvl="0"/>
             <a:r>
-              <a:rPr lang="en-US" smtClean="0"/>
+              <a:rPr lang="en-US"/>
               <a:t>Edit Master text styles</a:t>
             </a:r>
           </a:p>
           <a:p>
             <a:pPr lvl="1"/>
             <a:r>
-              <a:rPr lang="en-US" smtClean="0"/>
+              <a:rPr lang="en-US"/>
               <a:t>Second level</a:t>
             </a:r>
           </a:p>
           <a:p>
             <a:pPr lvl="2"/>
             <a:r>
-              <a:rPr lang="en-US" smtClean="0"/>
+              <a:rPr lang="en-US"/>
               <a:t>Third level</a:t>
             </a:r>
           </a:p>
           <a:p>
             <a:pPr lvl="3"/>
             <a:r>
-              <a:rPr lang="en-US" smtClean="0"/>
+              <a:rPr lang="en-US"/>
               <a:t>Fourth level</a:t>
             </a:r>
           </a:p>
           <a:p>
             <a:pPr lvl="4"/>
             <a:r>
-              <a:rPr lang="en-US" smtClean="0"/>
+              <a:rPr lang="en-US"/>
               <a:t>Fifth level</a:t>
             </a:r>
             <a:endParaRPr lang="en-US" dirty="0"/>
@@ -2836,7 +2822,7 @@
           <a:p>
             <a:pPr lvl="0"/>
             <a:r>
-              <a:rPr lang="en-US" smtClean="0"/>
+              <a:rPr lang="en-US"/>
               <a:t>Edit Master text styles</a:t>
             </a:r>
           </a:p>
@@ -2859,7 +2845,7 @@
           <a:p>
             <a:fld id="{385DF268-AEF6-46C5-8D9C-EB18CF741AF6}" type="datetimeFigureOut">
               <a:rPr lang="de-CH" smtClean="0"/>
-              <a:t>13.03.2016</a:t>
+              <a:t>14.03.2016</a:t>
             </a:fld>
             <a:endParaRPr lang="de-CH"/>
           </a:p>
@@ -2916,7 +2902,7 @@
           <a:p>
             <a:fld id="{67BACFD2-2040-4680-8A69-CA73BA1159BB}" type="slidenum">
               <a:rPr lang="de-CH" smtClean="0"/>
-              <a:t>‹#›</a:t>
+              <a:t>‹Nr.›</a:t>
             </a:fld>
             <a:endParaRPr lang="de-CH"/>
           </a:p>
@@ -3029,7 +3015,7 @@
           </a:lstStyle>
           <a:p>
             <a:r>
-              <a:rPr lang="en-US" smtClean="0"/>
+              <a:rPr lang="en-US"/>
               <a:t>Click to edit Master title style</a:t>
             </a:r>
             <a:endParaRPr lang="en-US" dirty="0"/>
@@ -3106,7 +3092,7 @@
           </a:lstStyle>
           <a:p>
             <a:r>
-              <a:rPr lang="en-US" smtClean="0"/>
+              <a:rPr lang="en-US"/>
               <a:t>Click icon to add picture</a:t>
             </a:r>
             <a:endParaRPr lang="en-US" dirty="0"/>
@@ -3178,7 +3164,7 @@
           <a:p>
             <a:pPr lvl="0"/>
             <a:r>
-              <a:rPr lang="en-US" smtClean="0"/>
+              <a:rPr lang="en-US"/>
               <a:t>Edit Master text styles</a:t>
             </a:r>
           </a:p>
@@ -3216,7 +3202,7 @@
           <a:p>
             <a:fld id="{385DF268-AEF6-46C5-8D9C-EB18CF741AF6}" type="datetimeFigureOut">
               <a:rPr lang="de-CH" smtClean="0"/>
-              <a:t>13.03.2016</a:t>
+              <a:t>14.03.2016</a:t>
             </a:fld>
             <a:endParaRPr lang="de-CH"/>
           </a:p>
@@ -3273,7 +3259,7 @@
           <a:p>
             <a:fld id="{67BACFD2-2040-4680-8A69-CA73BA1159BB}" type="slidenum">
               <a:rPr lang="de-CH" smtClean="0"/>
-              <a:t>‹#›</a:t>
+              <a:t>‹Nr.›</a:t>
             </a:fld>
             <a:endParaRPr lang="de-CH"/>
           </a:p>
@@ -3354,7 +3340,7 @@
           <a:lstStyle/>
           <a:p>
             <a:r>
-              <a:rPr lang="en-US" smtClean="0"/>
+              <a:rPr lang="en-US"/>
               <a:t>Click to edit Master title style</a:t>
             </a:r>
             <a:endParaRPr lang="en-US" dirty="0"/>
@@ -3457,7 +3443,7 @@
           <a:p>
             <a:fld id="{385DF268-AEF6-46C5-8D9C-EB18CF741AF6}" type="datetimeFigureOut">
               <a:rPr lang="de-CH" smtClean="0"/>
-              <a:t>13.03.2016</a:t>
+              <a:t>14.03.2016</a:t>
             </a:fld>
             <a:endParaRPr lang="de-CH"/>
           </a:p>
@@ -3540,7 +3526,7 @@
           <a:p>
             <a:fld id="{67BACFD2-2040-4680-8A69-CA73BA1159BB}" type="slidenum">
               <a:rPr lang="de-CH" smtClean="0"/>
-              <a:t>‹#›</a:t>
+              <a:t>‹Nr.›</a:t>
             </a:fld>
             <a:endParaRPr lang="de-CH"/>
           </a:p>
@@ -3925,10 +3911,9 @@
           <a:lstStyle/>
           <a:p>
             <a:r>
-              <a:rPr lang="de-CH" dirty="0" smtClean="0"/>
+              <a:rPr lang="de-CH" dirty="0"/>
               <a:t> </a:t>
             </a:r>
-            <a:endParaRPr lang="de-CH" dirty="0"/>
           </a:p>
         </p:txBody>
       </p:sp>
@@ -3948,21 +3933,21 @@
           <a:lstStyle/>
           <a:p>
             <a:r>
-              <a:rPr lang="de-CH" dirty="0" smtClean="0"/>
+              <a:rPr lang="de-CH" dirty="0"/>
               <a:t>Luca Aquino</a:t>
             </a:r>
             <a:br>
-              <a:rPr lang="de-CH" dirty="0" smtClean="0"/>
+              <a:rPr lang="de-CH" dirty="0"/>
             </a:br>
             <a:r>
-              <a:rPr lang="de-CH" dirty="0" smtClean="0"/>
+              <a:rPr lang="de-CH" dirty="0"/>
               <a:t>Fabian Binna</a:t>
             </a:r>
             <a:br>
-              <a:rPr lang="de-CH" dirty="0" smtClean="0"/>
+              <a:rPr lang="de-CH" dirty="0"/>
             </a:br>
             <a:r>
-              <a:rPr lang="de-CH" dirty="0" smtClean="0"/>
+              <a:rPr lang="de-CH" dirty="0"/>
               <a:t>Valentin Meier</a:t>
             </a:r>
           </a:p>
@@ -4019,13 +4004,6 @@
   <p:clrMapOvr>
     <a:masterClrMapping/>
   </p:clrMapOvr>
-  <p:timing>
-    <p:tnLst>
-      <p:par>
-        <p:cTn id="1" dur="indefinite" restart="never" nodeType="tmRoot"/>
-      </p:par>
-    </p:tnLst>
-  </p:timing>
 </p:sld>
 </file>
 
@@ -4062,10 +4040,2560 @@
           <a:lstStyle/>
           <a:p>
             <a:r>
-              <a:rPr lang="de-CH" dirty="0" smtClean="0"/>
+              <a:rPr lang="de-CH" dirty="0"/>
+              <a:t>Physical Layer</a:t>
+            </a:r>
+          </a:p>
+        </p:txBody>
+      </p:sp>
+      <p:sp>
+        <p:nvSpPr>
+          <p:cNvPr id="3" name="Content Placeholder 2"/>
+          <p:cNvSpPr>
+            <a:spLocks noGrp="1"/>
+          </p:cNvSpPr>
+          <p:nvPr>
+            <p:ph idx="1"/>
+          </p:nvPr>
+        </p:nvSpPr>
+        <p:spPr>
+          <a:xfrm>
+            <a:off x="5172502" y="1962364"/>
+            <a:ext cx="4788362" cy="4411140"/>
+          </a:xfrm>
+        </p:spPr>
+        <p:txBody>
+          <a:bodyPr/>
+          <a:lstStyle/>
+          <a:p>
+            <a:r>
+              <a:rPr lang="de-CH" dirty="0"/>
+              <a:t>Datenübertragungsrate</a:t>
+            </a:r>
+          </a:p>
+          <a:p>
+            <a:pPr lvl="1"/>
+            <a:r>
+              <a:rPr lang="de-CH" dirty="0"/>
+              <a:t>9.6kbps / 40kbps / 100kbps</a:t>
+            </a:r>
+          </a:p>
+          <a:p>
+            <a:r>
+              <a:rPr lang="de-CH" dirty="0"/>
+              <a:t>Frequenz</a:t>
+            </a:r>
+          </a:p>
+          <a:p>
+            <a:pPr lvl="1"/>
+            <a:r>
+              <a:rPr lang="de-CH" dirty="0"/>
+              <a:t>Europa: 	868.42 MHz (SRD)</a:t>
+            </a:r>
+          </a:p>
+          <a:p>
+            <a:pPr lvl="1"/>
+            <a:r>
+              <a:rPr lang="de-CH" dirty="0"/>
+              <a:t>USA:		908.42 MHz (ISM)</a:t>
+            </a:r>
+          </a:p>
+          <a:p>
+            <a:r>
+              <a:rPr lang="de-CH" dirty="0"/>
+              <a:t>Encoding</a:t>
+            </a:r>
+          </a:p>
+          <a:p>
+            <a:pPr lvl="1"/>
+            <a:r>
+              <a:rPr lang="de-CH" dirty="0"/>
+              <a:t>Manchester (9.6kbps)</a:t>
+            </a:r>
+          </a:p>
+          <a:p>
+            <a:pPr lvl="1"/>
+            <a:r>
+              <a:rPr lang="de-CH" dirty="0"/>
+              <a:t>NRZ (40kbps / 100kbps)</a:t>
+            </a:r>
+          </a:p>
+          <a:p>
+            <a:r>
+              <a:rPr lang="de-CH" dirty="0"/>
+              <a:t>Modulation</a:t>
+            </a:r>
+          </a:p>
+          <a:p>
+            <a:pPr lvl="1"/>
+            <a:r>
+              <a:rPr lang="de-CH" dirty="0"/>
+              <a:t>GFSK</a:t>
+            </a:r>
+          </a:p>
+        </p:txBody>
+      </p:sp>
+      <p:sp>
+        <p:nvSpPr>
+          <p:cNvPr id="4" name="Rounded Rectangle 3"/>
+          <p:cNvSpPr/>
+          <p:nvPr/>
+        </p:nvSpPr>
+        <p:spPr>
+          <a:xfrm>
+            <a:off x="2231136" y="5367266"/>
+            <a:ext cx="2736649" cy="869758"/>
+          </a:xfrm>
+          <a:prstGeom prst="roundRect">
+            <a:avLst/>
+          </a:prstGeom>
+          <a:ln>
+            <a:headEnd type="none" w="med" len="med"/>
+            <a:tailEnd type="none" w="med" len="med"/>
+          </a:ln>
+        </p:spPr>
+        <p:style>
+          <a:lnRef idx="2">
+            <a:schemeClr val="accent4">
+              <a:shade val="50000"/>
+            </a:schemeClr>
+          </a:lnRef>
+          <a:fillRef idx="1">
+            <a:schemeClr val="accent4"/>
+          </a:fillRef>
+          <a:effectRef idx="0">
+            <a:schemeClr val="accent4"/>
+          </a:effectRef>
+          <a:fontRef idx="minor">
+            <a:schemeClr val="lt1"/>
+          </a:fontRef>
+        </p:style>
+        <p:txBody>
+          <a:bodyPr rtlCol="0" anchor="ctr"/>
+          <a:lstStyle/>
+          <a:p>
+            <a:pPr algn="ctr"/>
+            <a:r>
+              <a:rPr lang="de-CH" dirty="0"/>
+              <a:t>Physical</a:t>
+            </a:r>
+          </a:p>
+        </p:txBody>
+      </p:sp>
+      <p:sp>
+        <p:nvSpPr>
+          <p:cNvPr id="5" name="Rounded Rectangle 4"/>
+          <p:cNvSpPr/>
+          <p:nvPr/>
+        </p:nvSpPr>
+        <p:spPr>
+          <a:xfrm>
+            <a:off x="2231136" y="4414196"/>
+            <a:ext cx="2736649" cy="869758"/>
+          </a:xfrm>
+          <a:prstGeom prst="roundRect">
+            <a:avLst/>
+          </a:prstGeom>
+          <a:noFill/>
+          <a:ln w="9525" cap="flat" cmpd="sng" algn="ctr">
+            <a:solidFill>
+              <a:schemeClr val="accent2"/>
+            </a:solidFill>
+            <a:prstDash val="solid"/>
+            <a:round/>
+            <a:headEnd type="none" w="med" len="med"/>
+            <a:tailEnd type="none" w="med" len="med"/>
+          </a:ln>
+        </p:spPr>
+        <p:style>
+          <a:lnRef idx="0">
+            <a:scrgbClr r="0" g="0" b="0"/>
+          </a:lnRef>
+          <a:fillRef idx="0">
+            <a:scrgbClr r="0" g="0" b="0"/>
+          </a:fillRef>
+          <a:effectRef idx="0">
+            <a:scrgbClr r="0" g="0" b="0"/>
+          </a:effectRef>
+          <a:fontRef idx="minor">
+            <a:schemeClr val="accent2"/>
+          </a:fontRef>
+        </p:style>
+        <p:txBody>
+          <a:bodyPr rtlCol="0" anchor="ctr"/>
+          <a:lstStyle/>
+          <a:p>
+            <a:pPr algn="ctr"/>
+            <a:r>
+              <a:rPr lang="de-CH" dirty="0"/>
+              <a:t>Transport</a:t>
+            </a:r>
+          </a:p>
+        </p:txBody>
+      </p:sp>
+      <p:sp>
+        <p:nvSpPr>
+          <p:cNvPr id="6" name="Rounded Rectangle 5"/>
+          <p:cNvSpPr/>
+          <p:nvPr/>
+        </p:nvSpPr>
+        <p:spPr>
+          <a:xfrm>
+            <a:off x="2231136" y="3455413"/>
+            <a:ext cx="2736649" cy="869758"/>
+          </a:xfrm>
+          <a:prstGeom prst="roundRect">
+            <a:avLst/>
+          </a:prstGeom>
+          <a:noFill/>
+          <a:ln w="9525" cap="flat" cmpd="sng" algn="ctr">
+            <a:solidFill>
+              <a:schemeClr val="accent2"/>
+            </a:solidFill>
+            <a:prstDash val="solid"/>
+            <a:round/>
+            <a:headEnd type="none" w="med" len="med"/>
+            <a:tailEnd type="none" w="med" len="med"/>
+          </a:ln>
+        </p:spPr>
+        <p:style>
+          <a:lnRef idx="0">
+            <a:scrgbClr r="0" g="0" b="0"/>
+          </a:lnRef>
+          <a:fillRef idx="0">
+            <a:scrgbClr r="0" g="0" b="0"/>
+          </a:fillRef>
+          <a:effectRef idx="0">
+            <a:scrgbClr r="0" g="0" b="0"/>
+          </a:effectRef>
+          <a:fontRef idx="minor">
+            <a:schemeClr val="accent2"/>
+          </a:fontRef>
+        </p:style>
+        <p:txBody>
+          <a:bodyPr rtlCol="0" anchor="ctr"/>
+          <a:lstStyle/>
+          <a:p>
+            <a:pPr algn="ctr"/>
+            <a:r>
+              <a:rPr lang="de-CH" dirty="0"/>
+              <a:t>Network</a:t>
+            </a:r>
+          </a:p>
+        </p:txBody>
+      </p:sp>
+      <p:sp>
+        <p:nvSpPr>
+          <p:cNvPr id="8" name="Rounded Rectangle 7"/>
+          <p:cNvSpPr/>
+          <p:nvPr/>
+        </p:nvSpPr>
+        <p:spPr>
+          <a:xfrm>
+            <a:off x="2231135" y="1970081"/>
+            <a:ext cx="2736649" cy="869758"/>
+          </a:xfrm>
+          <a:prstGeom prst="roundRect">
+            <a:avLst/>
+          </a:prstGeom>
+          <a:noFill/>
+          <a:ln w="9525" cap="flat" cmpd="sng" algn="ctr">
+            <a:solidFill>
+              <a:schemeClr val="accent2"/>
+            </a:solidFill>
+            <a:prstDash val="solid"/>
+            <a:round/>
+            <a:headEnd type="none" w="med" len="med"/>
+            <a:tailEnd type="none" w="med" len="med"/>
+          </a:ln>
+        </p:spPr>
+        <p:style>
+          <a:lnRef idx="0">
+            <a:scrgbClr r="0" g="0" b="0"/>
+          </a:lnRef>
+          <a:fillRef idx="0">
+            <a:scrgbClr r="0" g="0" b="0"/>
+          </a:fillRef>
+          <a:effectRef idx="0">
+            <a:scrgbClr r="0" g="0" b="0"/>
+          </a:effectRef>
+          <a:fontRef idx="minor">
+            <a:schemeClr val="accent2"/>
+          </a:fontRef>
+        </p:style>
+        <p:txBody>
+          <a:bodyPr rtlCol="0" anchor="ctr"/>
+          <a:lstStyle/>
+          <a:p>
+            <a:pPr algn="ctr"/>
+            <a:r>
+              <a:rPr lang="de-CH" dirty="0"/>
+              <a:t>Application</a:t>
+            </a:r>
+          </a:p>
+        </p:txBody>
+      </p:sp>
+      <p:sp>
+        <p:nvSpPr>
+          <p:cNvPr id="9" name="Rounded Rectangle 8"/>
+          <p:cNvSpPr/>
+          <p:nvPr/>
+        </p:nvSpPr>
+        <p:spPr>
+          <a:xfrm>
+            <a:off x="2231135" y="2894431"/>
+            <a:ext cx="2736649" cy="453758"/>
+          </a:xfrm>
+          <a:prstGeom prst="roundRect">
+            <a:avLst/>
+          </a:prstGeom>
+          <a:noFill/>
+          <a:ln w="9525" cap="flat" cmpd="sng" algn="ctr">
+            <a:solidFill>
+              <a:schemeClr val="accent2"/>
+            </a:solidFill>
+            <a:prstDash val="solid"/>
+            <a:round/>
+            <a:headEnd type="none" w="med" len="med"/>
+            <a:tailEnd type="none" w="med" len="med"/>
+          </a:ln>
+        </p:spPr>
+        <p:style>
+          <a:lnRef idx="0">
+            <a:scrgbClr r="0" g="0" b="0"/>
+          </a:lnRef>
+          <a:fillRef idx="0">
+            <a:scrgbClr r="0" g="0" b="0"/>
+          </a:fillRef>
+          <a:effectRef idx="0">
+            <a:scrgbClr r="0" g="0" b="0"/>
+          </a:effectRef>
+          <a:fontRef idx="minor">
+            <a:schemeClr val="accent2"/>
+          </a:fontRef>
+        </p:style>
+        <p:txBody>
+          <a:bodyPr rtlCol="0" anchor="ctr"/>
+          <a:lstStyle/>
+          <a:p>
+            <a:pPr algn="ctr"/>
+            <a:r>
+              <a:rPr lang="de-CH" dirty="0"/>
+              <a:t>Security</a:t>
+            </a:r>
+          </a:p>
+        </p:txBody>
+      </p:sp>
+    </p:spTree>
+    <p:extLst>
+      <p:ext uri="{BB962C8B-B14F-4D97-AF65-F5344CB8AC3E}">
+        <p14:creationId xmlns:p14="http://schemas.microsoft.com/office/powerpoint/2010/main" val="2723441090"/>
+      </p:ext>
+    </p:extLst>
+  </p:cSld>
+  <p:clrMapOvr>
+    <a:masterClrMapping/>
+  </p:clrMapOvr>
+</p:sld>
+</file>
+
+<file path=ppt/slides/slide11.xml><?xml version="1.0" encoding="utf-8"?>
+<p:sld xmlns:a="http://schemas.openxmlformats.org/drawingml/2006/main" xmlns:r="http://schemas.openxmlformats.org/officeDocument/2006/relationships" xmlns:p="http://schemas.openxmlformats.org/presentationml/2006/main">
+  <p:cSld>
+    <p:spTree>
+      <p:nvGrpSpPr>
+        <p:cNvPr id="1" name=""/>
+        <p:cNvGrpSpPr/>
+        <p:nvPr/>
+      </p:nvGrpSpPr>
+      <p:grpSpPr>
+        <a:xfrm>
+          <a:off x="0" y="0"/>
+          <a:ext cx="0" cy="0"/>
+          <a:chOff x="0" y="0"/>
+          <a:chExt cx="0" cy="0"/>
+        </a:xfrm>
+      </p:grpSpPr>
+      <p:sp>
+        <p:nvSpPr>
+          <p:cNvPr id="2" name="Title 1"/>
+          <p:cNvSpPr>
+            <a:spLocks noGrp="1"/>
+          </p:cNvSpPr>
+          <p:nvPr>
+            <p:ph type="title"/>
+          </p:nvPr>
+        </p:nvSpPr>
+        <p:spPr/>
+        <p:txBody>
+          <a:bodyPr/>
+          <a:lstStyle/>
+          <a:p>
+            <a:r>
+              <a:rPr lang="de-CH" dirty="0"/>
+              <a:t>Transport Layer</a:t>
+            </a:r>
+          </a:p>
+        </p:txBody>
+      </p:sp>
+      <p:sp>
+        <p:nvSpPr>
+          <p:cNvPr id="3" name="Content Placeholder 2"/>
+          <p:cNvSpPr>
+            <a:spLocks noGrp="1"/>
+          </p:cNvSpPr>
+          <p:nvPr>
+            <p:ph idx="1"/>
+          </p:nvPr>
+        </p:nvSpPr>
+        <p:spPr>
+          <a:xfrm>
+            <a:off x="5172502" y="1962364"/>
+            <a:ext cx="4788362" cy="4411140"/>
+          </a:xfrm>
+        </p:spPr>
+        <p:txBody>
+          <a:bodyPr/>
+          <a:lstStyle/>
+          <a:p>
+            <a:r>
+              <a:rPr lang="de-CH" dirty="0"/>
+              <a:t>Error Detection</a:t>
+            </a:r>
+          </a:p>
+          <a:p>
+            <a:r>
+              <a:rPr lang="de-CH" dirty="0"/>
+              <a:t>Retransmission</a:t>
+            </a:r>
+          </a:p>
+          <a:p>
+            <a:r>
+              <a:rPr lang="de-CH" dirty="0" err="1"/>
+              <a:t>Acknowledgement</a:t>
+            </a:r>
+            <a:endParaRPr lang="de-CH" dirty="0"/>
+          </a:p>
+        </p:txBody>
+      </p:sp>
+      <p:sp>
+        <p:nvSpPr>
+          <p:cNvPr id="4" name="Rounded Rectangle 3"/>
+          <p:cNvSpPr/>
+          <p:nvPr/>
+        </p:nvSpPr>
+        <p:spPr>
+          <a:xfrm>
+            <a:off x="2231136" y="5367266"/>
+            <a:ext cx="2736649" cy="869758"/>
+          </a:xfrm>
+          <a:prstGeom prst="roundRect">
+            <a:avLst/>
+          </a:prstGeom>
+          <a:noFill/>
+          <a:ln w="9525" cap="flat" cmpd="sng" algn="ctr">
+            <a:solidFill>
+              <a:schemeClr val="accent2"/>
+            </a:solidFill>
+            <a:prstDash val="solid"/>
+            <a:round/>
+            <a:headEnd type="none" w="med" len="med"/>
+            <a:tailEnd type="none" w="med" len="med"/>
+          </a:ln>
+        </p:spPr>
+        <p:style>
+          <a:lnRef idx="0">
+            <a:scrgbClr r="0" g="0" b="0"/>
+          </a:lnRef>
+          <a:fillRef idx="0">
+            <a:scrgbClr r="0" g="0" b="0"/>
+          </a:fillRef>
+          <a:effectRef idx="0">
+            <a:scrgbClr r="0" g="0" b="0"/>
+          </a:effectRef>
+          <a:fontRef idx="minor">
+            <a:schemeClr val="accent2"/>
+          </a:fontRef>
+        </p:style>
+        <p:txBody>
+          <a:bodyPr rtlCol="0" anchor="ctr"/>
+          <a:lstStyle/>
+          <a:p>
+            <a:pPr algn="ctr"/>
+            <a:r>
+              <a:rPr lang="de-CH" dirty="0"/>
+              <a:t>Physical</a:t>
+            </a:r>
+          </a:p>
+        </p:txBody>
+      </p:sp>
+      <p:sp>
+        <p:nvSpPr>
+          <p:cNvPr id="5" name="Rounded Rectangle 4"/>
+          <p:cNvSpPr/>
+          <p:nvPr/>
+        </p:nvSpPr>
+        <p:spPr>
+          <a:xfrm>
+            <a:off x="2231136" y="4414196"/>
+            <a:ext cx="2736649" cy="869758"/>
+          </a:xfrm>
+          <a:prstGeom prst="roundRect">
+            <a:avLst/>
+          </a:prstGeom>
+          <a:ln>
+            <a:headEnd type="none" w="med" len="med"/>
+            <a:tailEnd type="none" w="med" len="med"/>
+          </a:ln>
+        </p:spPr>
+        <p:style>
+          <a:lnRef idx="2">
+            <a:schemeClr val="accent1">
+              <a:shade val="50000"/>
+            </a:schemeClr>
+          </a:lnRef>
+          <a:fillRef idx="1">
+            <a:schemeClr val="accent1"/>
+          </a:fillRef>
+          <a:effectRef idx="0">
+            <a:schemeClr val="accent1"/>
+          </a:effectRef>
+          <a:fontRef idx="minor">
+            <a:schemeClr val="lt1"/>
+          </a:fontRef>
+        </p:style>
+        <p:txBody>
+          <a:bodyPr rtlCol="0" anchor="ctr"/>
+          <a:lstStyle/>
+          <a:p>
+            <a:pPr algn="ctr"/>
+            <a:r>
+              <a:rPr lang="de-CH" dirty="0"/>
+              <a:t>Transport</a:t>
+            </a:r>
+          </a:p>
+        </p:txBody>
+      </p:sp>
+      <p:sp>
+        <p:nvSpPr>
+          <p:cNvPr id="6" name="Rounded Rectangle 5"/>
+          <p:cNvSpPr/>
+          <p:nvPr/>
+        </p:nvSpPr>
+        <p:spPr>
+          <a:xfrm>
+            <a:off x="2231136" y="3455413"/>
+            <a:ext cx="2736649" cy="869758"/>
+          </a:xfrm>
+          <a:prstGeom prst="roundRect">
+            <a:avLst/>
+          </a:prstGeom>
+          <a:noFill/>
+          <a:ln w="9525" cap="flat" cmpd="sng" algn="ctr">
+            <a:solidFill>
+              <a:schemeClr val="accent2"/>
+            </a:solidFill>
+            <a:prstDash val="solid"/>
+            <a:round/>
+            <a:headEnd type="none" w="med" len="med"/>
+            <a:tailEnd type="none" w="med" len="med"/>
+          </a:ln>
+        </p:spPr>
+        <p:style>
+          <a:lnRef idx="0">
+            <a:scrgbClr r="0" g="0" b="0"/>
+          </a:lnRef>
+          <a:fillRef idx="0">
+            <a:scrgbClr r="0" g="0" b="0"/>
+          </a:fillRef>
+          <a:effectRef idx="0">
+            <a:scrgbClr r="0" g="0" b="0"/>
+          </a:effectRef>
+          <a:fontRef idx="minor">
+            <a:schemeClr val="accent2"/>
+          </a:fontRef>
+        </p:style>
+        <p:txBody>
+          <a:bodyPr rtlCol="0" anchor="ctr"/>
+          <a:lstStyle/>
+          <a:p>
+            <a:pPr algn="ctr"/>
+            <a:r>
+              <a:rPr lang="de-CH" dirty="0"/>
+              <a:t>Network</a:t>
+            </a:r>
+          </a:p>
+        </p:txBody>
+      </p:sp>
+      <p:sp>
+        <p:nvSpPr>
+          <p:cNvPr id="8" name="Rounded Rectangle 7"/>
+          <p:cNvSpPr/>
+          <p:nvPr/>
+        </p:nvSpPr>
+        <p:spPr>
+          <a:xfrm>
+            <a:off x="2231135" y="1970081"/>
+            <a:ext cx="2736649" cy="869758"/>
+          </a:xfrm>
+          <a:prstGeom prst="roundRect">
+            <a:avLst/>
+          </a:prstGeom>
+          <a:noFill/>
+          <a:ln w="9525" cap="flat" cmpd="sng" algn="ctr">
+            <a:solidFill>
+              <a:schemeClr val="accent2"/>
+            </a:solidFill>
+            <a:prstDash val="solid"/>
+            <a:round/>
+            <a:headEnd type="none" w="med" len="med"/>
+            <a:tailEnd type="none" w="med" len="med"/>
+          </a:ln>
+        </p:spPr>
+        <p:style>
+          <a:lnRef idx="0">
+            <a:scrgbClr r="0" g="0" b="0"/>
+          </a:lnRef>
+          <a:fillRef idx="0">
+            <a:scrgbClr r="0" g="0" b="0"/>
+          </a:fillRef>
+          <a:effectRef idx="0">
+            <a:scrgbClr r="0" g="0" b="0"/>
+          </a:effectRef>
+          <a:fontRef idx="minor">
+            <a:schemeClr val="accent2"/>
+          </a:fontRef>
+        </p:style>
+        <p:txBody>
+          <a:bodyPr rtlCol="0" anchor="ctr"/>
+          <a:lstStyle/>
+          <a:p>
+            <a:pPr algn="ctr"/>
+            <a:r>
+              <a:rPr lang="de-CH" dirty="0"/>
+              <a:t>Application</a:t>
+            </a:r>
+          </a:p>
+        </p:txBody>
+      </p:sp>
+      <p:sp>
+        <p:nvSpPr>
+          <p:cNvPr id="9" name="Rounded Rectangle 8"/>
+          <p:cNvSpPr/>
+          <p:nvPr/>
+        </p:nvSpPr>
+        <p:spPr>
+          <a:xfrm>
+            <a:off x="2231135" y="2894431"/>
+            <a:ext cx="2736649" cy="453758"/>
+          </a:xfrm>
+          <a:prstGeom prst="roundRect">
+            <a:avLst/>
+          </a:prstGeom>
+          <a:noFill/>
+          <a:ln w="9525" cap="flat" cmpd="sng" algn="ctr">
+            <a:solidFill>
+              <a:schemeClr val="accent2"/>
+            </a:solidFill>
+            <a:prstDash val="solid"/>
+            <a:round/>
+            <a:headEnd type="none" w="med" len="med"/>
+            <a:tailEnd type="none" w="med" len="med"/>
+          </a:ln>
+        </p:spPr>
+        <p:style>
+          <a:lnRef idx="0">
+            <a:scrgbClr r="0" g="0" b="0"/>
+          </a:lnRef>
+          <a:fillRef idx="0">
+            <a:scrgbClr r="0" g="0" b="0"/>
+          </a:fillRef>
+          <a:effectRef idx="0">
+            <a:scrgbClr r="0" g="0" b="0"/>
+          </a:effectRef>
+          <a:fontRef idx="minor">
+            <a:schemeClr val="accent2"/>
+          </a:fontRef>
+        </p:style>
+        <p:txBody>
+          <a:bodyPr rtlCol="0" anchor="ctr"/>
+          <a:lstStyle/>
+          <a:p>
+            <a:pPr algn="ctr"/>
+            <a:r>
+              <a:rPr lang="de-CH" dirty="0"/>
+              <a:t>Security</a:t>
+            </a:r>
+          </a:p>
+        </p:txBody>
+      </p:sp>
+    </p:spTree>
+    <p:extLst>
+      <p:ext uri="{BB962C8B-B14F-4D97-AF65-F5344CB8AC3E}">
+        <p14:creationId xmlns:p14="http://schemas.microsoft.com/office/powerpoint/2010/main" val="2054758645"/>
+      </p:ext>
+    </p:extLst>
+  </p:cSld>
+  <p:clrMapOvr>
+    <a:masterClrMapping/>
+  </p:clrMapOvr>
+</p:sld>
+</file>
+
+<file path=ppt/slides/slide12.xml><?xml version="1.0" encoding="utf-8"?>
+<p:sld xmlns:a="http://schemas.openxmlformats.org/drawingml/2006/main" xmlns:r="http://schemas.openxmlformats.org/officeDocument/2006/relationships" xmlns:p="http://schemas.openxmlformats.org/presentationml/2006/main">
+  <p:cSld>
+    <p:spTree>
+      <p:nvGrpSpPr>
+        <p:cNvPr id="1" name=""/>
+        <p:cNvGrpSpPr/>
+        <p:nvPr/>
+      </p:nvGrpSpPr>
+      <p:grpSpPr>
+        <a:xfrm>
+          <a:off x="0" y="0"/>
+          <a:ext cx="0" cy="0"/>
+          <a:chOff x="0" y="0"/>
+          <a:chExt cx="0" cy="0"/>
+        </a:xfrm>
+      </p:grpSpPr>
+      <p:sp>
+        <p:nvSpPr>
+          <p:cNvPr id="2" name="Title 1"/>
+          <p:cNvSpPr>
+            <a:spLocks noGrp="1"/>
+          </p:cNvSpPr>
+          <p:nvPr>
+            <p:ph type="title"/>
+          </p:nvPr>
+        </p:nvSpPr>
+        <p:spPr/>
+        <p:txBody>
+          <a:bodyPr/>
+          <a:lstStyle/>
+          <a:p>
+            <a:r>
+              <a:rPr lang="de-CH" dirty="0"/>
+              <a:t>Network Layer</a:t>
+            </a:r>
+          </a:p>
+        </p:txBody>
+      </p:sp>
+      <p:sp>
+        <p:nvSpPr>
+          <p:cNvPr id="3" name="Content Placeholder 2"/>
+          <p:cNvSpPr>
+            <a:spLocks noGrp="1"/>
+          </p:cNvSpPr>
+          <p:nvPr>
+            <p:ph idx="1"/>
+          </p:nvPr>
+        </p:nvSpPr>
+        <p:spPr>
+          <a:xfrm>
+            <a:off x="5172502" y="1962364"/>
+            <a:ext cx="4788362" cy="4411140"/>
+          </a:xfrm>
+        </p:spPr>
+        <p:txBody>
+          <a:bodyPr/>
+          <a:lstStyle/>
+          <a:p>
+            <a:r>
+              <a:rPr lang="de-CH" dirty="0"/>
+              <a:t>Mesh Netzwerk</a:t>
+            </a:r>
+          </a:p>
+          <a:p>
+            <a:r>
+              <a:rPr lang="de-CH" dirty="0"/>
+              <a:t>32-Bit Home ID</a:t>
+            </a:r>
+          </a:p>
+          <a:p>
+            <a:pPr lvl="1"/>
+            <a:r>
+              <a:rPr lang="de-CH" dirty="0"/>
+              <a:t>Pro Controller</a:t>
+            </a:r>
+          </a:p>
+          <a:p>
+            <a:pPr lvl="1"/>
+            <a:r>
+              <a:rPr lang="de-CH" dirty="0"/>
+              <a:t>Vom Hersteller vergeben</a:t>
+            </a:r>
+          </a:p>
+          <a:p>
+            <a:r>
+              <a:rPr lang="de-CH" dirty="0"/>
+              <a:t>8-Bit Node ID</a:t>
+            </a:r>
+          </a:p>
+          <a:p>
+            <a:pPr lvl="1"/>
+            <a:r>
+              <a:rPr lang="de-CH" dirty="0"/>
+              <a:t>Pro Endgerät</a:t>
+            </a:r>
+          </a:p>
+          <a:p>
+            <a:pPr lvl="1"/>
+            <a:r>
+              <a:rPr lang="de-CH" dirty="0"/>
+              <a:t>Vom Controller vergeben</a:t>
+            </a:r>
+          </a:p>
+        </p:txBody>
+      </p:sp>
+      <p:sp>
+        <p:nvSpPr>
+          <p:cNvPr id="4" name="Rounded Rectangle 3"/>
+          <p:cNvSpPr/>
+          <p:nvPr/>
+        </p:nvSpPr>
+        <p:spPr>
+          <a:xfrm>
+            <a:off x="2231136" y="5367266"/>
+            <a:ext cx="2736649" cy="869758"/>
+          </a:xfrm>
+          <a:prstGeom prst="roundRect">
+            <a:avLst/>
+          </a:prstGeom>
+          <a:noFill/>
+          <a:ln w="9525" cap="flat" cmpd="sng" algn="ctr">
+            <a:solidFill>
+              <a:schemeClr val="accent2"/>
+            </a:solidFill>
+            <a:prstDash val="solid"/>
+            <a:round/>
+            <a:headEnd type="none" w="med" len="med"/>
+            <a:tailEnd type="none" w="med" len="med"/>
+          </a:ln>
+        </p:spPr>
+        <p:style>
+          <a:lnRef idx="0">
+            <a:scrgbClr r="0" g="0" b="0"/>
+          </a:lnRef>
+          <a:fillRef idx="0">
+            <a:scrgbClr r="0" g="0" b="0"/>
+          </a:fillRef>
+          <a:effectRef idx="0">
+            <a:scrgbClr r="0" g="0" b="0"/>
+          </a:effectRef>
+          <a:fontRef idx="minor">
+            <a:schemeClr val="accent2"/>
+          </a:fontRef>
+        </p:style>
+        <p:txBody>
+          <a:bodyPr rtlCol="0" anchor="ctr"/>
+          <a:lstStyle/>
+          <a:p>
+            <a:pPr algn="ctr"/>
+            <a:r>
+              <a:rPr lang="de-CH" dirty="0"/>
+              <a:t>Physical</a:t>
+            </a:r>
+          </a:p>
+        </p:txBody>
+      </p:sp>
+      <p:sp>
+        <p:nvSpPr>
+          <p:cNvPr id="5" name="Rounded Rectangle 4"/>
+          <p:cNvSpPr/>
+          <p:nvPr/>
+        </p:nvSpPr>
+        <p:spPr>
+          <a:xfrm>
+            <a:off x="2231136" y="4414196"/>
+            <a:ext cx="2736649" cy="869758"/>
+          </a:xfrm>
+          <a:prstGeom prst="roundRect">
+            <a:avLst/>
+          </a:prstGeom>
+          <a:noFill/>
+          <a:ln w="9525" cap="flat" cmpd="sng" algn="ctr">
+            <a:solidFill>
+              <a:schemeClr val="accent2"/>
+            </a:solidFill>
+            <a:prstDash val="solid"/>
+            <a:round/>
+            <a:headEnd type="none" w="med" len="med"/>
+            <a:tailEnd type="none" w="med" len="med"/>
+          </a:ln>
+        </p:spPr>
+        <p:style>
+          <a:lnRef idx="0">
+            <a:scrgbClr r="0" g="0" b="0"/>
+          </a:lnRef>
+          <a:fillRef idx="0">
+            <a:scrgbClr r="0" g="0" b="0"/>
+          </a:fillRef>
+          <a:effectRef idx="0">
+            <a:scrgbClr r="0" g="0" b="0"/>
+          </a:effectRef>
+          <a:fontRef idx="minor">
+            <a:schemeClr val="accent2"/>
+          </a:fontRef>
+        </p:style>
+        <p:txBody>
+          <a:bodyPr rtlCol="0" anchor="ctr"/>
+          <a:lstStyle/>
+          <a:p>
+            <a:pPr algn="ctr"/>
+            <a:r>
+              <a:rPr lang="de-CH" dirty="0"/>
+              <a:t>Transport</a:t>
+            </a:r>
+          </a:p>
+        </p:txBody>
+      </p:sp>
+      <p:sp>
+        <p:nvSpPr>
+          <p:cNvPr id="6" name="Rounded Rectangle 5"/>
+          <p:cNvSpPr/>
+          <p:nvPr/>
+        </p:nvSpPr>
+        <p:spPr>
+          <a:xfrm>
+            <a:off x="2231136" y="3455413"/>
+            <a:ext cx="2736649" cy="869758"/>
+          </a:xfrm>
+          <a:prstGeom prst="roundRect">
+            <a:avLst/>
+          </a:prstGeom>
+          <a:ln>
+            <a:headEnd type="none" w="med" len="med"/>
+            <a:tailEnd type="none" w="med" len="med"/>
+          </a:ln>
+        </p:spPr>
+        <p:style>
+          <a:lnRef idx="2">
+            <a:schemeClr val="accent3">
+              <a:shade val="50000"/>
+            </a:schemeClr>
+          </a:lnRef>
+          <a:fillRef idx="1">
+            <a:schemeClr val="accent3"/>
+          </a:fillRef>
+          <a:effectRef idx="0">
+            <a:schemeClr val="accent3"/>
+          </a:effectRef>
+          <a:fontRef idx="minor">
+            <a:schemeClr val="lt1"/>
+          </a:fontRef>
+        </p:style>
+        <p:txBody>
+          <a:bodyPr rtlCol="0" anchor="ctr"/>
+          <a:lstStyle/>
+          <a:p>
+            <a:pPr algn="ctr"/>
+            <a:r>
+              <a:rPr lang="de-CH" dirty="0"/>
+              <a:t>Network</a:t>
+            </a:r>
+          </a:p>
+        </p:txBody>
+      </p:sp>
+      <p:sp>
+        <p:nvSpPr>
+          <p:cNvPr id="8" name="Rounded Rectangle 7"/>
+          <p:cNvSpPr/>
+          <p:nvPr/>
+        </p:nvSpPr>
+        <p:spPr>
+          <a:xfrm>
+            <a:off x="2231135" y="1970081"/>
+            <a:ext cx="2736649" cy="869758"/>
+          </a:xfrm>
+          <a:prstGeom prst="roundRect">
+            <a:avLst/>
+          </a:prstGeom>
+          <a:noFill/>
+          <a:ln w="9525" cap="flat" cmpd="sng" algn="ctr">
+            <a:solidFill>
+              <a:schemeClr val="accent2"/>
+            </a:solidFill>
+            <a:prstDash val="solid"/>
+            <a:round/>
+            <a:headEnd type="none" w="med" len="med"/>
+            <a:tailEnd type="none" w="med" len="med"/>
+          </a:ln>
+        </p:spPr>
+        <p:style>
+          <a:lnRef idx="0">
+            <a:scrgbClr r="0" g="0" b="0"/>
+          </a:lnRef>
+          <a:fillRef idx="0">
+            <a:scrgbClr r="0" g="0" b="0"/>
+          </a:fillRef>
+          <a:effectRef idx="0">
+            <a:scrgbClr r="0" g="0" b="0"/>
+          </a:effectRef>
+          <a:fontRef idx="minor">
+            <a:schemeClr val="accent2"/>
+          </a:fontRef>
+        </p:style>
+        <p:txBody>
+          <a:bodyPr rtlCol="0" anchor="ctr"/>
+          <a:lstStyle/>
+          <a:p>
+            <a:pPr algn="ctr"/>
+            <a:r>
+              <a:rPr lang="de-CH" dirty="0"/>
+              <a:t>Application</a:t>
+            </a:r>
+          </a:p>
+        </p:txBody>
+      </p:sp>
+      <p:sp>
+        <p:nvSpPr>
+          <p:cNvPr id="9" name="Rounded Rectangle 8"/>
+          <p:cNvSpPr/>
+          <p:nvPr/>
+        </p:nvSpPr>
+        <p:spPr>
+          <a:xfrm>
+            <a:off x="2231135" y="2894431"/>
+            <a:ext cx="2736649" cy="453758"/>
+          </a:xfrm>
+          <a:prstGeom prst="roundRect">
+            <a:avLst/>
+          </a:prstGeom>
+          <a:noFill/>
+          <a:ln w="9525" cap="flat" cmpd="sng" algn="ctr">
+            <a:solidFill>
+              <a:schemeClr val="accent2"/>
+            </a:solidFill>
+            <a:prstDash val="solid"/>
+            <a:round/>
+            <a:headEnd type="none" w="med" len="med"/>
+            <a:tailEnd type="none" w="med" len="med"/>
+          </a:ln>
+        </p:spPr>
+        <p:style>
+          <a:lnRef idx="0">
+            <a:scrgbClr r="0" g="0" b="0"/>
+          </a:lnRef>
+          <a:fillRef idx="0">
+            <a:scrgbClr r="0" g="0" b="0"/>
+          </a:fillRef>
+          <a:effectRef idx="0">
+            <a:scrgbClr r="0" g="0" b="0"/>
+          </a:effectRef>
+          <a:fontRef idx="minor">
+            <a:schemeClr val="accent2"/>
+          </a:fontRef>
+        </p:style>
+        <p:txBody>
+          <a:bodyPr rtlCol="0" anchor="ctr"/>
+          <a:lstStyle/>
+          <a:p>
+            <a:pPr algn="ctr"/>
+            <a:r>
+              <a:rPr lang="de-CH" dirty="0"/>
+              <a:t>Security</a:t>
+            </a:r>
+          </a:p>
+        </p:txBody>
+      </p:sp>
+    </p:spTree>
+    <p:extLst>
+      <p:ext uri="{BB962C8B-B14F-4D97-AF65-F5344CB8AC3E}">
+        <p14:creationId xmlns:p14="http://schemas.microsoft.com/office/powerpoint/2010/main" val="1217021765"/>
+      </p:ext>
+    </p:extLst>
+  </p:cSld>
+  <p:clrMapOvr>
+    <a:masterClrMapping/>
+  </p:clrMapOvr>
+</p:sld>
+</file>
+
+<file path=ppt/slides/slide13.xml><?xml version="1.0" encoding="utf-8"?>
+<p:sld xmlns:a="http://schemas.openxmlformats.org/drawingml/2006/main" xmlns:r="http://schemas.openxmlformats.org/officeDocument/2006/relationships" xmlns:p="http://schemas.openxmlformats.org/presentationml/2006/main">
+  <p:cSld>
+    <p:spTree>
+      <p:nvGrpSpPr>
+        <p:cNvPr id="1" name=""/>
+        <p:cNvGrpSpPr/>
+        <p:nvPr/>
+      </p:nvGrpSpPr>
+      <p:grpSpPr>
+        <a:xfrm>
+          <a:off x="0" y="0"/>
+          <a:ext cx="0" cy="0"/>
+          <a:chOff x="0" y="0"/>
+          <a:chExt cx="0" cy="0"/>
+        </a:xfrm>
+      </p:grpSpPr>
+      <p:sp>
+        <p:nvSpPr>
+          <p:cNvPr id="2" name="Title 1"/>
+          <p:cNvSpPr>
+            <a:spLocks noGrp="1"/>
+          </p:cNvSpPr>
+          <p:nvPr>
+            <p:ph type="title"/>
+          </p:nvPr>
+        </p:nvSpPr>
+        <p:spPr/>
+        <p:txBody>
+          <a:bodyPr/>
+          <a:lstStyle/>
+          <a:p>
+            <a:r>
+              <a:rPr lang="de-CH" dirty="0"/>
+              <a:t>Security Layer</a:t>
+            </a:r>
+          </a:p>
+        </p:txBody>
+      </p:sp>
+      <p:sp>
+        <p:nvSpPr>
+          <p:cNvPr id="3" name="Content Placeholder 2"/>
+          <p:cNvSpPr>
+            <a:spLocks noGrp="1"/>
+          </p:cNvSpPr>
+          <p:nvPr>
+            <p:ph idx="1"/>
+          </p:nvPr>
+        </p:nvSpPr>
+        <p:spPr>
+          <a:xfrm>
+            <a:off x="5172502" y="1962364"/>
+            <a:ext cx="4788362" cy="4411140"/>
+          </a:xfrm>
+        </p:spPr>
+        <p:txBody>
+          <a:bodyPr/>
+          <a:lstStyle/>
+          <a:p>
+            <a:r>
+              <a:rPr lang="de-CH" dirty="0"/>
+              <a:t>Preshared Key</a:t>
+            </a:r>
+          </a:p>
+          <a:p>
+            <a:pPr lvl="1"/>
+            <a:r>
+              <a:rPr lang="de-CH" dirty="0"/>
+              <a:t>128Bit Network Key</a:t>
+            </a:r>
+          </a:p>
+          <a:p>
+            <a:pPr lvl="1"/>
+            <a:r>
+              <a:rPr lang="de-CH" dirty="0"/>
+              <a:t>Von Controller generiert</a:t>
+            </a:r>
+          </a:p>
+          <a:p>
+            <a:r>
+              <a:rPr lang="de-CH" dirty="0"/>
+              <a:t>Cipher &amp; MAC-Keys</a:t>
+            </a:r>
+          </a:p>
+          <a:p>
+            <a:pPr lvl="1"/>
+            <a:r>
+              <a:rPr lang="de-CH" dirty="0"/>
+              <a:t>128Bit</a:t>
+            </a:r>
+          </a:p>
+          <a:p>
+            <a:pPr lvl="1"/>
+            <a:r>
+              <a:rPr lang="de-CH" dirty="0"/>
+              <a:t>Von Netzwerk Key abgeleitet</a:t>
+            </a:r>
+          </a:p>
+          <a:p>
+            <a:r>
+              <a:rPr lang="de-CH" dirty="0"/>
+              <a:t>Nonce</a:t>
+            </a:r>
+          </a:p>
+          <a:p>
+            <a:pPr lvl="1"/>
+            <a:r>
+              <a:rPr lang="de-CH" dirty="0"/>
+              <a:t>64Bit</a:t>
+            </a:r>
+          </a:p>
+          <a:p>
+            <a:pPr lvl="1"/>
+            <a:r>
+              <a:rPr lang="de-CH" dirty="0"/>
+              <a:t>Gegen Replay Attacken</a:t>
+            </a:r>
+          </a:p>
+          <a:p>
+            <a:r>
+              <a:rPr lang="de-CH" dirty="0"/>
+              <a:t>Encryption:  AES-OFB</a:t>
+            </a:r>
+          </a:p>
+          <a:p>
+            <a:r>
+              <a:rPr lang="de-CH" dirty="0"/>
+              <a:t>Authentication:  AES-CBCMAC</a:t>
+            </a:r>
+          </a:p>
+        </p:txBody>
+      </p:sp>
+      <p:sp>
+        <p:nvSpPr>
+          <p:cNvPr id="4" name="Rounded Rectangle 3"/>
+          <p:cNvSpPr/>
+          <p:nvPr/>
+        </p:nvSpPr>
+        <p:spPr>
+          <a:xfrm>
+            <a:off x="2231136" y="5367266"/>
+            <a:ext cx="2736649" cy="869758"/>
+          </a:xfrm>
+          <a:prstGeom prst="roundRect">
+            <a:avLst/>
+          </a:prstGeom>
+          <a:noFill/>
+          <a:ln w="9525" cap="flat" cmpd="sng" algn="ctr">
+            <a:solidFill>
+              <a:schemeClr val="accent2"/>
+            </a:solidFill>
+            <a:prstDash val="solid"/>
+            <a:round/>
+            <a:headEnd type="none" w="med" len="med"/>
+            <a:tailEnd type="none" w="med" len="med"/>
+          </a:ln>
+        </p:spPr>
+        <p:style>
+          <a:lnRef idx="0">
+            <a:scrgbClr r="0" g="0" b="0"/>
+          </a:lnRef>
+          <a:fillRef idx="0">
+            <a:scrgbClr r="0" g="0" b="0"/>
+          </a:fillRef>
+          <a:effectRef idx="0">
+            <a:scrgbClr r="0" g="0" b="0"/>
+          </a:effectRef>
+          <a:fontRef idx="minor">
+            <a:schemeClr val="accent2"/>
+          </a:fontRef>
+        </p:style>
+        <p:txBody>
+          <a:bodyPr rtlCol="0" anchor="ctr"/>
+          <a:lstStyle/>
+          <a:p>
+            <a:pPr algn="ctr"/>
+            <a:r>
+              <a:rPr lang="de-CH" dirty="0"/>
+              <a:t>Physical</a:t>
+            </a:r>
+          </a:p>
+        </p:txBody>
+      </p:sp>
+      <p:sp>
+        <p:nvSpPr>
+          <p:cNvPr id="5" name="Rounded Rectangle 4"/>
+          <p:cNvSpPr/>
+          <p:nvPr/>
+        </p:nvSpPr>
+        <p:spPr>
+          <a:xfrm>
+            <a:off x="2231136" y="4414196"/>
+            <a:ext cx="2736649" cy="869758"/>
+          </a:xfrm>
+          <a:prstGeom prst="roundRect">
+            <a:avLst/>
+          </a:prstGeom>
+          <a:noFill/>
+          <a:ln w="9525" cap="flat" cmpd="sng" algn="ctr">
+            <a:solidFill>
+              <a:schemeClr val="accent2"/>
+            </a:solidFill>
+            <a:prstDash val="solid"/>
+            <a:round/>
+            <a:headEnd type="none" w="med" len="med"/>
+            <a:tailEnd type="none" w="med" len="med"/>
+          </a:ln>
+        </p:spPr>
+        <p:style>
+          <a:lnRef idx="0">
+            <a:scrgbClr r="0" g="0" b="0"/>
+          </a:lnRef>
+          <a:fillRef idx="0">
+            <a:scrgbClr r="0" g="0" b="0"/>
+          </a:fillRef>
+          <a:effectRef idx="0">
+            <a:scrgbClr r="0" g="0" b="0"/>
+          </a:effectRef>
+          <a:fontRef idx="minor">
+            <a:schemeClr val="accent2"/>
+          </a:fontRef>
+        </p:style>
+        <p:txBody>
+          <a:bodyPr rtlCol="0" anchor="ctr"/>
+          <a:lstStyle/>
+          <a:p>
+            <a:pPr algn="ctr"/>
+            <a:r>
+              <a:rPr lang="de-CH" dirty="0"/>
+              <a:t>Transport</a:t>
+            </a:r>
+          </a:p>
+        </p:txBody>
+      </p:sp>
+      <p:sp>
+        <p:nvSpPr>
+          <p:cNvPr id="6" name="Rounded Rectangle 5"/>
+          <p:cNvSpPr/>
+          <p:nvPr/>
+        </p:nvSpPr>
+        <p:spPr>
+          <a:xfrm>
+            <a:off x="2231136" y="3455413"/>
+            <a:ext cx="2736649" cy="869758"/>
+          </a:xfrm>
+          <a:prstGeom prst="roundRect">
+            <a:avLst/>
+          </a:prstGeom>
+          <a:noFill/>
+          <a:ln w="9525" cap="flat" cmpd="sng" algn="ctr">
+            <a:solidFill>
+              <a:schemeClr val="accent2"/>
+            </a:solidFill>
+            <a:prstDash val="solid"/>
+            <a:round/>
+            <a:headEnd type="none" w="med" len="med"/>
+            <a:tailEnd type="none" w="med" len="med"/>
+          </a:ln>
+        </p:spPr>
+        <p:style>
+          <a:lnRef idx="0">
+            <a:scrgbClr r="0" g="0" b="0"/>
+          </a:lnRef>
+          <a:fillRef idx="0">
+            <a:scrgbClr r="0" g="0" b="0"/>
+          </a:fillRef>
+          <a:effectRef idx="0">
+            <a:scrgbClr r="0" g="0" b="0"/>
+          </a:effectRef>
+          <a:fontRef idx="minor">
+            <a:schemeClr val="accent2"/>
+          </a:fontRef>
+        </p:style>
+        <p:txBody>
+          <a:bodyPr rtlCol="0" anchor="ctr"/>
+          <a:lstStyle/>
+          <a:p>
+            <a:pPr algn="ctr"/>
+            <a:r>
+              <a:rPr lang="de-CH" dirty="0"/>
+              <a:t>Network</a:t>
+            </a:r>
+          </a:p>
+        </p:txBody>
+      </p:sp>
+      <p:sp>
+        <p:nvSpPr>
+          <p:cNvPr id="8" name="Rounded Rectangle 7"/>
+          <p:cNvSpPr/>
+          <p:nvPr/>
+        </p:nvSpPr>
+        <p:spPr>
+          <a:xfrm>
+            <a:off x="2231135" y="1970081"/>
+            <a:ext cx="2736649" cy="869758"/>
+          </a:xfrm>
+          <a:prstGeom prst="roundRect">
+            <a:avLst/>
+          </a:prstGeom>
+          <a:noFill/>
+          <a:ln w="9525" cap="flat" cmpd="sng" algn="ctr">
+            <a:solidFill>
+              <a:schemeClr val="accent2"/>
+            </a:solidFill>
+            <a:prstDash val="solid"/>
+            <a:round/>
+            <a:headEnd type="none" w="med" len="med"/>
+            <a:tailEnd type="none" w="med" len="med"/>
+          </a:ln>
+        </p:spPr>
+        <p:style>
+          <a:lnRef idx="0">
+            <a:scrgbClr r="0" g="0" b="0"/>
+          </a:lnRef>
+          <a:fillRef idx="0">
+            <a:scrgbClr r="0" g="0" b="0"/>
+          </a:fillRef>
+          <a:effectRef idx="0">
+            <a:scrgbClr r="0" g="0" b="0"/>
+          </a:effectRef>
+          <a:fontRef idx="minor">
+            <a:schemeClr val="accent2"/>
+          </a:fontRef>
+        </p:style>
+        <p:txBody>
+          <a:bodyPr rtlCol="0" anchor="ctr"/>
+          <a:lstStyle/>
+          <a:p>
+            <a:pPr algn="ctr"/>
+            <a:r>
+              <a:rPr lang="de-CH" dirty="0"/>
+              <a:t>Application</a:t>
+            </a:r>
+          </a:p>
+        </p:txBody>
+      </p:sp>
+      <p:sp>
+        <p:nvSpPr>
+          <p:cNvPr id="9" name="Rounded Rectangle 8"/>
+          <p:cNvSpPr/>
+          <p:nvPr/>
+        </p:nvSpPr>
+        <p:spPr>
+          <a:xfrm>
+            <a:off x="2231135" y="2894431"/>
+            <a:ext cx="2736649" cy="453758"/>
+          </a:xfrm>
+          <a:prstGeom prst="roundRect">
+            <a:avLst/>
+          </a:prstGeom>
+          <a:ln>
+            <a:headEnd type="none" w="med" len="med"/>
+            <a:tailEnd type="none" w="med" len="med"/>
+          </a:ln>
+        </p:spPr>
+        <p:style>
+          <a:lnRef idx="2">
+            <a:schemeClr val="accent6">
+              <a:shade val="50000"/>
+            </a:schemeClr>
+          </a:lnRef>
+          <a:fillRef idx="1">
+            <a:schemeClr val="accent6"/>
+          </a:fillRef>
+          <a:effectRef idx="0">
+            <a:schemeClr val="accent6"/>
+          </a:effectRef>
+          <a:fontRef idx="minor">
+            <a:schemeClr val="lt1"/>
+          </a:fontRef>
+        </p:style>
+        <p:txBody>
+          <a:bodyPr rtlCol="0" anchor="ctr"/>
+          <a:lstStyle/>
+          <a:p>
+            <a:pPr algn="ctr"/>
+            <a:r>
+              <a:rPr lang="de-CH" dirty="0"/>
+              <a:t>Security</a:t>
+            </a:r>
+          </a:p>
+        </p:txBody>
+      </p:sp>
+    </p:spTree>
+    <p:extLst>
+      <p:ext uri="{BB962C8B-B14F-4D97-AF65-F5344CB8AC3E}">
+        <p14:creationId xmlns:p14="http://schemas.microsoft.com/office/powerpoint/2010/main" val="129386674"/>
+      </p:ext>
+    </p:extLst>
+  </p:cSld>
+  <p:clrMapOvr>
+    <a:masterClrMapping/>
+  </p:clrMapOvr>
+</p:sld>
+</file>
+
+<file path=ppt/slides/slide14.xml><?xml version="1.0" encoding="utf-8"?>
+<p:sld xmlns:a="http://schemas.openxmlformats.org/drawingml/2006/main" xmlns:r="http://schemas.openxmlformats.org/officeDocument/2006/relationships" xmlns:p="http://schemas.openxmlformats.org/presentationml/2006/main">
+  <p:cSld>
+    <p:spTree>
+      <p:nvGrpSpPr>
+        <p:cNvPr id="1" name=""/>
+        <p:cNvGrpSpPr/>
+        <p:nvPr/>
+      </p:nvGrpSpPr>
+      <p:grpSpPr>
+        <a:xfrm>
+          <a:off x="0" y="0"/>
+          <a:ext cx="0" cy="0"/>
+          <a:chOff x="0" y="0"/>
+          <a:chExt cx="0" cy="0"/>
+        </a:xfrm>
+      </p:grpSpPr>
+      <p:sp>
+        <p:nvSpPr>
+          <p:cNvPr id="2" name="Title 1"/>
+          <p:cNvSpPr>
+            <a:spLocks noGrp="1"/>
+          </p:cNvSpPr>
+          <p:nvPr>
+            <p:ph type="title"/>
+          </p:nvPr>
+        </p:nvSpPr>
+        <p:spPr/>
+        <p:txBody>
+          <a:bodyPr/>
+          <a:lstStyle/>
+          <a:p>
+            <a:r>
+              <a:rPr lang="de-CH" dirty="0"/>
+              <a:t>Application Layer</a:t>
+            </a:r>
+          </a:p>
+        </p:txBody>
+      </p:sp>
+      <p:sp>
+        <p:nvSpPr>
+          <p:cNvPr id="3" name="Content Placeholder 2"/>
+          <p:cNvSpPr>
+            <a:spLocks noGrp="1"/>
+          </p:cNvSpPr>
+          <p:nvPr>
+            <p:ph idx="1"/>
+          </p:nvPr>
+        </p:nvSpPr>
+        <p:spPr>
+          <a:xfrm>
+            <a:off x="5172502" y="1962364"/>
+            <a:ext cx="4788362" cy="4411140"/>
+          </a:xfrm>
+        </p:spPr>
+        <p:txBody>
+          <a:bodyPr/>
+          <a:lstStyle/>
+          <a:p>
+            <a:r>
+              <a:rPr lang="de-CH" dirty="0"/>
+              <a:t>Command Classes</a:t>
+            </a:r>
+          </a:p>
+          <a:p>
+            <a:pPr lvl="1"/>
+            <a:r>
+              <a:rPr lang="de-CH" dirty="0"/>
+              <a:t>SET</a:t>
+            </a:r>
+          </a:p>
+          <a:p>
+            <a:pPr lvl="1"/>
+            <a:r>
+              <a:rPr lang="de-CH" dirty="0"/>
+              <a:t>GET</a:t>
+            </a:r>
+          </a:p>
+          <a:p>
+            <a:pPr lvl="1"/>
+            <a:r>
+              <a:rPr lang="de-CH" dirty="0"/>
+              <a:t>REPORT</a:t>
+            </a:r>
+          </a:p>
+          <a:p>
+            <a:r>
+              <a:rPr lang="de-CH" dirty="0"/>
+              <a:t>Werte: 0-255</a:t>
+            </a:r>
+          </a:p>
+          <a:p>
+            <a:r>
+              <a:rPr lang="de-CH" dirty="0"/>
+              <a:t>Interpretation den Endgeräten überlassen</a:t>
+            </a:r>
+          </a:p>
+          <a:p>
+            <a:endParaRPr lang="de-CH" dirty="0"/>
+          </a:p>
+        </p:txBody>
+      </p:sp>
+      <p:sp>
+        <p:nvSpPr>
+          <p:cNvPr id="4" name="Rounded Rectangle 3"/>
+          <p:cNvSpPr/>
+          <p:nvPr/>
+        </p:nvSpPr>
+        <p:spPr>
+          <a:xfrm>
+            <a:off x="2231136" y="5367266"/>
+            <a:ext cx="2736649" cy="869758"/>
+          </a:xfrm>
+          <a:prstGeom prst="roundRect">
+            <a:avLst/>
+          </a:prstGeom>
+          <a:noFill/>
+          <a:ln w="9525" cap="flat" cmpd="sng" algn="ctr">
+            <a:solidFill>
+              <a:schemeClr val="accent2"/>
+            </a:solidFill>
+            <a:prstDash val="solid"/>
+            <a:round/>
+            <a:headEnd type="none" w="med" len="med"/>
+            <a:tailEnd type="none" w="med" len="med"/>
+          </a:ln>
+        </p:spPr>
+        <p:style>
+          <a:lnRef idx="0">
+            <a:scrgbClr r="0" g="0" b="0"/>
+          </a:lnRef>
+          <a:fillRef idx="0">
+            <a:scrgbClr r="0" g="0" b="0"/>
+          </a:fillRef>
+          <a:effectRef idx="0">
+            <a:scrgbClr r="0" g="0" b="0"/>
+          </a:effectRef>
+          <a:fontRef idx="minor">
+            <a:schemeClr val="accent2"/>
+          </a:fontRef>
+        </p:style>
+        <p:txBody>
+          <a:bodyPr rtlCol="0" anchor="ctr"/>
+          <a:lstStyle/>
+          <a:p>
+            <a:pPr algn="ctr"/>
+            <a:r>
+              <a:rPr lang="de-CH" dirty="0"/>
+              <a:t>Physical</a:t>
+            </a:r>
+          </a:p>
+        </p:txBody>
+      </p:sp>
+      <p:sp>
+        <p:nvSpPr>
+          <p:cNvPr id="5" name="Rounded Rectangle 4"/>
+          <p:cNvSpPr/>
+          <p:nvPr/>
+        </p:nvSpPr>
+        <p:spPr>
+          <a:xfrm>
+            <a:off x="2231136" y="4414196"/>
+            <a:ext cx="2736649" cy="869758"/>
+          </a:xfrm>
+          <a:prstGeom prst="roundRect">
+            <a:avLst/>
+          </a:prstGeom>
+          <a:noFill/>
+          <a:ln w="9525" cap="flat" cmpd="sng" algn="ctr">
+            <a:solidFill>
+              <a:schemeClr val="accent2"/>
+            </a:solidFill>
+            <a:prstDash val="solid"/>
+            <a:round/>
+            <a:headEnd type="none" w="med" len="med"/>
+            <a:tailEnd type="none" w="med" len="med"/>
+          </a:ln>
+        </p:spPr>
+        <p:style>
+          <a:lnRef idx="0">
+            <a:scrgbClr r="0" g="0" b="0"/>
+          </a:lnRef>
+          <a:fillRef idx="0">
+            <a:scrgbClr r="0" g="0" b="0"/>
+          </a:fillRef>
+          <a:effectRef idx="0">
+            <a:scrgbClr r="0" g="0" b="0"/>
+          </a:effectRef>
+          <a:fontRef idx="minor">
+            <a:schemeClr val="accent2"/>
+          </a:fontRef>
+        </p:style>
+        <p:txBody>
+          <a:bodyPr rtlCol="0" anchor="ctr"/>
+          <a:lstStyle/>
+          <a:p>
+            <a:pPr algn="ctr"/>
+            <a:r>
+              <a:rPr lang="de-CH" dirty="0"/>
+              <a:t>Transport</a:t>
+            </a:r>
+          </a:p>
+        </p:txBody>
+      </p:sp>
+      <p:sp>
+        <p:nvSpPr>
+          <p:cNvPr id="6" name="Rounded Rectangle 5"/>
+          <p:cNvSpPr/>
+          <p:nvPr/>
+        </p:nvSpPr>
+        <p:spPr>
+          <a:xfrm>
+            <a:off x="2231136" y="3455413"/>
+            <a:ext cx="2736649" cy="869758"/>
+          </a:xfrm>
+          <a:prstGeom prst="roundRect">
+            <a:avLst/>
+          </a:prstGeom>
+          <a:noFill/>
+          <a:ln w="9525" cap="flat" cmpd="sng" algn="ctr">
+            <a:solidFill>
+              <a:schemeClr val="accent2"/>
+            </a:solidFill>
+            <a:prstDash val="solid"/>
+            <a:round/>
+            <a:headEnd type="none" w="med" len="med"/>
+            <a:tailEnd type="none" w="med" len="med"/>
+          </a:ln>
+        </p:spPr>
+        <p:style>
+          <a:lnRef idx="0">
+            <a:scrgbClr r="0" g="0" b="0"/>
+          </a:lnRef>
+          <a:fillRef idx="0">
+            <a:scrgbClr r="0" g="0" b="0"/>
+          </a:fillRef>
+          <a:effectRef idx="0">
+            <a:scrgbClr r="0" g="0" b="0"/>
+          </a:effectRef>
+          <a:fontRef idx="minor">
+            <a:schemeClr val="accent2"/>
+          </a:fontRef>
+        </p:style>
+        <p:txBody>
+          <a:bodyPr rtlCol="0" anchor="ctr"/>
+          <a:lstStyle/>
+          <a:p>
+            <a:pPr algn="ctr"/>
+            <a:r>
+              <a:rPr lang="de-CH" dirty="0"/>
+              <a:t>Network</a:t>
+            </a:r>
+          </a:p>
+        </p:txBody>
+      </p:sp>
+      <p:sp>
+        <p:nvSpPr>
+          <p:cNvPr id="8" name="Rounded Rectangle 7"/>
+          <p:cNvSpPr/>
+          <p:nvPr/>
+        </p:nvSpPr>
+        <p:spPr>
+          <a:xfrm>
+            <a:off x="2231135" y="1970081"/>
+            <a:ext cx="2736649" cy="869758"/>
+          </a:xfrm>
+          <a:prstGeom prst="roundRect">
+            <a:avLst/>
+          </a:prstGeom>
+          <a:ln>
+            <a:headEnd type="none" w="med" len="med"/>
+            <a:tailEnd type="none" w="med" len="med"/>
+          </a:ln>
+        </p:spPr>
+        <p:style>
+          <a:lnRef idx="2">
+            <a:schemeClr val="accent2">
+              <a:shade val="50000"/>
+            </a:schemeClr>
+          </a:lnRef>
+          <a:fillRef idx="1">
+            <a:schemeClr val="accent2"/>
+          </a:fillRef>
+          <a:effectRef idx="0">
+            <a:schemeClr val="accent2"/>
+          </a:effectRef>
+          <a:fontRef idx="minor">
+            <a:schemeClr val="lt1"/>
+          </a:fontRef>
+        </p:style>
+        <p:txBody>
+          <a:bodyPr rtlCol="0" anchor="ctr"/>
+          <a:lstStyle/>
+          <a:p>
+            <a:pPr algn="ctr"/>
+            <a:r>
+              <a:rPr lang="de-CH" dirty="0"/>
+              <a:t>Application</a:t>
+            </a:r>
+          </a:p>
+        </p:txBody>
+      </p:sp>
+      <p:sp>
+        <p:nvSpPr>
+          <p:cNvPr id="9" name="Rounded Rectangle 8"/>
+          <p:cNvSpPr/>
+          <p:nvPr/>
+        </p:nvSpPr>
+        <p:spPr>
+          <a:xfrm>
+            <a:off x="2231135" y="2894431"/>
+            <a:ext cx="2736649" cy="453758"/>
+          </a:xfrm>
+          <a:prstGeom prst="roundRect">
+            <a:avLst/>
+          </a:prstGeom>
+          <a:noFill/>
+          <a:ln w="9525" cap="flat" cmpd="sng" algn="ctr">
+            <a:solidFill>
+              <a:schemeClr val="accent2"/>
+            </a:solidFill>
+            <a:prstDash val="solid"/>
+            <a:round/>
+            <a:headEnd type="none" w="med" len="med"/>
+            <a:tailEnd type="none" w="med" len="med"/>
+          </a:ln>
+        </p:spPr>
+        <p:style>
+          <a:lnRef idx="0">
+            <a:scrgbClr r="0" g="0" b="0"/>
+          </a:lnRef>
+          <a:fillRef idx="0">
+            <a:scrgbClr r="0" g="0" b="0"/>
+          </a:fillRef>
+          <a:effectRef idx="0">
+            <a:scrgbClr r="0" g="0" b="0"/>
+          </a:effectRef>
+          <a:fontRef idx="minor">
+            <a:schemeClr val="accent2"/>
+          </a:fontRef>
+        </p:style>
+        <p:txBody>
+          <a:bodyPr rtlCol="0" anchor="ctr"/>
+          <a:lstStyle/>
+          <a:p>
+            <a:pPr algn="ctr"/>
+            <a:r>
+              <a:rPr lang="de-CH" dirty="0"/>
+              <a:t>Security</a:t>
+            </a:r>
+          </a:p>
+        </p:txBody>
+      </p:sp>
+    </p:spTree>
+    <p:extLst>
+      <p:ext uri="{BB962C8B-B14F-4D97-AF65-F5344CB8AC3E}">
+        <p14:creationId xmlns:p14="http://schemas.microsoft.com/office/powerpoint/2010/main" val="717532287"/>
+      </p:ext>
+    </p:extLst>
+  </p:cSld>
+  <p:clrMapOvr>
+    <a:masterClrMapping/>
+  </p:clrMapOvr>
+</p:sld>
+</file>
+
+<file path=ppt/slides/slide15.xml><?xml version="1.0" encoding="utf-8"?>
+<p:sld xmlns:a="http://schemas.openxmlformats.org/drawingml/2006/main" xmlns:r="http://schemas.openxmlformats.org/officeDocument/2006/relationships" xmlns:p="http://schemas.openxmlformats.org/presentationml/2006/main">
+  <p:cSld>
+    <p:spTree>
+      <p:nvGrpSpPr>
+        <p:cNvPr id="1" name=""/>
+        <p:cNvGrpSpPr/>
+        <p:nvPr/>
+      </p:nvGrpSpPr>
+      <p:grpSpPr>
+        <a:xfrm>
+          <a:off x="0" y="0"/>
+          <a:ext cx="0" cy="0"/>
+          <a:chOff x="0" y="0"/>
+          <a:chExt cx="0" cy="0"/>
+        </a:xfrm>
+      </p:grpSpPr>
+      <p:sp>
+        <p:nvSpPr>
+          <p:cNvPr id="2" name="Title 1"/>
+          <p:cNvSpPr>
+            <a:spLocks noGrp="1"/>
+          </p:cNvSpPr>
+          <p:nvPr>
+            <p:ph type="title"/>
+          </p:nvPr>
+        </p:nvSpPr>
+        <p:spPr/>
+        <p:txBody>
+          <a:bodyPr/>
+          <a:lstStyle/>
+          <a:p>
+            <a:r>
+              <a:rPr lang="de-CH" dirty="0"/>
               <a:t>Gerätetypen &amp; Kosten</a:t>
             </a:r>
-            <a:endParaRPr lang="de-CH" dirty="0"/>
+          </a:p>
+        </p:txBody>
+      </p:sp>
+      <p:pic>
+        <p:nvPicPr>
+          <p:cNvPr id="3074" name="Picture 2" descr="http://shop.tecmatic.ch/1369-thickbox/wandschalter-mit-geteilter-schaltwippe-z-wave-weiss-tz66d-tkb-home.jpg"/>
+          <p:cNvPicPr>
+            <a:picLocks noChangeAspect="1" noChangeArrowheads="1"/>
+          </p:cNvPicPr>
+          <p:nvPr/>
+        </p:nvPicPr>
+        <p:blipFill rotWithShape="1">
+          <a:blip r:embed="rId3" cstate="print">
+            <a:extLst>
+              <a:ext uri="{28A0092B-C50C-407E-A947-70E740481C1C}">
+                <a14:useLocalDpi xmlns:a14="http://schemas.microsoft.com/office/drawing/2010/main" val="0"/>
+              </a:ext>
+            </a:extLst>
+          </a:blip>
+          <a:srcRect l="19001" t="19006" r="19070" b="19305"/>
+          <a:stretch/>
+        </p:blipFill>
+        <p:spPr bwMode="auto">
+          <a:xfrm>
+            <a:off x="4147807" y="1862913"/>
+            <a:ext cx="1118081" cy="1113748"/>
+          </a:xfrm>
+          <a:prstGeom prst="rect">
+            <a:avLst/>
+          </a:prstGeom>
+          <a:noFill/>
+          <a:extLst>
+            <a:ext uri="{909E8E84-426E-40DD-AFC4-6F175D3DCCD1}">
+              <a14:hiddenFill xmlns:a14="http://schemas.microsoft.com/office/drawing/2010/main">
+                <a:solidFill>
+                  <a:srgbClr val="FFFFFF"/>
+                </a:solidFill>
+              </a14:hiddenFill>
+            </a:ext>
+          </a:extLst>
+        </p:spPr>
+      </p:pic>
+      <p:pic>
+        <p:nvPicPr>
+          <p:cNvPr id="5" name="Picture 2" descr="https://allsmart.nl/1140-thickbox_default/vera-edge-z-wave-plus-gateway.jpg"/>
+          <p:cNvPicPr>
+            <a:picLocks noChangeAspect="1" noChangeArrowheads="1"/>
+          </p:cNvPicPr>
+          <p:nvPr/>
+        </p:nvPicPr>
+        <p:blipFill>
+          <a:blip r:embed="rId4" cstate="print">
+            <a:extLst>
+              <a:ext uri="{BEBA8EAE-BF5A-486C-A8C5-ECC9F3942E4B}">
+                <a14:imgProps xmlns:a14="http://schemas.microsoft.com/office/drawing/2010/main">
+                  <a14:imgLayer r:embed="rId5">
+                    <a14:imgEffect>
+                      <a14:backgroundRemoval t="10000" b="90000" l="10000" r="90000"/>
+                    </a14:imgEffect>
+                  </a14:imgLayer>
+                </a14:imgProps>
+              </a:ext>
+              <a:ext uri="{28A0092B-C50C-407E-A947-70E740481C1C}">
+                <a14:useLocalDpi xmlns:a14="http://schemas.microsoft.com/office/drawing/2010/main" val="0"/>
+              </a:ext>
+            </a:extLst>
+          </a:blip>
+          <a:srcRect/>
+          <a:stretch>
+            <a:fillRect/>
+          </a:stretch>
+        </p:blipFill>
+        <p:spPr bwMode="auto">
+          <a:xfrm>
+            <a:off x="-257807" y="1726741"/>
+            <a:ext cx="2982072" cy="2982072"/>
+          </a:xfrm>
+          <a:prstGeom prst="rect">
+            <a:avLst/>
+          </a:prstGeom>
+          <a:noFill/>
+          <a:extLst>
+            <a:ext uri="{909E8E84-426E-40DD-AFC4-6F175D3DCCD1}">
+              <a14:hiddenFill xmlns:a14="http://schemas.microsoft.com/office/drawing/2010/main">
+                <a:solidFill>
+                  <a:srgbClr val="FFFFFF"/>
+                </a:solidFill>
+              </a14:hiddenFill>
+            </a:ext>
+          </a:extLst>
+        </p:spPr>
+      </p:pic>
+      <p:sp>
+        <p:nvSpPr>
+          <p:cNvPr id="4" name="Left Brace 3"/>
+          <p:cNvSpPr/>
+          <p:nvPr/>
+        </p:nvSpPr>
+        <p:spPr>
+          <a:xfrm>
+            <a:off x="3242930" y="1807535"/>
+            <a:ext cx="786810" cy="4540102"/>
+          </a:xfrm>
+          <a:prstGeom prst="leftBrace">
+            <a:avLst/>
+          </a:prstGeom>
+          <a:ln w="60325" cap="rnd"/>
+        </p:spPr>
+        <p:style>
+          <a:lnRef idx="3">
+            <a:schemeClr val="accent1"/>
+          </a:lnRef>
+          <a:fillRef idx="0">
+            <a:schemeClr val="accent1"/>
+          </a:fillRef>
+          <a:effectRef idx="2">
+            <a:schemeClr val="accent1"/>
+          </a:effectRef>
+          <a:fontRef idx="minor">
+            <a:schemeClr val="tx1"/>
+          </a:fontRef>
+        </p:style>
+        <p:txBody>
+          <a:bodyPr rtlCol="0" anchor="ctr"/>
+          <a:lstStyle/>
+          <a:p>
+            <a:pPr algn="ctr"/>
+            <a:endParaRPr lang="de-CH"/>
+          </a:p>
+        </p:txBody>
+      </p:sp>
+      <p:pic>
+        <p:nvPicPr>
+          <p:cNvPr id="3076" name="Picture 4" descr="http://shop.tecmatic.ch/570-thickbox/sensor-temperatur-und-luftfeuchtigkeit-z-wave-st814-everspring.jpg"/>
+          <p:cNvPicPr>
+            <a:picLocks noChangeAspect="1" noChangeArrowheads="1"/>
+          </p:cNvPicPr>
+          <p:nvPr/>
+        </p:nvPicPr>
+        <p:blipFill rotWithShape="1">
+          <a:blip r:embed="rId6">
+            <a:extLst>
+              <a:ext uri="{BEBA8EAE-BF5A-486C-A8C5-ECC9F3942E4B}">
+                <a14:imgProps xmlns:a14="http://schemas.microsoft.com/office/drawing/2010/main">
+                  <a14:imgLayer r:embed="rId7">
+                    <a14:imgEffect>
+                      <a14:backgroundRemoval t="10000" b="90000" l="10000" r="90000"/>
+                    </a14:imgEffect>
+                  </a14:imgLayer>
+                </a14:imgProps>
+              </a:ext>
+              <a:ext uri="{28A0092B-C50C-407E-A947-70E740481C1C}">
+                <a14:useLocalDpi xmlns:a14="http://schemas.microsoft.com/office/drawing/2010/main" val="0"/>
+              </a:ext>
+            </a:extLst>
+          </a:blip>
+          <a:srcRect l="26443" t="24460" r="26989" b="27568"/>
+          <a:stretch/>
+        </p:blipFill>
+        <p:spPr bwMode="auto">
+          <a:xfrm>
+            <a:off x="4371187" y="3658813"/>
+            <a:ext cx="2115880" cy="2179674"/>
+          </a:xfrm>
+          <a:prstGeom prst="rect">
+            <a:avLst/>
+          </a:prstGeom>
+          <a:noFill/>
+          <a:extLst>
+            <a:ext uri="{909E8E84-426E-40DD-AFC4-6F175D3DCCD1}">
+              <a14:hiddenFill xmlns:a14="http://schemas.microsoft.com/office/drawing/2010/main">
+                <a:solidFill>
+                  <a:srgbClr val="FFFFFF"/>
+                </a:solidFill>
+              </a14:hiddenFill>
+            </a:ext>
+          </a:extLst>
+        </p:spPr>
+      </p:pic>
+      <p:pic>
+        <p:nvPicPr>
+          <p:cNvPr id="9" name="Picture 6" descr="http://shop.tecmatic.ch/557-thickbox/bewegungsmelder-z-wave-sp103-everspring-.jpg"/>
+          <p:cNvPicPr>
+            <a:picLocks noChangeAspect="1" noChangeArrowheads="1"/>
+          </p:cNvPicPr>
+          <p:nvPr/>
+        </p:nvPicPr>
+        <p:blipFill rotWithShape="1">
+          <a:blip r:embed="rId8">
+            <a:extLst>
+              <a:ext uri="{BEBA8EAE-BF5A-486C-A8C5-ECC9F3942E4B}">
+                <a14:imgProps xmlns:a14="http://schemas.microsoft.com/office/drawing/2010/main">
+                  <a14:imgLayer r:embed="rId9">
+                    <a14:imgEffect>
+                      <a14:backgroundRemoval t="31667" b="67833" l="30167" r="67000">
+                        <a14:foregroundMark x1="36833" y1="53000" x2="36833" y2="53000"/>
+                        <a14:foregroundMark x1="35167" y1="54667" x2="35167" y2="54667"/>
+                        <a14:foregroundMark x1="40333" y1="39500" x2="40333" y2="39500"/>
+                        <a14:foregroundMark x1="37833" y1="40833" x2="37833" y2="40833"/>
+                        <a14:foregroundMark x1="37667" y1="40833" x2="37667" y2="40833"/>
+                        <a14:foregroundMark x1="40333" y1="37000" x2="40333" y2="37000"/>
+                        <a14:foregroundMark x1="42833" y1="36667" x2="44167" y2="36333"/>
+                        <a14:foregroundMark x1="47500" y1="36500" x2="48000" y2="36667"/>
+                        <a14:foregroundMark x1="48833" y1="37500" x2="48833" y2="37500"/>
+                        <a14:foregroundMark x1="50667" y1="39500" x2="51667" y2="40500"/>
+                        <a14:foregroundMark x1="51667" y1="40833" x2="51000" y2="42667"/>
+                        <a14:foregroundMark x1="41333" y1="52333" x2="41333" y2="52333"/>
+                        <a14:foregroundMark x1="41333" y1="52333" x2="41167" y2="53500"/>
+                        <a14:foregroundMark x1="37667" y1="55167" x2="37667" y2="55167"/>
+                        <a14:foregroundMark x1="37333" y1="55167" x2="37333" y2="55167"/>
+                        <a14:foregroundMark x1="37333" y1="52500" x2="37333" y2="50833"/>
+                      </a14:backgroundRemoval>
+                    </a14:imgEffect>
+                  </a14:imgLayer>
+                </a14:imgProps>
+              </a:ext>
+              <a:ext uri="{28A0092B-C50C-407E-A947-70E740481C1C}">
+                <a14:useLocalDpi xmlns:a14="http://schemas.microsoft.com/office/drawing/2010/main" val="0"/>
+              </a:ext>
+            </a:extLst>
+          </a:blip>
+          <a:srcRect l="30394" t="31717" r="33885" b="31445"/>
+          <a:stretch/>
+        </p:blipFill>
+        <p:spPr bwMode="auto">
+          <a:xfrm>
+            <a:off x="5624262" y="2419787"/>
+            <a:ext cx="1201480" cy="1239026"/>
+          </a:xfrm>
+          <a:prstGeom prst="rect">
+            <a:avLst/>
+          </a:prstGeom>
+          <a:noFill/>
+          <a:extLst>
+            <a:ext uri="{909E8E84-426E-40DD-AFC4-6F175D3DCCD1}">
+              <a14:hiddenFill xmlns:a14="http://schemas.microsoft.com/office/drawing/2010/main">
+                <a:solidFill>
+                  <a:srgbClr val="FFFFFF"/>
+                </a:solidFill>
+              </a14:hiddenFill>
+            </a:ext>
+          </a:extLst>
+        </p:spPr>
+      </p:pic>
+      <p:pic>
+        <p:nvPicPr>
+          <p:cNvPr id="3080" name="Picture 8" descr="http://shop.tecmatic.ch/1458-thickbox/zwischenstecker-z-wave-plus-mit-strommessfunktion-gen5-aeon-labs-zw075-zweu-adapter.jpg"/>
+          <p:cNvPicPr>
+            <a:picLocks noChangeAspect="1" noChangeArrowheads="1"/>
+          </p:cNvPicPr>
+          <p:nvPr/>
+        </p:nvPicPr>
+        <p:blipFill rotWithShape="1">
+          <a:blip r:embed="rId10">
+            <a:extLst>
+              <a:ext uri="{BEBA8EAE-BF5A-486C-A8C5-ECC9F3942E4B}">
+                <a14:imgProps xmlns:a14="http://schemas.microsoft.com/office/drawing/2010/main">
+                  <a14:imgLayer r:embed="rId11">
+                    <a14:imgEffect>
+                      <a14:backgroundRemoval t="32500" b="67000" l="34000" r="66000">
+                        <a14:foregroundMark x1="45167" y1="35167" x2="45167" y2="35167"/>
+                        <a14:foregroundMark x1="43000" y1="34667" x2="43000" y2="34667"/>
+                        <a14:foregroundMark x1="43833" y1="34333" x2="43833" y2="34333"/>
+                        <a14:foregroundMark x1="42833" y1="34333" x2="42833" y2="34333"/>
+                        <a14:foregroundMark x1="42167" y1="34000" x2="42167" y2="34000"/>
+                        <a14:foregroundMark x1="41833" y1="33833" x2="41500" y2="33833"/>
+                        <a14:foregroundMark x1="41333" y1="33833" x2="41333" y2="33833"/>
+                        <a14:foregroundMark x1="40667" y1="33833" x2="40667" y2="33833"/>
+                      </a14:backgroundRemoval>
+                    </a14:imgEffect>
+                  </a14:imgLayer>
+                </a14:imgProps>
+              </a:ext>
+              <a:ext uri="{28A0092B-C50C-407E-A947-70E740481C1C}">
+                <a14:useLocalDpi xmlns:a14="http://schemas.microsoft.com/office/drawing/2010/main" val="0"/>
+              </a:ext>
+            </a:extLst>
+          </a:blip>
+          <a:srcRect l="34301" t="32558" r="32397" b="32465"/>
+          <a:stretch/>
+        </p:blipFill>
+        <p:spPr bwMode="auto">
+          <a:xfrm>
+            <a:off x="6845441" y="3548575"/>
+            <a:ext cx="1529540" cy="1606444"/>
+          </a:xfrm>
+          <a:prstGeom prst="rect">
+            <a:avLst/>
+          </a:prstGeom>
+          <a:noFill/>
+          <a:extLst>
+            <a:ext uri="{909E8E84-426E-40DD-AFC4-6F175D3DCCD1}">
+              <a14:hiddenFill xmlns:a14="http://schemas.microsoft.com/office/drawing/2010/main">
+                <a:solidFill>
+                  <a:srgbClr val="FFFFFF"/>
+                </a:solidFill>
+              </a14:hiddenFill>
+            </a:ext>
+          </a:extLst>
+        </p:spPr>
+      </p:pic>
+      <p:pic>
+        <p:nvPicPr>
+          <p:cNvPr id="3082" name="Picture 10" descr="http://shop.tecmatic.ch/1887-thickbox/led-birne-z-wave-plus-aeon-labs-zw098-c55.jpg"/>
+          <p:cNvPicPr>
+            <a:picLocks noChangeAspect="1" noChangeArrowheads="1"/>
+          </p:cNvPicPr>
+          <p:nvPr/>
+        </p:nvPicPr>
+        <p:blipFill rotWithShape="1">
+          <a:blip r:embed="rId12">
+            <a:extLst>
+              <a:ext uri="{BEBA8EAE-BF5A-486C-A8C5-ECC9F3942E4B}">
+                <a14:imgProps xmlns:a14="http://schemas.microsoft.com/office/drawing/2010/main">
+                  <a14:imgLayer r:embed="rId13">
+                    <a14:imgEffect>
+                      <a14:backgroundRemoval t="30000" b="68333" l="16500" r="82500"/>
+                    </a14:imgEffect>
+                  </a14:imgLayer>
+                </a14:imgProps>
+              </a:ext>
+              <a:ext uri="{28A0092B-C50C-407E-A947-70E740481C1C}">
+                <a14:useLocalDpi xmlns:a14="http://schemas.microsoft.com/office/drawing/2010/main" val="0"/>
+              </a:ext>
+            </a:extLst>
+          </a:blip>
+          <a:srcRect l="16445" t="28614" r="15889" b="29500"/>
+          <a:stretch/>
+        </p:blipFill>
+        <p:spPr bwMode="auto">
+          <a:xfrm>
+            <a:off x="8952825" y="4351797"/>
+            <a:ext cx="2735092" cy="1693055"/>
+          </a:xfrm>
+          <a:prstGeom prst="rect">
+            <a:avLst/>
+          </a:prstGeom>
+          <a:noFill/>
+          <a:extLst>
+            <a:ext uri="{909E8E84-426E-40DD-AFC4-6F175D3DCCD1}">
+              <a14:hiddenFill xmlns:a14="http://schemas.microsoft.com/office/drawing/2010/main">
+                <a:solidFill>
+                  <a:srgbClr val="FFFFFF"/>
+                </a:solidFill>
+              </a14:hiddenFill>
+            </a:ext>
+          </a:extLst>
+        </p:spPr>
+      </p:pic>
+      <p:pic>
+        <p:nvPicPr>
+          <p:cNvPr id="3084" name="Picture 12" descr="http://shop.tecmatic.ch/727-thickbox/sirene-z-wave-be-alsound-benext.jpg"/>
+          <p:cNvPicPr>
+            <a:picLocks noChangeAspect="1" noChangeArrowheads="1"/>
+          </p:cNvPicPr>
+          <p:nvPr/>
+        </p:nvPicPr>
+        <p:blipFill rotWithShape="1">
+          <a:blip r:embed="rId14">
+            <a:extLst>
+              <a:ext uri="{BEBA8EAE-BF5A-486C-A8C5-ECC9F3942E4B}">
+                <a14:imgProps xmlns:a14="http://schemas.microsoft.com/office/drawing/2010/main">
+                  <a14:imgLayer r:embed="rId15">
+                    <a14:imgEffect>
+                      <a14:backgroundRemoval t="25667" b="80833" l="34333" r="66667"/>
+                    </a14:imgEffect>
+                  </a14:imgLayer>
+                </a14:imgProps>
+              </a:ext>
+              <a:ext uri="{28A0092B-C50C-407E-A947-70E740481C1C}">
+                <a14:useLocalDpi xmlns:a14="http://schemas.microsoft.com/office/drawing/2010/main" val="0"/>
+              </a:ext>
+            </a:extLst>
+          </a:blip>
+          <a:srcRect l="34278" t="25000" r="31722" b="16833"/>
+          <a:stretch/>
+        </p:blipFill>
+        <p:spPr bwMode="auto">
+          <a:xfrm>
+            <a:off x="8432457" y="2913154"/>
+            <a:ext cx="1361284" cy="2328863"/>
+          </a:xfrm>
+          <a:prstGeom prst="rect">
+            <a:avLst/>
+          </a:prstGeom>
+          <a:noFill/>
+          <a:extLst>
+            <a:ext uri="{909E8E84-426E-40DD-AFC4-6F175D3DCCD1}">
+              <a14:hiddenFill xmlns:a14="http://schemas.microsoft.com/office/drawing/2010/main">
+                <a:solidFill>
+                  <a:srgbClr val="FFFFFF"/>
+                </a:solidFill>
+              </a14:hiddenFill>
+            </a:ext>
+          </a:extLst>
+        </p:spPr>
+      </p:pic>
+      <p:pic>
+        <p:nvPicPr>
+          <p:cNvPr id="3086" name="Picture 14" descr="http://shop.tecmatic.ch/1803-thickbox/thermostat-z-wave-plus-thermofloor-heatit-3600w-16a-schwarz.jpg"/>
+          <p:cNvPicPr>
+            <a:picLocks noChangeAspect="1" noChangeArrowheads="1"/>
+          </p:cNvPicPr>
+          <p:nvPr/>
+        </p:nvPicPr>
+        <p:blipFill>
+          <a:blip r:embed="rId16" cstate="print">
+            <a:extLst>
+              <a:ext uri="{BEBA8EAE-BF5A-486C-A8C5-ECC9F3942E4B}">
+                <a14:imgProps xmlns:a14="http://schemas.microsoft.com/office/drawing/2010/main">
+                  <a14:imgLayer r:embed="rId17">
+                    <a14:imgEffect>
+                      <a14:backgroundRemoval t="3167" b="95333" l="3500" r="96167"/>
+                    </a14:imgEffect>
+                  </a14:imgLayer>
+                </a14:imgProps>
+              </a:ext>
+              <a:ext uri="{28A0092B-C50C-407E-A947-70E740481C1C}">
+                <a14:useLocalDpi xmlns:a14="http://schemas.microsoft.com/office/drawing/2010/main" val="0"/>
+              </a:ext>
+            </a:extLst>
+          </a:blip>
+          <a:srcRect/>
+          <a:stretch>
+            <a:fillRect/>
+          </a:stretch>
+        </p:blipFill>
+        <p:spPr bwMode="auto">
+          <a:xfrm>
+            <a:off x="7053241" y="1734945"/>
+            <a:ext cx="1261556" cy="1261556"/>
+          </a:xfrm>
+          <a:prstGeom prst="rect">
+            <a:avLst/>
+          </a:prstGeom>
+          <a:noFill/>
+          <a:extLst>
+            <a:ext uri="{909E8E84-426E-40DD-AFC4-6F175D3DCCD1}">
+              <a14:hiddenFill xmlns:a14="http://schemas.microsoft.com/office/drawing/2010/main">
+                <a:solidFill>
+                  <a:srgbClr val="FFFFFF"/>
+                </a:solidFill>
+              </a14:hiddenFill>
+            </a:ext>
+          </a:extLst>
+        </p:spPr>
+      </p:pic>
+      <p:pic>
+        <p:nvPicPr>
+          <p:cNvPr id="3088" name="Picture 16" descr="http://shop.tecmatic.ch/1490-thickbox/y-cam-bullet-hd-720-2-generation-ycblhd7-netzwerkkamera.jpg"/>
+          <p:cNvPicPr>
+            <a:picLocks noChangeAspect="1" noChangeArrowheads="1"/>
+          </p:cNvPicPr>
+          <p:nvPr/>
+        </p:nvPicPr>
+        <p:blipFill rotWithShape="1">
+          <a:blip r:embed="rId18">
+            <a:extLst>
+              <a:ext uri="{BEBA8EAE-BF5A-486C-A8C5-ECC9F3942E4B}">
+                <a14:imgProps xmlns:a14="http://schemas.microsoft.com/office/drawing/2010/main">
+                  <a14:imgLayer r:embed="rId19">
+                    <a14:imgEffect>
+                      <a14:backgroundRemoval t="24667" b="84000" l="8167" r="91500">
+                        <a14:foregroundMark x1="34000" y1="31833" x2="34000" y2="31833"/>
+                        <a14:foregroundMark x1="41167" y1="30167" x2="41167" y2="30167"/>
+                        <a14:foregroundMark x1="41167" y1="30167" x2="43333" y2="29500"/>
+                        <a14:foregroundMark x1="44833" y1="29333" x2="45833" y2="29333"/>
+                        <a14:foregroundMark x1="46833" y1="29333" x2="47333" y2="29500"/>
+                        <a14:foregroundMark x1="49000" y1="29667" x2="50000" y2="29833"/>
+                        <a14:foregroundMark x1="50000" y1="29833" x2="50000" y2="29833"/>
+                        <a14:foregroundMark x1="50000" y1="29833" x2="52500" y2="29500"/>
+                        <a14:foregroundMark x1="54833" y1="29167" x2="55667" y2="29167"/>
+                        <a14:foregroundMark x1="55833" y1="29167" x2="55833" y2="29167"/>
+                        <a14:foregroundMark x1="57167" y1="29000" x2="57667" y2="29000"/>
+                        <a14:foregroundMark x1="57833" y1="29000" x2="58333" y2="29000"/>
+                        <a14:foregroundMark x1="60167" y1="29500" x2="60167" y2="29500"/>
+                        <a14:foregroundMark x1="61000" y1="29667" x2="61000" y2="29667"/>
+                        <a14:foregroundMark x1="61500" y1="29667" x2="61500" y2="29667"/>
+                        <a14:foregroundMark x1="83500" y1="56000" x2="83500" y2="56000"/>
+                        <a14:foregroundMark x1="85333" y1="56000" x2="85333" y2="56000"/>
+                        <a14:foregroundMark x1="85667" y1="56167" x2="85667" y2="56167"/>
+                        <a14:foregroundMark x1="86667" y1="56667" x2="86667" y2="56667"/>
+                        <a14:foregroundMark x1="86833" y1="57000" x2="86833" y2="57000"/>
+                        <a14:foregroundMark x1="86333" y1="55500" x2="86333" y2="55500"/>
+                        <a14:foregroundMark x1="85333" y1="55167" x2="85333" y2="55167"/>
+                        <a14:foregroundMark x1="85167" y1="55167" x2="85167" y2="55167"/>
+                        <a14:foregroundMark x1="84667" y1="55000" x2="84667" y2="55000"/>
+                        <a14:foregroundMark x1="78667" y1="54167" x2="78667" y2="54167"/>
+                        <a14:foregroundMark x1="77167" y1="53833" x2="76833" y2="53667"/>
+                        <a14:foregroundMark x1="76500" y1="53667" x2="76500" y2="53667"/>
+                        <a14:foregroundMark x1="76000" y1="53333" x2="76000" y2="53333"/>
+                        <a14:foregroundMark x1="76000" y1="53333" x2="76000" y2="53333"/>
+                        <a14:foregroundMark x1="74667" y1="53000" x2="74667" y2="53000"/>
+                        <a14:foregroundMark x1="74667" y1="52667" x2="74167" y2="52667"/>
+                        <a14:foregroundMark x1="74333" y1="52167" x2="74333" y2="52167"/>
+                        <a14:foregroundMark x1="31000" y1="29667" x2="31000" y2="29667"/>
+                        <a14:foregroundMark x1="24667" y1="28833" x2="24667" y2="28833"/>
+                        <a14:foregroundMark x1="24167" y1="28333" x2="24167" y2="28333"/>
+                        <a14:foregroundMark x1="28000" y1="28167" x2="28000" y2="28167"/>
+                        <a14:foregroundMark x1="31000" y1="28000" x2="31833" y2="28000"/>
+                        <a14:foregroundMark x1="55000" y1="28167" x2="55000" y2="28167"/>
+                        <a14:foregroundMark x1="55667" y1="27667" x2="55667" y2="27667"/>
+                        <a14:foregroundMark x1="57667" y1="27667" x2="57667" y2="27667"/>
+                        <a14:foregroundMark x1="60167" y1="27667" x2="60167" y2="27667"/>
+                        <a14:foregroundMark x1="60167" y1="27667" x2="60167" y2="27667"/>
+                        <a14:foregroundMark x1="61833" y1="27667" x2="61833" y2="27667"/>
+                        <a14:foregroundMark x1="62333" y1="27667" x2="62333" y2="27667"/>
+                        <a14:foregroundMark x1="64000" y1="29167" x2="64000" y2="29167"/>
+                        <a14:foregroundMark x1="65333" y1="29333" x2="65333" y2="29333"/>
+                        <a14:foregroundMark x1="20500" y1="27333" x2="20500" y2="27333"/>
+                        <a14:foregroundMark x1="21500" y1="27333" x2="22500" y2="27333"/>
+                        <a14:foregroundMark x1="22500" y1="27333" x2="22500" y2="27333"/>
+                        <a14:foregroundMark x1="18333" y1="27333" x2="18333" y2="27333"/>
+                        <a14:foregroundMark x1="18333" y1="26667" x2="18333" y2="26667"/>
+                        <a14:foregroundMark x1="19167" y1="26667" x2="19167" y2="26667"/>
+                        <a14:foregroundMark x1="17333" y1="26667" x2="17333" y2="26667"/>
+                        <a14:foregroundMark x1="16000" y1="26667" x2="16000" y2="26667"/>
+                        <a14:foregroundMark x1="66500" y1="30167" x2="66500" y2="30167"/>
+                        <a14:foregroundMark x1="68333" y1="34000" x2="68333" y2="34000"/>
+                        <a14:foregroundMark x1="68833" y1="35000" x2="68833" y2="35000"/>
+                        <a14:foregroundMark x1="69167" y1="36000" x2="69167" y2="36000"/>
+                        <a14:foregroundMark x1="63667" y1="27500" x2="63667" y2="27500"/>
+                      </a14:backgroundRemoval>
+                    </a14:imgEffect>
+                  </a14:imgLayer>
+                </a14:imgProps>
+              </a:ext>
+              <a:ext uri="{28A0092B-C50C-407E-A947-70E740481C1C}">
+                <a14:useLocalDpi xmlns:a14="http://schemas.microsoft.com/office/drawing/2010/main" val="0"/>
+              </a:ext>
+            </a:extLst>
+          </a:blip>
+          <a:srcRect l="7111" t="23333" r="7056" b="15668"/>
+          <a:stretch/>
+        </p:blipFill>
+        <p:spPr bwMode="auto">
+          <a:xfrm>
+            <a:off x="8843277" y="1783960"/>
+            <a:ext cx="2638113" cy="1874853"/>
+          </a:xfrm>
+          <a:prstGeom prst="rect">
+            <a:avLst/>
+          </a:prstGeom>
+          <a:noFill/>
+          <a:extLst>
+            <a:ext uri="{909E8E84-426E-40DD-AFC4-6F175D3DCCD1}">
+              <a14:hiddenFill xmlns:a14="http://schemas.microsoft.com/office/drawing/2010/main">
+                <a:solidFill>
+                  <a:srgbClr val="FFFFFF"/>
+                </a:solidFill>
+              </a14:hiddenFill>
+            </a:ext>
+          </a:extLst>
+        </p:spPr>
+      </p:pic>
+      <p:pic>
+        <p:nvPicPr>
+          <p:cNvPr id="1026" name="Picture 2" descr="http://blog.smalleycreative.com/wp-content/uploads/2015/11/RASPBERRY_PI_2_B_02.png"/>
+          <p:cNvPicPr>
+            <a:picLocks noChangeAspect="1" noChangeArrowheads="1"/>
+          </p:cNvPicPr>
+          <p:nvPr/>
+        </p:nvPicPr>
+        <p:blipFill>
+          <a:blip r:embed="rId20" cstate="print">
+            <a:extLst>
+              <a:ext uri="{28A0092B-C50C-407E-A947-70E740481C1C}">
+                <a14:useLocalDpi xmlns:a14="http://schemas.microsoft.com/office/drawing/2010/main" val="0"/>
+              </a:ext>
+            </a:extLst>
+          </a:blip>
+          <a:srcRect/>
+          <a:stretch>
+            <a:fillRect/>
+          </a:stretch>
+        </p:blipFill>
+        <p:spPr bwMode="auto">
+          <a:xfrm>
+            <a:off x="360130" y="4198903"/>
+            <a:ext cx="2418092" cy="1639584"/>
+          </a:xfrm>
+          <a:prstGeom prst="rect">
+            <a:avLst/>
+          </a:prstGeom>
+          <a:noFill/>
+          <a:extLst>
+            <a:ext uri="{909E8E84-426E-40DD-AFC4-6F175D3DCCD1}">
+              <a14:hiddenFill xmlns:a14="http://schemas.microsoft.com/office/drawing/2010/main">
+                <a:solidFill>
+                  <a:srgbClr val="FFFFFF"/>
+                </a:solidFill>
+              </a14:hiddenFill>
+            </a:ext>
+          </a:extLst>
+        </p:spPr>
+      </p:pic>
+      <p:pic>
+        <p:nvPicPr>
+          <p:cNvPr id="1028" name="Picture 4" descr="http://z-wave.us/media/catalog/product/cache/1/image/800x800/18ff9b5ed1bd3738f61d707cc1509711/r/a/raz500_5.png"/>
+          <p:cNvPicPr>
+            <a:picLocks noChangeAspect="1" noChangeArrowheads="1"/>
+          </p:cNvPicPr>
+          <p:nvPr/>
+        </p:nvPicPr>
+        <p:blipFill>
+          <a:blip r:embed="rId21" cstate="print">
+            <a:extLst>
+              <a:ext uri="{28A0092B-C50C-407E-A947-70E740481C1C}">
+                <a14:useLocalDpi xmlns:a14="http://schemas.microsoft.com/office/drawing/2010/main" val="0"/>
+              </a:ext>
+            </a:extLst>
+          </a:blip>
+          <a:srcRect/>
+          <a:stretch>
+            <a:fillRect/>
+          </a:stretch>
+        </p:blipFill>
+        <p:spPr bwMode="auto">
+          <a:xfrm>
+            <a:off x="1997639" y="5152983"/>
+            <a:ext cx="1138957" cy="1138957"/>
+          </a:xfrm>
+          <a:prstGeom prst="rect">
+            <a:avLst/>
+          </a:prstGeom>
+          <a:noFill/>
+          <a:extLst>
+            <a:ext uri="{909E8E84-426E-40DD-AFC4-6F175D3DCCD1}">
+              <a14:hiddenFill xmlns:a14="http://schemas.microsoft.com/office/drawing/2010/main">
+                <a:solidFill>
+                  <a:srgbClr val="FFFFFF"/>
+                </a:solidFill>
+              </a14:hiddenFill>
+            </a:ext>
+          </a:extLst>
+        </p:spPr>
+      </p:pic>
+    </p:spTree>
+    <p:extLst>
+      <p:ext uri="{BB962C8B-B14F-4D97-AF65-F5344CB8AC3E}">
+        <p14:creationId xmlns:p14="http://schemas.microsoft.com/office/powerpoint/2010/main" val="3890518967"/>
+      </p:ext>
+    </p:extLst>
+  </p:cSld>
+  <p:clrMapOvr>
+    <a:masterClrMapping/>
+  </p:clrMapOvr>
+</p:sld>
+</file>
+
+<file path=ppt/slides/slide16.xml><?xml version="1.0" encoding="utf-8"?>
+<p:sld xmlns:a="http://schemas.openxmlformats.org/drawingml/2006/main" xmlns:r="http://schemas.openxmlformats.org/officeDocument/2006/relationships" xmlns:p="http://schemas.openxmlformats.org/presentationml/2006/main">
+  <p:cSld>
+    <p:spTree>
+      <p:nvGrpSpPr>
+        <p:cNvPr id="1" name=""/>
+        <p:cNvGrpSpPr/>
+        <p:nvPr/>
+      </p:nvGrpSpPr>
+      <p:grpSpPr>
+        <a:xfrm>
+          <a:off x="0" y="0"/>
+          <a:ext cx="0" cy="0"/>
+          <a:chOff x="0" y="0"/>
+          <a:chExt cx="0" cy="0"/>
+        </a:xfrm>
+      </p:grpSpPr>
+      <p:sp>
+        <p:nvSpPr>
+          <p:cNvPr id="2" name="Title 1"/>
+          <p:cNvSpPr>
+            <a:spLocks noGrp="1"/>
+          </p:cNvSpPr>
+          <p:nvPr>
+            <p:ph type="title"/>
+          </p:nvPr>
+        </p:nvSpPr>
+        <p:spPr/>
+        <p:txBody>
+          <a:bodyPr/>
+          <a:lstStyle/>
+          <a:p>
+            <a:r>
+              <a:rPr lang="de-CH" dirty="0"/>
+              <a:t>Gerätetypen &amp; Kosten</a:t>
+            </a:r>
           </a:p>
         </p:txBody>
       </p:sp>
@@ -4917,10 +7445,9 @@
             <a:lstStyle/>
             <a:p>
               <a:r>
-                <a:rPr lang="de-CH" dirty="0" smtClean="0"/>
+                <a:rPr lang="de-CH" dirty="0"/>
                 <a:t>106.-</a:t>
               </a:r>
-              <a:endParaRPr lang="de-CH" dirty="0"/>
             </a:p>
           </p:txBody>
         </p:sp>
@@ -5139,10 +7666,9 @@
             <a:lstStyle/>
             <a:p>
               <a:r>
-                <a:rPr lang="de-CH" dirty="0" smtClean="0"/>
+                <a:rPr lang="de-CH" dirty="0"/>
                 <a:t>139.-</a:t>
               </a:r>
-              <a:endParaRPr lang="de-CH" dirty="0"/>
             </a:p>
           </p:txBody>
         </p:sp>
@@ -5361,10 +7887,9 @@
             <a:lstStyle/>
             <a:p>
               <a:r>
-                <a:rPr lang="de-CH" dirty="0" smtClean="0"/>
+                <a:rPr lang="de-CH" dirty="0"/>
                 <a:t>69.-</a:t>
               </a:r>
-              <a:endParaRPr lang="de-CH" dirty="0"/>
             </a:p>
           </p:txBody>
         </p:sp>
@@ -5583,10 +8108,9 @@
             <a:lstStyle/>
             <a:p>
               <a:r>
-                <a:rPr lang="de-CH" dirty="0" smtClean="0"/>
+                <a:rPr lang="de-CH" dirty="0"/>
                 <a:t>69.-</a:t>
               </a:r>
-              <a:endParaRPr lang="de-CH" dirty="0"/>
             </a:p>
           </p:txBody>
         </p:sp>
@@ -5805,10 +8329,9 @@
             <a:lstStyle/>
             <a:p>
               <a:r>
-                <a:rPr lang="de-CH" dirty="0" smtClean="0"/>
+                <a:rPr lang="de-CH" dirty="0"/>
                 <a:t>309.-</a:t>
               </a:r>
-              <a:endParaRPr lang="de-CH" dirty="0"/>
             </a:p>
           </p:txBody>
         </p:sp>
@@ -6027,10 +8550,9 @@
             <a:lstStyle/>
             <a:p>
               <a:r>
-                <a:rPr lang="de-CH" dirty="0" smtClean="0"/>
+                <a:rPr lang="de-CH" dirty="0"/>
                 <a:t>69.-</a:t>
               </a:r>
-              <a:endParaRPr lang="de-CH" dirty="0"/>
             </a:p>
           </p:txBody>
         </p:sp>
@@ -6249,10 +8771,9 @@
             <a:lstStyle/>
             <a:p>
               <a:r>
-                <a:rPr lang="de-CH" dirty="0" smtClean="0"/>
+                <a:rPr lang="de-CH" dirty="0"/>
                 <a:t>159.-</a:t>
               </a:r>
-              <a:endParaRPr lang="de-CH" dirty="0"/>
             </a:p>
           </p:txBody>
         </p:sp>
@@ -6471,10 +8992,9 @@
             <a:lstStyle/>
             <a:p>
               <a:r>
-                <a:rPr lang="de-CH" dirty="0" smtClean="0"/>
+                <a:rPr lang="de-CH" dirty="0"/>
                 <a:t>59.-</a:t>
               </a:r>
-              <a:endParaRPr lang="de-CH" dirty="0"/>
             </a:p>
           </p:txBody>
         </p:sp>
@@ -6693,10 +9213,9 @@
             <a:lstStyle/>
             <a:p>
               <a:r>
-                <a:rPr lang="de-CH" dirty="0" smtClean="0"/>
+                <a:rPr lang="de-CH" dirty="0"/>
                 <a:t>69.-</a:t>
               </a:r>
-              <a:endParaRPr lang="de-CH" dirty="0"/>
             </a:p>
           </p:txBody>
         </p:sp>
@@ -6915,10 +9434,9 @@
             <a:lstStyle/>
             <a:p>
               <a:r>
-                <a:rPr lang="de-CH" dirty="0" smtClean="0"/>
+                <a:rPr lang="de-CH" dirty="0"/>
                 <a:t>74.-</a:t>
               </a:r>
-              <a:endParaRPr lang="de-CH" dirty="0"/>
             </a:p>
           </p:txBody>
         </p:sp>
@@ -6926,2262 +9444,13 @@
     </p:spTree>
     <p:extLst>
       <p:ext uri="{BB962C8B-B14F-4D97-AF65-F5344CB8AC3E}">
-        <p14:creationId xmlns:p14="http://schemas.microsoft.com/office/powerpoint/2010/main" val="3574636354"/>
+        <p14:creationId xmlns:p14="http://schemas.microsoft.com/office/powerpoint/2010/main" val="2300820809"/>
       </p:ext>
     </p:extLst>
   </p:cSld>
   <p:clrMapOvr>
     <a:masterClrMapping/>
   </p:clrMapOvr>
-  <p:timing>
-    <p:tnLst>
-      <p:par>
-        <p:cTn id="1" dur="indefinite" restart="never" nodeType="tmRoot"/>
-      </p:par>
-    </p:tnLst>
-  </p:timing>
-</p:sld>
-</file>
-
-<file path=ppt/slides/slide11.xml><?xml version="1.0" encoding="utf-8"?>
-<p:sld xmlns:a="http://schemas.openxmlformats.org/drawingml/2006/main" xmlns:r="http://schemas.openxmlformats.org/officeDocument/2006/relationships" xmlns:p="http://schemas.openxmlformats.org/presentationml/2006/main">
-  <p:cSld>
-    <p:spTree>
-      <p:nvGrpSpPr>
-        <p:cNvPr id="1" name=""/>
-        <p:cNvGrpSpPr/>
-        <p:nvPr/>
-      </p:nvGrpSpPr>
-      <p:grpSpPr>
-        <a:xfrm>
-          <a:off x="0" y="0"/>
-          <a:ext cx="0" cy="0"/>
-          <a:chOff x="0" y="0"/>
-          <a:chExt cx="0" cy="0"/>
-        </a:xfrm>
-      </p:grpSpPr>
-      <p:sp>
-        <p:nvSpPr>
-          <p:cNvPr id="2" name="Title 1"/>
-          <p:cNvSpPr>
-            <a:spLocks noGrp="1"/>
-          </p:cNvSpPr>
-          <p:nvPr>
-            <p:ph type="title"/>
-          </p:nvPr>
-        </p:nvSpPr>
-        <p:spPr/>
-        <p:txBody>
-          <a:bodyPr/>
-          <a:lstStyle/>
-          <a:p>
-            <a:r>
-              <a:rPr lang="de-CH" dirty="0" smtClean="0"/>
-              <a:t>Protokoll Stack</a:t>
-            </a:r>
-            <a:endParaRPr lang="de-CH" dirty="0"/>
-          </a:p>
-        </p:txBody>
-      </p:sp>
-      <p:sp>
-        <p:nvSpPr>
-          <p:cNvPr id="3" name="Content Placeholder 2"/>
-          <p:cNvSpPr>
-            <a:spLocks noGrp="1"/>
-          </p:cNvSpPr>
-          <p:nvPr>
-            <p:ph idx="1"/>
-          </p:nvPr>
-        </p:nvSpPr>
-        <p:spPr>
-          <a:xfrm>
-            <a:off x="5172502" y="1962364"/>
-            <a:ext cx="4788362" cy="4411140"/>
-          </a:xfrm>
-        </p:spPr>
-        <p:txBody>
-          <a:bodyPr/>
-          <a:lstStyle/>
-          <a:p>
-            <a:endParaRPr lang="de-CH" dirty="0"/>
-          </a:p>
-        </p:txBody>
-      </p:sp>
-      <p:sp>
-        <p:nvSpPr>
-          <p:cNvPr id="4" name="Rounded Rectangle 3"/>
-          <p:cNvSpPr/>
-          <p:nvPr/>
-        </p:nvSpPr>
-        <p:spPr>
-          <a:xfrm>
-            <a:off x="2231136" y="5367266"/>
-            <a:ext cx="2736649" cy="869758"/>
-          </a:xfrm>
-          <a:prstGeom prst="roundRect">
-            <a:avLst/>
-          </a:prstGeom>
-        </p:spPr>
-        <p:style>
-          <a:lnRef idx="2">
-            <a:schemeClr val="accent4">
-              <a:shade val="50000"/>
-            </a:schemeClr>
-          </a:lnRef>
-          <a:fillRef idx="1">
-            <a:schemeClr val="accent4"/>
-          </a:fillRef>
-          <a:effectRef idx="0">
-            <a:schemeClr val="accent4"/>
-          </a:effectRef>
-          <a:fontRef idx="minor">
-            <a:schemeClr val="lt1"/>
-          </a:fontRef>
-        </p:style>
-        <p:txBody>
-          <a:bodyPr rtlCol="0" anchor="ctr"/>
-          <a:lstStyle/>
-          <a:p>
-            <a:pPr algn="ctr"/>
-            <a:r>
-              <a:rPr lang="de-CH" dirty="0" smtClean="0"/>
-              <a:t>Physical</a:t>
-            </a:r>
-            <a:endParaRPr lang="de-CH" dirty="0"/>
-          </a:p>
-        </p:txBody>
-      </p:sp>
-      <p:sp>
-        <p:nvSpPr>
-          <p:cNvPr id="5" name="Rounded Rectangle 4"/>
-          <p:cNvSpPr/>
-          <p:nvPr/>
-        </p:nvSpPr>
-        <p:spPr>
-          <a:xfrm>
-            <a:off x="2231136" y="4414196"/>
-            <a:ext cx="2736649" cy="869758"/>
-          </a:xfrm>
-          <a:prstGeom prst="roundRect">
-            <a:avLst/>
-          </a:prstGeom>
-        </p:spPr>
-        <p:style>
-          <a:lnRef idx="2">
-            <a:schemeClr val="accent1">
-              <a:shade val="50000"/>
-            </a:schemeClr>
-          </a:lnRef>
-          <a:fillRef idx="1">
-            <a:schemeClr val="accent1"/>
-          </a:fillRef>
-          <a:effectRef idx="0">
-            <a:schemeClr val="accent1"/>
-          </a:effectRef>
-          <a:fontRef idx="minor">
-            <a:schemeClr val="lt1"/>
-          </a:fontRef>
-        </p:style>
-        <p:txBody>
-          <a:bodyPr rtlCol="0" anchor="ctr"/>
-          <a:lstStyle/>
-          <a:p>
-            <a:pPr algn="ctr"/>
-            <a:r>
-              <a:rPr lang="de-CH" dirty="0" smtClean="0"/>
-              <a:t>Transport</a:t>
-            </a:r>
-            <a:endParaRPr lang="de-CH" dirty="0"/>
-          </a:p>
-        </p:txBody>
-      </p:sp>
-      <p:sp>
-        <p:nvSpPr>
-          <p:cNvPr id="6" name="Rounded Rectangle 5"/>
-          <p:cNvSpPr/>
-          <p:nvPr/>
-        </p:nvSpPr>
-        <p:spPr>
-          <a:xfrm>
-            <a:off x="2231136" y="3455413"/>
-            <a:ext cx="2736649" cy="869758"/>
-          </a:xfrm>
-          <a:prstGeom prst="roundRect">
-            <a:avLst/>
-          </a:prstGeom>
-        </p:spPr>
-        <p:style>
-          <a:lnRef idx="2">
-            <a:schemeClr val="accent3">
-              <a:shade val="50000"/>
-            </a:schemeClr>
-          </a:lnRef>
-          <a:fillRef idx="1">
-            <a:schemeClr val="accent3"/>
-          </a:fillRef>
-          <a:effectRef idx="0">
-            <a:schemeClr val="accent3"/>
-          </a:effectRef>
-          <a:fontRef idx="minor">
-            <a:schemeClr val="lt1"/>
-          </a:fontRef>
-        </p:style>
-        <p:txBody>
-          <a:bodyPr rtlCol="0" anchor="ctr"/>
-          <a:lstStyle/>
-          <a:p>
-            <a:pPr algn="ctr"/>
-            <a:r>
-              <a:rPr lang="de-CH" dirty="0" smtClean="0"/>
-              <a:t>Network</a:t>
-            </a:r>
-            <a:endParaRPr lang="de-CH" dirty="0"/>
-          </a:p>
-        </p:txBody>
-      </p:sp>
-      <p:sp>
-        <p:nvSpPr>
-          <p:cNvPr id="8" name="Rounded Rectangle 7"/>
-          <p:cNvSpPr/>
-          <p:nvPr/>
-        </p:nvSpPr>
-        <p:spPr>
-          <a:xfrm>
-            <a:off x="2231135" y="1970081"/>
-            <a:ext cx="2736649" cy="869758"/>
-          </a:xfrm>
-          <a:prstGeom prst="roundRect">
-            <a:avLst/>
-          </a:prstGeom>
-        </p:spPr>
-        <p:style>
-          <a:lnRef idx="2">
-            <a:schemeClr val="accent2">
-              <a:shade val="50000"/>
-            </a:schemeClr>
-          </a:lnRef>
-          <a:fillRef idx="1">
-            <a:schemeClr val="accent2"/>
-          </a:fillRef>
-          <a:effectRef idx="0">
-            <a:schemeClr val="accent2"/>
-          </a:effectRef>
-          <a:fontRef idx="minor">
-            <a:schemeClr val="lt1"/>
-          </a:fontRef>
-        </p:style>
-        <p:txBody>
-          <a:bodyPr rtlCol="0" anchor="ctr"/>
-          <a:lstStyle/>
-          <a:p>
-            <a:pPr algn="ctr"/>
-            <a:r>
-              <a:rPr lang="de-CH" dirty="0" smtClean="0"/>
-              <a:t>Application</a:t>
-            </a:r>
-            <a:endParaRPr lang="de-CH" dirty="0"/>
-          </a:p>
-        </p:txBody>
-      </p:sp>
-      <p:sp>
-        <p:nvSpPr>
-          <p:cNvPr id="9" name="Rounded Rectangle 8"/>
-          <p:cNvSpPr/>
-          <p:nvPr/>
-        </p:nvSpPr>
-        <p:spPr>
-          <a:xfrm>
-            <a:off x="2231135" y="2894431"/>
-            <a:ext cx="2736649" cy="453758"/>
-          </a:xfrm>
-          <a:prstGeom prst="roundRect">
-            <a:avLst/>
-          </a:prstGeom>
-        </p:spPr>
-        <p:style>
-          <a:lnRef idx="2">
-            <a:schemeClr val="accent6">
-              <a:shade val="50000"/>
-            </a:schemeClr>
-          </a:lnRef>
-          <a:fillRef idx="1">
-            <a:schemeClr val="accent6"/>
-          </a:fillRef>
-          <a:effectRef idx="0">
-            <a:schemeClr val="accent6"/>
-          </a:effectRef>
-          <a:fontRef idx="minor">
-            <a:schemeClr val="lt1"/>
-          </a:fontRef>
-        </p:style>
-        <p:txBody>
-          <a:bodyPr rtlCol="0" anchor="ctr"/>
-          <a:lstStyle/>
-          <a:p>
-            <a:pPr algn="ctr"/>
-            <a:r>
-              <a:rPr lang="de-CH" dirty="0" smtClean="0"/>
-              <a:t>Security</a:t>
-            </a:r>
-            <a:endParaRPr lang="de-CH" dirty="0"/>
-          </a:p>
-        </p:txBody>
-      </p:sp>
-    </p:spTree>
-    <p:extLst>
-      <p:ext uri="{BB962C8B-B14F-4D97-AF65-F5344CB8AC3E}">
-        <p14:creationId xmlns:p14="http://schemas.microsoft.com/office/powerpoint/2010/main" val="574879912"/>
-      </p:ext>
-    </p:extLst>
-  </p:cSld>
-  <p:clrMapOvr>
-    <a:masterClrMapping/>
-  </p:clrMapOvr>
-  <p:timing>
-    <p:tnLst>
-      <p:par>
-        <p:cTn id="1" dur="indefinite" restart="never" nodeType="tmRoot"/>
-      </p:par>
-    </p:tnLst>
-  </p:timing>
-</p:sld>
-</file>
-
-<file path=ppt/slides/slide12.xml><?xml version="1.0" encoding="utf-8"?>
-<p:sld xmlns:a="http://schemas.openxmlformats.org/drawingml/2006/main" xmlns:r="http://schemas.openxmlformats.org/officeDocument/2006/relationships" xmlns:p="http://schemas.openxmlformats.org/presentationml/2006/main">
-  <p:cSld>
-    <p:spTree>
-      <p:nvGrpSpPr>
-        <p:cNvPr id="1" name=""/>
-        <p:cNvGrpSpPr/>
-        <p:nvPr/>
-      </p:nvGrpSpPr>
-      <p:grpSpPr>
-        <a:xfrm>
-          <a:off x="0" y="0"/>
-          <a:ext cx="0" cy="0"/>
-          <a:chOff x="0" y="0"/>
-          <a:chExt cx="0" cy="0"/>
-        </a:xfrm>
-      </p:grpSpPr>
-      <p:sp>
-        <p:nvSpPr>
-          <p:cNvPr id="2" name="Title 1"/>
-          <p:cNvSpPr>
-            <a:spLocks noGrp="1"/>
-          </p:cNvSpPr>
-          <p:nvPr>
-            <p:ph type="title"/>
-          </p:nvPr>
-        </p:nvSpPr>
-        <p:spPr/>
-        <p:txBody>
-          <a:bodyPr/>
-          <a:lstStyle/>
-          <a:p>
-            <a:r>
-              <a:rPr lang="de-CH" dirty="0" smtClean="0"/>
-              <a:t>Physical Layer</a:t>
-            </a:r>
-            <a:endParaRPr lang="de-CH" dirty="0"/>
-          </a:p>
-        </p:txBody>
-      </p:sp>
-      <p:sp>
-        <p:nvSpPr>
-          <p:cNvPr id="3" name="Content Placeholder 2"/>
-          <p:cNvSpPr>
-            <a:spLocks noGrp="1"/>
-          </p:cNvSpPr>
-          <p:nvPr>
-            <p:ph idx="1"/>
-          </p:nvPr>
-        </p:nvSpPr>
-        <p:spPr>
-          <a:xfrm>
-            <a:off x="5172502" y="1962364"/>
-            <a:ext cx="4788362" cy="4411140"/>
-          </a:xfrm>
-        </p:spPr>
-        <p:txBody>
-          <a:bodyPr/>
-          <a:lstStyle/>
-          <a:p>
-            <a:r>
-              <a:rPr lang="de-CH" dirty="0" smtClean="0"/>
-              <a:t>Datenübertragungsrate</a:t>
-            </a:r>
-          </a:p>
-          <a:p>
-            <a:pPr lvl="1"/>
-            <a:r>
-              <a:rPr lang="de-CH" dirty="0" smtClean="0"/>
-              <a:t>9.6kbps / 40kbps / 100kbps</a:t>
-            </a:r>
-          </a:p>
-          <a:p>
-            <a:r>
-              <a:rPr lang="de-CH" dirty="0" smtClean="0"/>
-              <a:t>Frequenz</a:t>
-            </a:r>
-          </a:p>
-          <a:p>
-            <a:pPr lvl="1"/>
-            <a:r>
-              <a:rPr lang="de-CH" dirty="0" smtClean="0"/>
-              <a:t>Europa: 	868.42 MHz (SRD)</a:t>
-            </a:r>
-          </a:p>
-          <a:p>
-            <a:pPr lvl="1"/>
-            <a:r>
-              <a:rPr lang="de-CH" dirty="0" smtClean="0"/>
-              <a:t>USA:		908.42 MHz (ISM)</a:t>
-            </a:r>
-          </a:p>
-          <a:p>
-            <a:r>
-              <a:rPr lang="de-CH" dirty="0" smtClean="0"/>
-              <a:t>Encoding</a:t>
-            </a:r>
-          </a:p>
-          <a:p>
-            <a:pPr lvl="1"/>
-            <a:r>
-              <a:rPr lang="de-CH" dirty="0" smtClean="0"/>
-              <a:t>Manchester (9.6kbps)</a:t>
-            </a:r>
-          </a:p>
-          <a:p>
-            <a:pPr lvl="1"/>
-            <a:r>
-              <a:rPr lang="de-CH" dirty="0" smtClean="0"/>
-              <a:t>NRZ(40kbps / 100kbps)</a:t>
-            </a:r>
-          </a:p>
-          <a:p>
-            <a:r>
-              <a:rPr lang="de-CH" dirty="0" smtClean="0"/>
-              <a:t>Modulation</a:t>
-            </a:r>
-          </a:p>
-          <a:p>
-            <a:pPr lvl="1"/>
-            <a:r>
-              <a:rPr lang="de-CH" dirty="0" smtClean="0"/>
-              <a:t>GFSK (Sicher?)</a:t>
-            </a:r>
-            <a:endParaRPr lang="de-CH" dirty="0"/>
-          </a:p>
-        </p:txBody>
-      </p:sp>
-      <p:sp>
-        <p:nvSpPr>
-          <p:cNvPr id="4" name="Rounded Rectangle 3"/>
-          <p:cNvSpPr/>
-          <p:nvPr/>
-        </p:nvSpPr>
-        <p:spPr>
-          <a:xfrm>
-            <a:off x="2231136" y="5367266"/>
-            <a:ext cx="2736649" cy="869758"/>
-          </a:xfrm>
-          <a:prstGeom prst="roundRect">
-            <a:avLst/>
-          </a:prstGeom>
-          <a:ln>
-            <a:headEnd type="none" w="med" len="med"/>
-            <a:tailEnd type="none" w="med" len="med"/>
-          </a:ln>
-        </p:spPr>
-        <p:style>
-          <a:lnRef idx="2">
-            <a:schemeClr val="accent4">
-              <a:shade val="50000"/>
-            </a:schemeClr>
-          </a:lnRef>
-          <a:fillRef idx="1">
-            <a:schemeClr val="accent4"/>
-          </a:fillRef>
-          <a:effectRef idx="0">
-            <a:schemeClr val="accent4"/>
-          </a:effectRef>
-          <a:fontRef idx="minor">
-            <a:schemeClr val="lt1"/>
-          </a:fontRef>
-        </p:style>
-        <p:txBody>
-          <a:bodyPr rtlCol="0" anchor="ctr"/>
-          <a:lstStyle/>
-          <a:p>
-            <a:pPr algn="ctr"/>
-            <a:r>
-              <a:rPr lang="de-CH" dirty="0" smtClean="0"/>
-              <a:t>Physical</a:t>
-            </a:r>
-            <a:endParaRPr lang="de-CH" dirty="0"/>
-          </a:p>
-        </p:txBody>
-      </p:sp>
-      <p:sp>
-        <p:nvSpPr>
-          <p:cNvPr id="5" name="Rounded Rectangle 4"/>
-          <p:cNvSpPr/>
-          <p:nvPr/>
-        </p:nvSpPr>
-        <p:spPr>
-          <a:xfrm>
-            <a:off x="2231136" y="4414196"/>
-            <a:ext cx="2736649" cy="869758"/>
-          </a:xfrm>
-          <a:prstGeom prst="roundRect">
-            <a:avLst/>
-          </a:prstGeom>
-          <a:noFill/>
-          <a:ln w="9525" cap="flat" cmpd="sng" algn="ctr">
-            <a:solidFill>
-              <a:schemeClr val="accent2"/>
-            </a:solidFill>
-            <a:prstDash val="solid"/>
-            <a:round/>
-            <a:headEnd type="none" w="med" len="med"/>
-            <a:tailEnd type="none" w="med" len="med"/>
-          </a:ln>
-        </p:spPr>
-        <p:style>
-          <a:lnRef idx="0">
-            <a:scrgbClr r="0" g="0" b="0"/>
-          </a:lnRef>
-          <a:fillRef idx="0">
-            <a:scrgbClr r="0" g="0" b="0"/>
-          </a:fillRef>
-          <a:effectRef idx="0">
-            <a:scrgbClr r="0" g="0" b="0"/>
-          </a:effectRef>
-          <a:fontRef idx="minor">
-            <a:schemeClr val="accent2"/>
-          </a:fontRef>
-        </p:style>
-        <p:txBody>
-          <a:bodyPr rtlCol="0" anchor="ctr"/>
-          <a:lstStyle/>
-          <a:p>
-            <a:pPr algn="ctr"/>
-            <a:r>
-              <a:rPr lang="de-CH" dirty="0" smtClean="0"/>
-              <a:t>Transport</a:t>
-            </a:r>
-            <a:endParaRPr lang="de-CH" dirty="0"/>
-          </a:p>
-        </p:txBody>
-      </p:sp>
-      <p:sp>
-        <p:nvSpPr>
-          <p:cNvPr id="6" name="Rounded Rectangle 5"/>
-          <p:cNvSpPr/>
-          <p:nvPr/>
-        </p:nvSpPr>
-        <p:spPr>
-          <a:xfrm>
-            <a:off x="2231136" y="3455413"/>
-            <a:ext cx="2736649" cy="869758"/>
-          </a:xfrm>
-          <a:prstGeom prst="roundRect">
-            <a:avLst/>
-          </a:prstGeom>
-          <a:noFill/>
-          <a:ln w="9525" cap="flat" cmpd="sng" algn="ctr">
-            <a:solidFill>
-              <a:schemeClr val="accent2"/>
-            </a:solidFill>
-            <a:prstDash val="solid"/>
-            <a:round/>
-            <a:headEnd type="none" w="med" len="med"/>
-            <a:tailEnd type="none" w="med" len="med"/>
-          </a:ln>
-        </p:spPr>
-        <p:style>
-          <a:lnRef idx="0">
-            <a:scrgbClr r="0" g="0" b="0"/>
-          </a:lnRef>
-          <a:fillRef idx="0">
-            <a:scrgbClr r="0" g="0" b="0"/>
-          </a:fillRef>
-          <a:effectRef idx="0">
-            <a:scrgbClr r="0" g="0" b="0"/>
-          </a:effectRef>
-          <a:fontRef idx="minor">
-            <a:schemeClr val="accent2"/>
-          </a:fontRef>
-        </p:style>
-        <p:txBody>
-          <a:bodyPr rtlCol="0" anchor="ctr"/>
-          <a:lstStyle/>
-          <a:p>
-            <a:pPr algn="ctr"/>
-            <a:r>
-              <a:rPr lang="de-CH" dirty="0" smtClean="0"/>
-              <a:t>Network</a:t>
-            </a:r>
-            <a:endParaRPr lang="de-CH" dirty="0"/>
-          </a:p>
-        </p:txBody>
-      </p:sp>
-      <p:sp>
-        <p:nvSpPr>
-          <p:cNvPr id="8" name="Rounded Rectangle 7"/>
-          <p:cNvSpPr/>
-          <p:nvPr/>
-        </p:nvSpPr>
-        <p:spPr>
-          <a:xfrm>
-            <a:off x="2231135" y="1970081"/>
-            <a:ext cx="2736649" cy="869758"/>
-          </a:xfrm>
-          <a:prstGeom prst="roundRect">
-            <a:avLst/>
-          </a:prstGeom>
-          <a:noFill/>
-          <a:ln w="9525" cap="flat" cmpd="sng" algn="ctr">
-            <a:solidFill>
-              <a:schemeClr val="accent2"/>
-            </a:solidFill>
-            <a:prstDash val="solid"/>
-            <a:round/>
-            <a:headEnd type="none" w="med" len="med"/>
-            <a:tailEnd type="none" w="med" len="med"/>
-          </a:ln>
-        </p:spPr>
-        <p:style>
-          <a:lnRef idx="0">
-            <a:scrgbClr r="0" g="0" b="0"/>
-          </a:lnRef>
-          <a:fillRef idx="0">
-            <a:scrgbClr r="0" g="0" b="0"/>
-          </a:fillRef>
-          <a:effectRef idx="0">
-            <a:scrgbClr r="0" g="0" b="0"/>
-          </a:effectRef>
-          <a:fontRef idx="minor">
-            <a:schemeClr val="accent2"/>
-          </a:fontRef>
-        </p:style>
-        <p:txBody>
-          <a:bodyPr rtlCol="0" anchor="ctr"/>
-          <a:lstStyle/>
-          <a:p>
-            <a:pPr algn="ctr"/>
-            <a:r>
-              <a:rPr lang="de-CH" dirty="0" smtClean="0"/>
-              <a:t>Application</a:t>
-            </a:r>
-            <a:endParaRPr lang="de-CH" dirty="0"/>
-          </a:p>
-        </p:txBody>
-      </p:sp>
-      <p:sp>
-        <p:nvSpPr>
-          <p:cNvPr id="9" name="Rounded Rectangle 8"/>
-          <p:cNvSpPr/>
-          <p:nvPr/>
-        </p:nvSpPr>
-        <p:spPr>
-          <a:xfrm>
-            <a:off x="2231135" y="2894431"/>
-            <a:ext cx="2736649" cy="453758"/>
-          </a:xfrm>
-          <a:prstGeom prst="roundRect">
-            <a:avLst/>
-          </a:prstGeom>
-          <a:noFill/>
-          <a:ln w="9525" cap="flat" cmpd="sng" algn="ctr">
-            <a:solidFill>
-              <a:schemeClr val="accent2"/>
-            </a:solidFill>
-            <a:prstDash val="solid"/>
-            <a:round/>
-            <a:headEnd type="none" w="med" len="med"/>
-            <a:tailEnd type="none" w="med" len="med"/>
-          </a:ln>
-        </p:spPr>
-        <p:style>
-          <a:lnRef idx="0">
-            <a:scrgbClr r="0" g="0" b="0"/>
-          </a:lnRef>
-          <a:fillRef idx="0">
-            <a:scrgbClr r="0" g="0" b="0"/>
-          </a:fillRef>
-          <a:effectRef idx="0">
-            <a:scrgbClr r="0" g="0" b="0"/>
-          </a:effectRef>
-          <a:fontRef idx="minor">
-            <a:schemeClr val="accent2"/>
-          </a:fontRef>
-        </p:style>
-        <p:txBody>
-          <a:bodyPr rtlCol="0" anchor="ctr"/>
-          <a:lstStyle/>
-          <a:p>
-            <a:pPr algn="ctr"/>
-            <a:r>
-              <a:rPr lang="de-CH" dirty="0" smtClean="0"/>
-              <a:t>Security</a:t>
-            </a:r>
-            <a:endParaRPr lang="de-CH" dirty="0"/>
-          </a:p>
-        </p:txBody>
-      </p:sp>
-    </p:spTree>
-    <p:extLst>
-      <p:ext uri="{BB962C8B-B14F-4D97-AF65-F5344CB8AC3E}">
-        <p14:creationId xmlns:p14="http://schemas.microsoft.com/office/powerpoint/2010/main" val="2723441090"/>
-      </p:ext>
-    </p:extLst>
-  </p:cSld>
-  <p:clrMapOvr>
-    <a:masterClrMapping/>
-  </p:clrMapOvr>
-  <p:timing>
-    <p:tnLst>
-      <p:par>
-        <p:cTn id="1" dur="indefinite" restart="never" nodeType="tmRoot"/>
-      </p:par>
-    </p:tnLst>
-  </p:timing>
-</p:sld>
-</file>
-
-<file path=ppt/slides/slide13.xml><?xml version="1.0" encoding="utf-8"?>
-<p:sld xmlns:a="http://schemas.openxmlformats.org/drawingml/2006/main" xmlns:r="http://schemas.openxmlformats.org/officeDocument/2006/relationships" xmlns:p="http://schemas.openxmlformats.org/presentationml/2006/main">
-  <p:cSld>
-    <p:spTree>
-      <p:nvGrpSpPr>
-        <p:cNvPr id="1" name=""/>
-        <p:cNvGrpSpPr/>
-        <p:nvPr/>
-      </p:nvGrpSpPr>
-      <p:grpSpPr>
-        <a:xfrm>
-          <a:off x="0" y="0"/>
-          <a:ext cx="0" cy="0"/>
-          <a:chOff x="0" y="0"/>
-          <a:chExt cx="0" cy="0"/>
-        </a:xfrm>
-      </p:grpSpPr>
-      <p:sp>
-        <p:nvSpPr>
-          <p:cNvPr id="2" name="Title 1"/>
-          <p:cNvSpPr>
-            <a:spLocks noGrp="1"/>
-          </p:cNvSpPr>
-          <p:nvPr>
-            <p:ph type="title"/>
-          </p:nvPr>
-        </p:nvSpPr>
-        <p:spPr/>
-        <p:txBody>
-          <a:bodyPr/>
-          <a:lstStyle/>
-          <a:p>
-            <a:r>
-              <a:rPr lang="de-CH" dirty="0" smtClean="0"/>
-              <a:t>Transport Layer</a:t>
-            </a:r>
-            <a:endParaRPr lang="de-CH" dirty="0"/>
-          </a:p>
-        </p:txBody>
-      </p:sp>
-      <p:sp>
-        <p:nvSpPr>
-          <p:cNvPr id="3" name="Content Placeholder 2"/>
-          <p:cNvSpPr>
-            <a:spLocks noGrp="1"/>
-          </p:cNvSpPr>
-          <p:nvPr>
-            <p:ph idx="1"/>
-          </p:nvPr>
-        </p:nvSpPr>
-        <p:spPr>
-          <a:xfrm>
-            <a:off x="5172502" y="1962364"/>
-            <a:ext cx="4788362" cy="4411140"/>
-          </a:xfrm>
-        </p:spPr>
-        <p:txBody>
-          <a:bodyPr/>
-          <a:lstStyle/>
-          <a:p>
-            <a:r>
-              <a:rPr lang="de-CH" dirty="0" smtClean="0"/>
-              <a:t>Error Detection</a:t>
-            </a:r>
-          </a:p>
-          <a:p>
-            <a:r>
-              <a:rPr lang="de-CH" dirty="0" smtClean="0"/>
-              <a:t>Retransmission</a:t>
-            </a:r>
-          </a:p>
-          <a:p>
-            <a:r>
-              <a:rPr lang="de-CH" dirty="0" smtClean="0"/>
-              <a:t>Acknowledgement</a:t>
-            </a:r>
-          </a:p>
-          <a:p>
-            <a:r>
-              <a:rPr lang="de-CH" dirty="0" smtClean="0"/>
-              <a:t>MEHR HIER?!</a:t>
-            </a:r>
-            <a:endParaRPr lang="de-CH" dirty="0"/>
-          </a:p>
-        </p:txBody>
-      </p:sp>
-      <p:sp>
-        <p:nvSpPr>
-          <p:cNvPr id="4" name="Rounded Rectangle 3"/>
-          <p:cNvSpPr/>
-          <p:nvPr/>
-        </p:nvSpPr>
-        <p:spPr>
-          <a:xfrm>
-            <a:off x="2231136" y="5367266"/>
-            <a:ext cx="2736649" cy="869758"/>
-          </a:xfrm>
-          <a:prstGeom prst="roundRect">
-            <a:avLst/>
-          </a:prstGeom>
-          <a:noFill/>
-          <a:ln w="9525" cap="flat" cmpd="sng" algn="ctr">
-            <a:solidFill>
-              <a:schemeClr val="accent2"/>
-            </a:solidFill>
-            <a:prstDash val="solid"/>
-            <a:round/>
-            <a:headEnd type="none" w="med" len="med"/>
-            <a:tailEnd type="none" w="med" len="med"/>
-          </a:ln>
-        </p:spPr>
-        <p:style>
-          <a:lnRef idx="0">
-            <a:scrgbClr r="0" g="0" b="0"/>
-          </a:lnRef>
-          <a:fillRef idx="0">
-            <a:scrgbClr r="0" g="0" b="0"/>
-          </a:fillRef>
-          <a:effectRef idx="0">
-            <a:scrgbClr r="0" g="0" b="0"/>
-          </a:effectRef>
-          <a:fontRef idx="minor">
-            <a:schemeClr val="accent2"/>
-          </a:fontRef>
-        </p:style>
-        <p:txBody>
-          <a:bodyPr rtlCol="0" anchor="ctr"/>
-          <a:lstStyle/>
-          <a:p>
-            <a:pPr algn="ctr"/>
-            <a:r>
-              <a:rPr lang="de-CH" dirty="0" smtClean="0"/>
-              <a:t>Physical</a:t>
-            </a:r>
-            <a:endParaRPr lang="de-CH" dirty="0"/>
-          </a:p>
-        </p:txBody>
-      </p:sp>
-      <p:sp>
-        <p:nvSpPr>
-          <p:cNvPr id="5" name="Rounded Rectangle 4"/>
-          <p:cNvSpPr/>
-          <p:nvPr/>
-        </p:nvSpPr>
-        <p:spPr>
-          <a:xfrm>
-            <a:off x="2231136" y="4414196"/>
-            <a:ext cx="2736649" cy="869758"/>
-          </a:xfrm>
-          <a:prstGeom prst="roundRect">
-            <a:avLst/>
-          </a:prstGeom>
-          <a:ln>
-            <a:headEnd type="none" w="med" len="med"/>
-            <a:tailEnd type="none" w="med" len="med"/>
-          </a:ln>
-        </p:spPr>
-        <p:style>
-          <a:lnRef idx="2">
-            <a:schemeClr val="accent1">
-              <a:shade val="50000"/>
-            </a:schemeClr>
-          </a:lnRef>
-          <a:fillRef idx="1">
-            <a:schemeClr val="accent1"/>
-          </a:fillRef>
-          <a:effectRef idx="0">
-            <a:schemeClr val="accent1"/>
-          </a:effectRef>
-          <a:fontRef idx="minor">
-            <a:schemeClr val="lt1"/>
-          </a:fontRef>
-        </p:style>
-        <p:txBody>
-          <a:bodyPr rtlCol="0" anchor="ctr"/>
-          <a:lstStyle/>
-          <a:p>
-            <a:pPr algn="ctr"/>
-            <a:r>
-              <a:rPr lang="de-CH" dirty="0" smtClean="0"/>
-              <a:t>Transport</a:t>
-            </a:r>
-            <a:endParaRPr lang="de-CH" dirty="0"/>
-          </a:p>
-        </p:txBody>
-      </p:sp>
-      <p:sp>
-        <p:nvSpPr>
-          <p:cNvPr id="6" name="Rounded Rectangle 5"/>
-          <p:cNvSpPr/>
-          <p:nvPr/>
-        </p:nvSpPr>
-        <p:spPr>
-          <a:xfrm>
-            <a:off x="2231136" y="3455413"/>
-            <a:ext cx="2736649" cy="869758"/>
-          </a:xfrm>
-          <a:prstGeom prst="roundRect">
-            <a:avLst/>
-          </a:prstGeom>
-          <a:noFill/>
-          <a:ln w="9525" cap="flat" cmpd="sng" algn="ctr">
-            <a:solidFill>
-              <a:schemeClr val="accent2"/>
-            </a:solidFill>
-            <a:prstDash val="solid"/>
-            <a:round/>
-            <a:headEnd type="none" w="med" len="med"/>
-            <a:tailEnd type="none" w="med" len="med"/>
-          </a:ln>
-        </p:spPr>
-        <p:style>
-          <a:lnRef idx="0">
-            <a:scrgbClr r="0" g="0" b="0"/>
-          </a:lnRef>
-          <a:fillRef idx="0">
-            <a:scrgbClr r="0" g="0" b="0"/>
-          </a:fillRef>
-          <a:effectRef idx="0">
-            <a:scrgbClr r="0" g="0" b="0"/>
-          </a:effectRef>
-          <a:fontRef idx="minor">
-            <a:schemeClr val="accent2"/>
-          </a:fontRef>
-        </p:style>
-        <p:txBody>
-          <a:bodyPr rtlCol="0" anchor="ctr"/>
-          <a:lstStyle/>
-          <a:p>
-            <a:pPr algn="ctr"/>
-            <a:r>
-              <a:rPr lang="de-CH" dirty="0" smtClean="0"/>
-              <a:t>Network</a:t>
-            </a:r>
-            <a:endParaRPr lang="de-CH" dirty="0"/>
-          </a:p>
-        </p:txBody>
-      </p:sp>
-      <p:sp>
-        <p:nvSpPr>
-          <p:cNvPr id="8" name="Rounded Rectangle 7"/>
-          <p:cNvSpPr/>
-          <p:nvPr/>
-        </p:nvSpPr>
-        <p:spPr>
-          <a:xfrm>
-            <a:off x="2231135" y="1970081"/>
-            <a:ext cx="2736649" cy="869758"/>
-          </a:xfrm>
-          <a:prstGeom prst="roundRect">
-            <a:avLst/>
-          </a:prstGeom>
-          <a:noFill/>
-          <a:ln w="9525" cap="flat" cmpd="sng" algn="ctr">
-            <a:solidFill>
-              <a:schemeClr val="accent2"/>
-            </a:solidFill>
-            <a:prstDash val="solid"/>
-            <a:round/>
-            <a:headEnd type="none" w="med" len="med"/>
-            <a:tailEnd type="none" w="med" len="med"/>
-          </a:ln>
-        </p:spPr>
-        <p:style>
-          <a:lnRef idx="0">
-            <a:scrgbClr r="0" g="0" b="0"/>
-          </a:lnRef>
-          <a:fillRef idx="0">
-            <a:scrgbClr r="0" g="0" b="0"/>
-          </a:fillRef>
-          <a:effectRef idx="0">
-            <a:scrgbClr r="0" g="0" b="0"/>
-          </a:effectRef>
-          <a:fontRef idx="minor">
-            <a:schemeClr val="accent2"/>
-          </a:fontRef>
-        </p:style>
-        <p:txBody>
-          <a:bodyPr rtlCol="0" anchor="ctr"/>
-          <a:lstStyle/>
-          <a:p>
-            <a:pPr algn="ctr"/>
-            <a:r>
-              <a:rPr lang="de-CH" dirty="0" smtClean="0"/>
-              <a:t>Application</a:t>
-            </a:r>
-            <a:endParaRPr lang="de-CH" dirty="0"/>
-          </a:p>
-        </p:txBody>
-      </p:sp>
-      <p:sp>
-        <p:nvSpPr>
-          <p:cNvPr id="9" name="Rounded Rectangle 8"/>
-          <p:cNvSpPr/>
-          <p:nvPr/>
-        </p:nvSpPr>
-        <p:spPr>
-          <a:xfrm>
-            <a:off x="2231135" y="2894431"/>
-            <a:ext cx="2736649" cy="453758"/>
-          </a:xfrm>
-          <a:prstGeom prst="roundRect">
-            <a:avLst/>
-          </a:prstGeom>
-          <a:noFill/>
-          <a:ln w="9525" cap="flat" cmpd="sng" algn="ctr">
-            <a:solidFill>
-              <a:schemeClr val="accent2"/>
-            </a:solidFill>
-            <a:prstDash val="solid"/>
-            <a:round/>
-            <a:headEnd type="none" w="med" len="med"/>
-            <a:tailEnd type="none" w="med" len="med"/>
-          </a:ln>
-        </p:spPr>
-        <p:style>
-          <a:lnRef idx="0">
-            <a:scrgbClr r="0" g="0" b="0"/>
-          </a:lnRef>
-          <a:fillRef idx="0">
-            <a:scrgbClr r="0" g="0" b="0"/>
-          </a:fillRef>
-          <a:effectRef idx="0">
-            <a:scrgbClr r="0" g="0" b="0"/>
-          </a:effectRef>
-          <a:fontRef idx="minor">
-            <a:schemeClr val="accent2"/>
-          </a:fontRef>
-        </p:style>
-        <p:txBody>
-          <a:bodyPr rtlCol="0" anchor="ctr"/>
-          <a:lstStyle/>
-          <a:p>
-            <a:pPr algn="ctr"/>
-            <a:r>
-              <a:rPr lang="de-CH" dirty="0" smtClean="0"/>
-              <a:t>Security</a:t>
-            </a:r>
-            <a:endParaRPr lang="de-CH" dirty="0"/>
-          </a:p>
-        </p:txBody>
-      </p:sp>
-    </p:spTree>
-    <p:extLst>
-      <p:ext uri="{BB962C8B-B14F-4D97-AF65-F5344CB8AC3E}">
-        <p14:creationId xmlns:p14="http://schemas.microsoft.com/office/powerpoint/2010/main" val="2054758645"/>
-      </p:ext>
-    </p:extLst>
-  </p:cSld>
-  <p:clrMapOvr>
-    <a:masterClrMapping/>
-  </p:clrMapOvr>
-  <p:timing>
-    <p:tnLst>
-      <p:par>
-        <p:cTn id="1" dur="indefinite" restart="never" nodeType="tmRoot"/>
-      </p:par>
-    </p:tnLst>
-  </p:timing>
-</p:sld>
-</file>
-
-<file path=ppt/slides/slide14.xml><?xml version="1.0" encoding="utf-8"?>
-<p:sld xmlns:a="http://schemas.openxmlformats.org/drawingml/2006/main" xmlns:r="http://schemas.openxmlformats.org/officeDocument/2006/relationships" xmlns:p="http://schemas.openxmlformats.org/presentationml/2006/main">
-  <p:cSld>
-    <p:spTree>
-      <p:nvGrpSpPr>
-        <p:cNvPr id="1" name=""/>
-        <p:cNvGrpSpPr/>
-        <p:nvPr/>
-      </p:nvGrpSpPr>
-      <p:grpSpPr>
-        <a:xfrm>
-          <a:off x="0" y="0"/>
-          <a:ext cx="0" cy="0"/>
-          <a:chOff x="0" y="0"/>
-          <a:chExt cx="0" cy="0"/>
-        </a:xfrm>
-      </p:grpSpPr>
-      <p:sp>
-        <p:nvSpPr>
-          <p:cNvPr id="2" name="Title 1"/>
-          <p:cNvSpPr>
-            <a:spLocks noGrp="1"/>
-          </p:cNvSpPr>
-          <p:nvPr>
-            <p:ph type="title"/>
-          </p:nvPr>
-        </p:nvSpPr>
-        <p:spPr/>
-        <p:txBody>
-          <a:bodyPr/>
-          <a:lstStyle/>
-          <a:p>
-            <a:r>
-              <a:rPr lang="de-CH" dirty="0" smtClean="0"/>
-              <a:t>Network Layer</a:t>
-            </a:r>
-            <a:endParaRPr lang="de-CH" dirty="0"/>
-          </a:p>
-        </p:txBody>
-      </p:sp>
-      <p:sp>
-        <p:nvSpPr>
-          <p:cNvPr id="3" name="Content Placeholder 2"/>
-          <p:cNvSpPr>
-            <a:spLocks noGrp="1"/>
-          </p:cNvSpPr>
-          <p:nvPr>
-            <p:ph idx="1"/>
-          </p:nvPr>
-        </p:nvSpPr>
-        <p:spPr>
-          <a:xfrm>
-            <a:off x="5172502" y="1962364"/>
-            <a:ext cx="4788362" cy="4411140"/>
-          </a:xfrm>
-        </p:spPr>
-        <p:txBody>
-          <a:bodyPr/>
-          <a:lstStyle/>
-          <a:p>
-            <a:r>
-              <a:rPr lang="de-CH" dirty="0" smtClean="0"/>
-              <a:t>Mesh Netzwerk</a:t>
-            </a:r>
-          </a:p>
-          <a:p>
-            <a:r>
-              <a:rPr lang="de-CH" dirty="0" smtClean="0"/>
-              <a:t>32-Bit Home ID</a:t>
-            </a:r>
-          </a:p>
-          <a:p>
-            <a:pPr lvl="1"/>
-            <a:r>
-              <a:rPr lang="de-CH" dirty="0" smtClean="0"/>
-              <a:t>Pro Controller</a:t>
-            </a:r>
-          </a:p>
-          <a:p>
-            <a:pPr lvl="1"/>
-            <a:r>
-              <a:rPr lang="de-CH" dirty="0" smtClean="0"/>
-              <a:t>Vom Hersteller vergeben</a:t>
-            </a:r>
-          </a:p>
-          <a:p>
-            <a:r>
-              <a:rPr lang="de-CH" dirty="0" smtClean="0"/>
-              <a:t>8-Bit Node ID</a:t>
-            </a:r>
-          </a:p>
-          <a:p>
-            <a:pPr lvl="1"/>
-            <a:r>
-              <a:rPr lang="de-CH" dirty="0" smtClean="0"/>
-              <a:t>Pro Endgerät</a:t>
-            </a:r>
-          </a:p>
-          <a:p>
-            <a:pPr lvl="1"/>
-            <a:r>
-              <a:rPr lang="de-CH" dirty="0" smtClean="0"/>
-              <a:t>Vom Controller vergeben</a:t>
-            </a:r>
-            <a:endParaRPr lang="de-CH" dirty="0"/>
-          </a:p>
-        </p:txBody>
-      </p:sp>
-      <p:sp>
-        <p:nvSpPr>
-          <p:cNvPr id="4" name="Rounded Rectangle 3"/>
-          <p:cNvSpPr/>
-          <p:nvPr/>
-        </p:nvSpPr>
-        <p:spPr>
-          <a:xfrm>
-            <a:off x="2231136" y="5367266"/>
-            <a:ext cx="2736649" cy="869758"/>
-          </a:xfrm>
-          <a:prstGeom prst="roundRect">
-            <a:avLst/>
-          </a:prstGeom>
-          <a:noFill/>
-          <a:ln w="9525" cap="flat" cmpd="sng" algn="ctr">
-            <a:solidFill>
-              <a:schemeClr val="accent2"/>
-            </a:solidFill>
-            <a:prstDash val="solid"/>
-            <a:round/>
-            <a:headEnd type="none" w="med" len="med"/>
-            <a:tailEnd type="none" w="med" len="med"/>
-          </a:ln>
-        </p:spPr>
-        <p:style>
-          <a:lnRef idx="0">
-            <a:scrgbClr r="0" g="0" b="0"/>
-          </a:lnRef>
-          <a:fillRef idx="0">
-            <a:scrgbClr r="0" g="0" b="0"/>
-          </a:fillRef>
-          <a:effectRef idx="0">
-            <a:scrgbClr r="0" g="0" b="0"/>
-          </a:effectRef>
-          <a:fontRef idx="minor">
-            <a:schemeClr val="accent2"/>
-          </a:fontRef>
-        </p:style>
-        <p:txBody>
-          <a:bodyPr rtlCol="0" anchor="ctr"/>
-          <a:lstStyle/>
-          <a:p>
-            <a:pPr algn="ctr"/>
-            <a:r>
-              <a:rPr lang="de-CH" dirty="0" smtClean="0"/>
-              <a:t>Physical</a:t>
-            </a:r>
-            <a:endParaRPr lang="de-CH" dirty="0"/>
-          </a:p>
-        </p:txBody>
-      </p:sp>
-      <p:sp>
-        <p:nvSpPr>
-          <p:cNvPr id="5" name="Rounded Rectangle 4"/>
-          <p:cNvSpPr/>
-          <p:nvPr/>
-        </p:nvSpPr>
-        <p:spPr>
-          <a:xfrm>
-            <a:off x="2231136" y="4414196"/>
-            <a:ext cx="2736649" cy="869758"/>
-          </a:xfrm>
-          <a:prstGeom prst="roundRect">
-            <a:avLst/>
-          </a:prstGeom>
-          <a:noFill/>
-          <a:ln w="9525" cap="flat" cmpd="sng" algn="ctr">
-            <a:solidFill>
-              <a:schemeClr val="accent2"/>
-            </a:solidFill>
-            <a:prstDash val="solid"/>
-            <a:round/>
-            <a:headEnd type="none" w="med" len="med"/>
-            <a:tailEnd type="none" w="med" len="med"/>
-          </a:ln>
-        </p:spPr>
-        <p:style>
-          <a:lnRef idx="0">
-            <a:scrgbClr r="0" g="0" b="0"/>
-          </a:lnRef>
-          <a:fillRef idx="0">
-            <a:scrgbClr r="0" g="0" b="0"/>
-          </a:fillRef>
-          <a:effectRef idx="0">
-            <a:scrgbClr r="0" g="0" b="0"/>
-          </a:effectRef>
-          <a:fontRef idx="minor">
-            <a:schemeClr val="accent2"/>
-          </a:fontRef>
-        </p:style>
-        <p:txBody>
-          <a:bodyPr rtlCol="0" anchor="ctr"/>
-          <a:lstStyle/>
-          <a:p>
-            <a:pPr algn="ctr"/>
-            <a:r>
-              <a:rPr lang="de-CH" dirty="0" smtClean="0"/>
-              <a:t>Transport</a:t>
-            </a:r>
-            <a:endParaRPr lang="de-CH" dirty="0"/>
-          </a:p>
-        </p:txBody>
-      </p:sp>
-      <p:sp>
-        <p:nvSpPr>
-          <p:cNvPr id="6" name="Rounded Rectangle 5"/>
-          <p:cNvSpPr/>
-          <p:nvPr/>
-        </p:nvSpPr>
-        <p:spPr>
-          <a:xfrm>
-            <a:off x="2231136" y="3455413"/>
-            <a:ext cx="2736649" cy="869758"/>
-          </a:xfrm>
-          <a:prstGeom prst="roundRect">
-            <a:avLst/>
-          </a:prstGeom>
-          <a:ln>
-            <a:headEnd type="none" w="med" len="med"/>
-            <a:tailEnd type="none" w="med" len="med"/>
-          </a:ln>
-        </p:spPr>
-        <p:style>
-          <a:lnRef idx="2">
-            <a:schemeClr val="accent3">
-              <a:shade val="50000"/>
-            </a:schemeClr>
-          </a:lnRef>
-          <a:fillRef idx="1">
-            <a:schemeClr val="accent3"/>
-          </a:fillRef>
-          <a:effectRef idx="0">
-            <a:schemeClr val="accent3"/>
-          </a:effectRef>
-          <a:fontRef idx="minor">
-            <a:schemeClr val="lt1"/>
-          </a:fontRef>
-        </p:style>
-        <p:txBody>
-          <a:bodyPr rtlCol="0" anchor="ctr"/>
-          <a:lstStyle/>
-          <a:p>
-            <a:pPr algn="ctr"/>
-            <a:r>
-              <a:rPr lang="de-CH" dirty="0" smtClean="0"/>
-              <a:t>Network</a:t>
-            </a:r>
-            <a:endParaRPr lang="de-CH" dirty="0"/>
-          </a:p>
-        </p:txBody>
-      </p:sp>
-      <p:sp>
-        <p:nvSpPr>
-          <p:cNvPr id="8" name="Rounded Rectangle 7"/>
-          <p:cNvSpPr/>
-          <p:nvPr/>
-        </p:nvSpPr>
-        <p:spPr>
-          <a:xfrm>
-            <a:off x="2231135" y="1970081"/>
-            <a:ext cx="2736649" cy="869758"/>
-          </a:xfrm>
-          <a:prstGeom prst="roundRect">
-            <a:avLst/>
-          </a:prstGeom>
-          <a:noFill/>
-          <a:ln w="9525" cap="flat" cmpd="sng" algn="ctr">
-            <a:solidFill>
-              <a:schemeClr val="accent2"/>
-            </a:solidFill>
-            <a:prstDash val="solid"/>
-            <a:round/>
-            <a:headEnd type="none" w="med" len="med"/>
-            <a:tailEnd type="none" w="med" len="med"/>
-          </a:ln>
-        </p:spPr>
-        <p:style>
-          <a:lnRef idx="0">
-            <a:scrgbClr r="0" g="0" b="0"/>
-          </a:lnRef>
-          <a:fillRef idx="0">
-            <a:scrgbClr r="0" g="0" b="0"/>
-          </a:fillRef>
-          <a:effectRef idx="0">
-            <a:scrgbClr r="0" g="0" b="0"/>
-          </a:effectRef>
-          <a:fontRef idx="minor">
-            <a:schemeClr val="accent2"/>
-          </a:fontRef>
-        </p:style>
-        <p:txBody>
-          <a:bodyPr rtlCol="0" anchor="ctr"/>
-          <a:lstStyle/>
-          <a:p>
-            <a:pPr algn="ctr"/>
-            <a:r>
-              <a:rPr lang="de-CH" dirty="0" smtClean="0"/>
-              <a:t>Application</a:t>
-            </a:r>
-            <a:endParaRPr lang="de-CH" dirty="0"/>
-          </a:p>
-        </p:txBody>
-      </p:sp>
-      <p:sp>
-        <p:nvSpPr>
-          <p:cNvPr id="9" name="Rounded Rectangle 8"/>
-          <p:cNvSpPr/>
-          <p:nvPr/>
-        </p:nvSpPr>
-        <p:spPr>
-          <a:xfrm>
-            <a:off x="2231135" y="2894431"/>
-            <a:ext cx="2736649" cy="453758"/>
-          </a:xfrm>
-          <a:prstGeom prst="roundRect">
-            <a:avLst/>
-          </a:prstGeom>
-          <a:noFill/>
-          <a:ln w="9525" cap="flat" cmpd="sng" algn="ctr">
-            <a:solidFill>
-              <a:schemeClr val="accent2"/>
-            </a:solidFill>
-            <a:prstDash val="solid"/>
-            <a:round/>
-            <a:headEnd type="none" w="med" len="med"/>
-            <a:tailEnd type="none" w="med" len="med"/>
-          </a:ln>
-        </p:spPr>
-        <p:style>
-          <a:lnRef idx="0">
-            <a:scrgbClr r="0" g="0" b="0"/>
-          </a:lnRef>
-          <a:fillRef idx="0">
-            <a:scrgbClr r="0" g="0" b="0"/>
-          </a:fillRef>
-          <a:effectRef idx="0">
-            <a:scrgbClr r="0" g="0" b="0"/>
-          </a:effectRef>
-          <a:fontRef idx="minor">
-            <a:schemeClr val="accent2"/>
-          </a:fontRef>
-        </p:style>
-        <p:txBody>
-          <a:bodyPr rtlCol="0" anchor="ctr"/>
-          <a:lstStyle/>
-          <a:p>
-            <a:pPr algn="ctr"/>
-            <a:r>
-              <a:rPr lang="de-CH" dirty="0" smtClean="0"/>
-              <a:t>Security</a:t>
-            </a:r>
-            <a:endParaRPr lang="de-CH" dirty="0"/>
-          </a:p>
-        </p:txBody>
-      </p:sp>
-    </p:spTree>
-    <p:extLst>
-      <p:ext uri="{BB962C8B-B14F-4D97-AF65-F5344CB8AC3E}">
-        <p14:creationId xmlns:p14="http://schemas.microsoft.com/office/powerpoint/2010/main" val="1217021765"/>
-      </p:ext>
-    </p:extLst>
-  </p:cSld>
-  <p:clrMapOvr>
-    <a:masterClrMapping/>
-  </p:clrMapOvr>
-  <p:timing>
-    <p:tnLst>
-      <p:par>
-        <p:cTn id="1" dur="indefinite" restart="never" nodeType="tmRoot"/>
-      </p:par>
-    </p:tnLst>
-  </p:timing>
-</p:sld>
-</file>
-
-<file path=ppt/slides/slide15.xml><?xml version="1.0" encoding="utf-8"?>
-<p:sld xmlns:a="http://schemas.openxmlformats.org/drawingml/2006/main" xmlns:r="http://schemas.openxmlformats.org/officeDocument/2006/relationships" xmlns:p="http://schemas.openxmlformats.org/presentationml/2006/main">
-  <p:cSld>
-    <p:spTree>
-      <p:nvGrpSpPr>
-        <p:cNvPr id="1" name=""/>
-        <p:cNvGrpSpPr/>
-        <p:nvPr/>
-      </p:nvGrpSpPr>
-      <p:grpSpPr>
-        <a:xfrm>
-          <a:off x="0" y="0"/>
-          <a:ext cx="0" cy="0"/>
-          <a:chOff x="0" y="0"/>
-          <a:chExt cx="0" cy="0"/>
-        </a:xfrm>
-      </p:grpSpPr>
-      <p:sp>
-        <p:nvSpPr>
-          <p:cNvPr id="2" name="Title 1"/>
-          <p:cNvSpPr>
-            <a:spLocks noGrp="1"/>
-          </p:cNvSpPr>
-          <p:nvPr>
-            <p:ph type="title"/>
-          </p:nvPr>
-        </p:nvSpPr>
-        <p:spPr/>
-        <p:txBody>
-          <a:bodyPr/>
-          <a:lstStyle/>
-          <a:p>
-            <a:r>
-              <a:rPr lang="de-CH" dirty="0" smtClean="0"/>
-              <a:t>Security Layer</a:t>
-            </a:r>
-            <a:endParaRPr lang="de-CH" dirty="0"/>
-          </a:p>
-        </p:txBody>
-      </p:sp>
-      <p:sp>
-        <p:nvSpPr>
-          <p:cNvPr id="3" name="Content Placeholder 2"/>
-          <p:cNvSpPr>
-            <a:spLocks noGrp="1"/>
-          </p:cNvSpPr>
-          <p:nvPr>
-            <p:ph idx="1"/>
-          </p:nvPr>
-        </p:nvSpPr>
-        <p:spPr>
-          <a:xfrm>
-            <a:off x="5172502" y="1962364"/>
-            <a:ext cx="4788362" cy="4411140"/>
-          </a:xfrm>
-        </p:spPr>
-        <p:txBody>
-          <a:bodyPr/>
-          <a:lstStyle/>
-          <a:p>
-            <a:r>
-              <a:rPr lang="de-CH" dirty="0" smtClean="0"/>
-              <a:t>Preshared Key</a:t>
-            </a:r>
-          </a:p>
-          <a:p>
-            <a:pPr lvl="1"/>
-            <a:r>
-              <a:rPr lang="de-CH" dirty="0" smtClean="0"/>
-              <a:t>128Bit Network Key</a:t>
-            </a:r>
-          </a:p>
-          <a:p>
-            <a:pPr lvl="1"/>
-            <a:r>
-              <a:rPr lang="de-CH" dirty="0" smtClean="0"/>
-              <a:t>Von Controller generiert</a:t>
-            </a:r>
-          </a:p>
-          <a:p>
-            <a:r>
-              <a:rPr lang="de-CH" dirty="0" smtClean="0"/>
-              <a:t>Cipher &amp; MAC-Keys</a:t>
-            </a:r>
-          </a:p>
-          <a:p>
-            <a:pPr lvl="1"/>
-            <a:r>
-              <a:rPr lang="de-CH" dirty="0" smtClean="0"/>
-              <a:t>128Bit</a:t>
-            </a:r>
-          </a:p>
-          <a:p>
-            <a:pPr lvl="1"/>
-            <a:r>
-              <a:rPr lang="de-CH" dirty="0" smtClean="0"/>
-              <a:t>Von Netzwerk Key abgeleitet</a:t>
-            </a:r>
-          </a:p>
-          <a:p>
-            <a:r>
-              <a:rPr lang="de-CH" dirty="0" smtClean="0"/>
-              <a:t>Nonce</a:t>
-            </a:r>
-          </a:p>
-          <a:p>
-            <a:pPr lvl="1"/>
-            <a:r>
-              <a:rPr lang="de-CH" dirty="0" smtClean="0"/>
-              <a:t>64Bit</a:t>
-            </a:r>
-          </a:p>
-          <a:p>
-            <a:pPr lvl="1"/>
-            <a:r>
-              <a:rPr lang="de-CH" dirty="0" smtClean="0"/>
-              <a:t>Gegen Replay Attacken</a:t>
-            </a:r>
-          </a:p>
-          <a:p>
-            <a:r>
-              <a:rPr lang="de-CH" dirty="0" smtClean="0"/>
-              <a:t>Encryption:  AES-OFB</a:t>
-            </a:r>
-          </a:p>
-          <a:p>
-            <a:r>
-              <a:rPr lang="de-CH" dirty="0" smtClean="0"/>
-              <a:t>Authentication:  AES-CBCMAC</a:t>
-            </a:r>
-          </a:p>
-        </p:txBody>
-      </p:sp>
-      <p:sp>
-        <p:nvSpPr>
-          <p:cNvPr id="4" name="Rounded Rectangle 3"/>
-          <p:cNvSpPr/>
-          <p:nvPr/>
-        </p:nvSpPr>
-        <p:spPr>
-          <a:xfrm>
-            <a:off x="2231136" y="5367266"/>
-            <a:ext cx="2736649" cy="869758"/>
-          </a:xfrm>
-          <a:prstGeom prst="roundRect">
-            <a:avLst/>
-          </a:prstGeom>
-          <a:noFill/>
-          <a:ln w="9525" cap="flat" cmpd="sng" algn="ctr">
-            <a:solidFill>
-              <a:schemeClr val="accent2"/>
-            </a:solidFill>
-            <a:prstDash val="solid"/>
-            <a:round/>
-            <a:headEnd type="none" w="med" len="med"/>
-            <a:tailEnd type="none" w="med" len="med"/>
-          </a:ln>
-        </p:spPr>
-        <p:style>
-          <a:lnRef idx="0">
-            <a:scrgbClr r="0" g="0" b="0"/>
-          </a:lnRef>
-          <a:fillRef idx="0">
-            <a:scrgbClr r="0" g="0" b="0"/>
-          </a:fillRef>
-          <a:effectRef idx="0">
-            <a:scrgbClr r="0" g="0" b="0"/>
-          </a:effectRef>
-          <a:fontRef idx="minor">
-            <a:schemeClr val="accent2"/>
-          </a:fontRef>
-        </p:style>
-        <p:txBody>
-          <a:bodyPr rtlCol="0" anchor="ctr"/>
-          <a:lstStyle/>
-          <a:p>
-            <a:pPr algn="ctr"/>
-            <a:r>
-              <a:rPr lang="de-CH" dirty="0" smtClean="0"/>
-              <a:t>Physical</a:t>
-            </a:r>
-            <a:endParaRPr lang="de-CH" dirty="0"/>
-          </a:p>
-        </p:txBody>
-      </p:sp>
-      <p:sp>
-        <p:nvSpPr>
-          <p:cNvPr id="5" name="Rounded Rectangle 4"/>
-          <p:cNvSpPr/>
-          <p:nvPr/>
-        </p:nvSpPr>
-        <p:spPr>
-          <a:xfrm>
-            <a:off x="2231136" y="4414196"/>
-            <a:ext cx="2736649" cy="869758"/>
-          </a:xfrm>
-          <a:prstGeom prst="roundRect">
-            <a:avLst/>
-          </a:prstGeom>
-          <a:noFill/>
-          <a:ln w="9525" cap="flat" cmpd="sng" algn="ctr">
-            <a:solidFill>
-              <a:schemeClr val="accent2"/>
-            </a:solidFill>
-            <a:prstDash val="solid"/>
-            <a:round/>
-            <a:headEnd type="none" w="med" len="med"/>
-            <a:tailEnd type="none" w="med" len="med"/>
-          </a:ln>
-        </p:spPr>
-        <p:style>
-          <a:lnRef idx="0">
-            <a:scrgbClr r="0" g="0" b="0"/>
-          </a:lnRef>
-          <a:fillRef idx="0">
-            <a:scrgbClr r="0" g="0" b="0"/>
-          </a:fillRef>
-          <a:effectRef idx="0">
-            <a:scrgbClr r="0" g="0" b="0"/>
-          </a:effectRef>
-          <a:fontRef idx="minor">
-            <a:schemeClr val="accent2"/>
-          </a:fontRef>
-        </p:style>
-        <p:txBody>
-          <a:bodyPr rtlCol="0" anchor="ctr"/>
-          <a:lstStyle/>
-          <a:p>
-            <a:pPr algn="ctr"/>
-            <a:r>
-              <a:rPr lang="de-CH" dirty="0" smtClean="0"/>
-              <a:t>Transport</a:t>
-            </a:r>
-            <a:endParaRPr lang="de-CH" dirty="0"/>
-          </a:p>
-        </p:txBody>
-      </p:sp>
-      <p:sp>
-        <p:nvSpPr>
-          <p:cNvPr id="6" name="Rounded Rectangle 5"/>
-          <p:cNvSpPr/>
-          <p:nvPr/>
-        </p:nvSpPr>
-        <p:spPr>
-          <a:xfrm>
-            <a:off x="2231136" y="3455413"/>
-            <a:ext cx="2736649" cy="869758"/>
-          </a:xfrm>
-          <a:prstGeom prst="roundRect">
-            <a:avLst/>
-          </a:prstGeom>
-          <a:noFill/>
-          <a:ln w="9525" cap="flat" cmpd="sng" algn="ctr">
-            <a:solidFill>
-              <a:schemeClr val="accent2"/>
-            </a:solidFill>
-            <a:prstDash val="solid"/>
-            <a:round/>
-            <a:headEnd type="none" w="med" len="med"/>
-            <a:tailEnd type="none" w="med" len="med"/>
-          </a:ln>
-        </p:spPr>
-        <p:style>
-          <a:lnRef idx="0">
-            <a:scrgbClr r="0" g="0" b="0"/>
-          </a:lnRef>
-          <a:fillRef idx="0">
-            <a:scrgbClr r="0" g="0" b="0"/>
-          </a:fillRef>
-          <a:effectRef idx="0">
-            <a:scrgbClr r="0" g="0" b="0"/>
-          </a:effectRef>
-          <a:fontRef idx="minor">
-            <a:schemeClr val="accent2"/>
-          </a:fontRef>
-        </p:style>
-        <p:txBody>
-          <a:bodyPr rtlCol="0" anchor="ctr"/>
-          <a:lstStyle/>
-          <a:p>
-            <a:pPr algn="ctr"/>
-            <a:r>
-              <a:rPr lang="de-CH" dirty="0" smtClean="0"/>
-              <a:t>Network</a:t>
-            </a:r>
-            <a:endParaRPr lang="de-CH" dirty="0"/>
-          </a:p>
-        </p:txBody>
-      </p:sp>
-      <p:sp>
-        <p:nvSpPr>
-          <p:cNvPr id="8" name="Rounded Rectangle 7"/>
-          <p:cNvSpPr/>
-          <p:nvPr/>
-        </p:nvSpPr>
-        <p:spPr>
-          <a:xfrm>
-            <a:off x="2231135" y="1970081"/>
-            <a:ext cx="2736649" cy="869758"/>
-          </a:xfrm>
-          <a:prstGeom prst="roundRect">
-            <a:avLst/>
-          </a:prstGeom>
-          <a:noFill/>
-          <a:ln w="9525" cap="flat" cmpd="sng" algn="ctr">
-            <a:solidFill>
-              <a:schemeClr val="accent2"/>
-            </a:solidFill>
-            <a:prstDash val="solid"/>
-            <a:round/>
-            <a:headEnd type="none" w="med" len="med"/>
-            <a:tailEnd type="none" w="med" len="med"/>
-          </a:ln>
-        </p:spPr>
-        <p:style>
-          <a:lnRef idx="0">
-            <a:scrgbClr r="0" g="0" b="0"/>
-          </a:lnRef>
-          <a:fillRef idx="0">
-            <a:scrgbClr r="0" g="0" b="0"/>
-          </a:fillRef>
-          <a:effectRef idx="0">
-            <a:scrgbClr r="0" g="0" b="0"/>
-          </a:effectRef>
-          <a:fontRef idx="minor">
-            <a:schemeClr val="accent2"/>
-          </a:fontRef>
-        </p:style>
-        <p:txBody>
-          <a:bodyPr rtlCol="0" anchor="ctr"/>
-          <a:lstStyle/>
-          <a:p>
-            <a:pPr algn="ctr"/>
-            <a:r>
-              <a:rPr lang="de-CH" dirty="0" smtClean="0"/>
-              <a:t>Application</a:t>
-            </a:r>
-            <a:endParaRPr lang="de-CH" dirty="0"/>
-          </a:p>
-        </p:txBody>
-      </p:sp>
-      <p:sp>
-        <p:nvSpPr>
-          <p:cNvPr id="9" name="Rounded Rectangle 8"/>
-          <p:cNvSpPr/>
-          <p:nvPr/>
-        </p:nvSpPr>
-        <p:spPr>
-          <a:xfrm>
-            <a:off x="2231135" y="2894431"/>
-            <a:ext cx="2736649" cy="453758"/>
-          </a:xfrm>
-          <a:prstGeom prst="roundRect">
-            <a:avLst/>
-          </a:prstGeom>
-          <a:ln>
-            <a:headEnd type="none" w="med" len="med"/>
-            <a:tailEnd type="none" w="med" len="med"/>
-          </a:ln>
-        </p:spPr>
-        <p:style>
-          <a:lnRef idx="2">
-            <a:schemeClr val="accent6">
-              <a:shade val="50000"/>
-            </a:schemeClr>
-          </a:lnRef>
-          <a:fillRef idx="1">
-            <a:schemeClr val="accent6"/>
-          </a:fillRef>
-          <a:effectRef idx="0">
-            <a:schemeClr val="accent6"/>
-          </a:effectRef>
-          <a:fontRef idx="minor">
-            <a:schemeClr val="lt1"/>
-          </a:fontRef>
-        </p:style>
-        <p:txBody>
-          <a:bodyPr rtlCol="0" anchor="ctr"/>
-          <a:lstStyle/>
-          <a:p>
-            <a:pPr algn="ctr"/>
-            <a:r>
-              <a:rPr lang="de-CH" dirty="0" smtClean="0"/>
-              <a:t>Security</a:t>
-            </a:r>
-            <a:endParaRPr lang="de-CH" dirty="0"/>
-          </a:p>
-        </p:txBody>
-      </p:sp>
-    </p:spTree>
-    <p:extLst>
-      <p:ext uri="{BB962C8B-B14F-4D97-AF65-F5344CB8AC3E}">
-        <p14:creationId xmlns:p14="http://schemas.microsoft.com/office/powerpoint/2010/main" val="129386674"/>
-      </p:ext>
-    </p:extLst>
-  </p:cSld>
-  <p:clrMapOvr>
-    <a:masterClrMapping/>
-  </p:clrMapOvr>
-  <p:timing>
-    <p:tnLst>
-      <p:par>
-        <p:cTn id="1" dur="indefinite" restart="never" nodeType="tmRoot"/>
-      </p:par>
-    </p:tnLst>
-  </p:timing>
-</p:sld>
-</file>
-
-<file path=ppt/slides/slide16.xml><?xml version="1.0" encoding="utf-8"?>
-<p:sld xmlns:a="http://schemas.openxmlformats.org/drawingml/2006/main" xmlns:r="http://schemas.openxmlformats.org/officeDocument/2006/relationships" xmlns:p="http://schemas.openxmlformats.org/presentationml/2006/main">
-  <p:cSld>
-    <p:spTree>
-      <p:nvGrpSpPr>
-        <p:cNvPr id="1" name=""/>
-        <p:cNvGrpSpPr/>
-        <p:nvPr/>
-      </p:nvGrpSpPr>
-      <p:grpSpPr>
-        <a:xfrm>
-          <a:off x="0" y="0"/>
-          <a:ext cx="0" cy="0"/>
-          <a:chOff x="0" y="0"/>
-          <a:chExt cx="0" cy="0"/>
-        </a:xfrm>
-      </p:grpSpPr>
-      <p:sp>
-        <p:nvSpPr>
-          <p:cNvPr id="2" name="Title 1"/>
-          <p:cNvSpPr>
-            <a:spLocks noGrp="1"/>
-          </p:cNvSpPr>
-          <p:nvPr>
-            <p:ph type="title"/>
-          </p:nvPr>
-        </p:nvSpPr>
-        <p:spPr/>
-        <p:txBody>
-          <a:bodyPr/>
-          <a:lstStyle/>
-          <a:p>
-            <a:r>
-              <a:rPr lang="de-CH" dirty="0" smtClean="0"/>
-              <a:t>Application Layer</a:t>
-            </a:r>
-            <a:endParaRPr lang="de-CH" dirty="0"/>
-          </a:p>
-        </p:txBody>
-      </p:sp>
-      <p:sp>
-        <p:nvSpPr>
-          <p:cNvPr id="3" name="Content Placeholder 2"/>
-          <p:cNvSpPr>
-            <a:spLocks noGrp="1"/>
-          </p:cNvSpPr>
-          <p:nvPr>
-            <p:ph idx="1"/>
-          </p:nvPr>
-        </p:nvSpPr>
-        <p:spPr>
-          <a:xfrm>
-            <a:off x="5172502" y="1962364"/>
-            <a:ext cx="4788362" cy="4411140"/>
-          </a:xfrm>
-        </p:spPr>
-        <p:txBody>
-          <a:bodyPr/>
-          <a:lstStyle/>
-          <a:p>
-            <a:r>
-              <a:rPr lang="de-CH" dirty="0" smtClean="0"/>
-              <a:t>Command Classes</a:t>
-            </a:r>
-          </a:p>
-          <a:p>
-            <a:pPr lvl="1"/>
-            <a:r>
-              <a:rPr lang="de-CH" dirty="0" smtClean="0"/>
-              <a:t>SET</a:t>
-            </a:r>
-          </a:p>
-          <a:p>
-            <a:pPr lvl="1"/>
-            <a:r>
-              <a:rPr lang="de-CH" dirty="0" smtClean="0"/>
-              <a:t>GET</a:t>
-            </a:r>
-          </a:p>
-          <a:p>
-            <a:pPr lvl="1"/>
-            <a:r>
-              <a:rPr lang="de-CH" dirty="0" smtClean="0"/>
-              <a:t>REPORT</a:t>
-            </a:r>
-          </a:p>
-          <a:p>
-            <a:r>
-              <a:rPr lang="de-CH" dirty="0" smtClean="0"/>
-              <a:t>Werte: 0-255</a:t>
-            </a:r>
-          </a:p>
-          <a:p>
-            <a:r>
-              <a:rPr lang="de-CH" dirty="0" smtClean="0"/>
-              <a:t>Interpretation den Endgeräten überlassen</a:t>
-            </a:r>
-          </a:p>
-          <a:p>
-            <a:endParaRPr lang="de-CH" dirty="0"/>
-          </a:p>
-        </p:txBody>
-      </p:sp>
-      <p:sp>
-        <p:nvSpPr>
-          <p:cNvPr id="4" name="Rounded Rectangle 3"/>
-          <p:cNvSpPr/>
-          <p:nvPr/>
-        </p:nvSpPr>
-        <p:spPr>
-          <a:xfrm>
-            <a:off x="2231136" y="5367266"/>
-            <a:ext cx="2736649" cy="869758"/>
-          </a:xfrm>
-          <a:prstGeom prst="roundRect">
-            <a:avLst/>
-          </a:prstGeom>
-          <a:noFill/>
-          <a:ln w="9525" cap="flat" cmpd="sng" algn="ctr">
-            <a:solidFill>
-              <a:schemeClr val="accent2"/>
-            </a:solidFill>
-            <a:prstDash val="solid"/>
-            <a:round/>
-            <a:headEnd type="none" w="med" len="med"/>
-            <a:tailEnd type="none" w="med" len="med"/>
-          </a:ln>
-        </p:spPr>
-        <p:style>
-          <a:lnRef idx="0">
-            <a:scrgbClr r="0" g="0" b="0"/>
-          </a:lnRef>
-          <a:fillRef idx="0">
-            <a:scrgbClr r="0" g="0" b="0"/>
-          </a:fillRef>
-          <a:effectRef idx="0">
-            <a:scrgbClr r="0" g="0" b="0"/>
-          </a:effectRef>
-          <a:fontRef idx="minor">
-            <a:schemeClr val="accent2"/>
-          </a:fontRef>
-        </p:style>
-        <p:txBody>
-          <a:bodyPr rtlCol="0" anchor="ctr"/>
-          <a:lstStyle/>
-          <a:p>
-            <a:pPr algn="ctr"/>
-            <a:r>
-              <a:rPr lang="de-CH" dirty="0" smtClean="0"/>
-              <a:t>Physical</a:t>
-            </a:r>
-            <a:endParaRPr lang="de-CH" dirty="0"/>
-          </a:p>
-        </p:txBody>
-      </p:sp>
-      <p:sp>
-        <p:nvSpPr>
-          <p:cNvPr id="5" name="Rounded Rectangle 4"/>
-          <p:cNvSpPr/>
-          <p:nvPr/>
-        </p:nvSpPr>
-        <p:spPr>
-          <a:xfrm>
-            <a:off x="2231136" y="4414196"/>
-            <a:ext cx="2736649" cy="869758"/>
-          </a:xfrm>
-          <a:prstGeom prst="roundRect">
-            <a:avLst/>
-          </a:prstGeom>
-          <a:noFill/>
-          <a:ln w="9525" cap="flat" cmpd="sng" algn="ctr">
-            <a:solidFill>
-              <a:schemeClr val="accent2"/>
-            </a:solidFill>
-            <a:prstDash val="solid"/>
-            <a:round/>
-            <a:headEnd type="none" w="med" len="med"/>
-            <a:tailEnd type="none" w="med" len="med"/>
-          </a:ln>
-        </p:spPr>
-        <p:style>
-          <a:lnRef idx="0">
-            <a:scrgbClr r="0" g="0" b="0"/>
-          </a:lnRef>
-          <a:fillRef idx="0">
-            <a:scrgbClr r="0" g="0" b="0"/>
-          </a:fillRef>
-          <a:effectRef idx="0">
-            <a:scrgbClr r="0" g="0" b="0"/>
-          </a:effectRef>
-          <a:fontRef idx="minor">
-            <a:schemeClr val="accent2"/>
-          </a:fontRef>
-        </p:style>
-        <p:txBody>
-          <a:bodyPr rtlCol="0" anchor="ctr"/>
-          <a:lstStyle/>
-          <a:p>
-            <a:pPr algn="ctr"/>
-            <a:r>
-              <a:rPr lang="de-CH" dirty="0" smtClean="0"/>
-              <a:t>Transport</a:t>
-            </a:r>
-            <a:endParaRPr lang="de-CH" dirty="0"/>
-          </a:p>
-        </p:txBody>
-      </p:sp>
-      <p:sp>
-        <p:nvSpPr>
-          <p:cNvPr id="6" name="Rounded Rectangle 5"/>
-          <p:cNvSpPr/>
-          <p:nvPr/>
-        </p:nvSpPr>
-        <p:spPr>
-          <a:xfrm>
-            <a:off x="2231136" y="3455413"/>
-            <a:ext cx="2736649" cy="869758"/>
-          </a:xfrm>
-          <a:prstGeom prst="roundRect">
-            <a:avLst/>
-          </a:prstGeom>
-          <a:noFill/>
-          <a:ln w="9525" cap="flat" cmpd="sng" algn="ctr">
-            <a:solidFill>
-              <a:schemeClr val="accent2"/>
-            </a:solidFill>
-            <a:prstDash val="solid"/>
-            <a:round/>
-            <a:headEnd type="none" w="med" len="med"/>
-            <a:tailEnd type="none" w="med" len="med"/>
-          </a:ln>
-        </p:spPr>
-        <p:style>
-          <a:lnRef idx="0">
-            <a:scrgbClr r="0" g="0" b="0"/>
-          </a:lnRef>
-          <a:fillRef idx="0">
-            <a:scrgbClr r="0" g="0" b="0"/>
-          </a:fillRef>
-          <a:effectRef idx="0">
-            <a:scrgbClr r="0" g="0" b="0"/>
-          </a:effectRef>
-          <a:fontRef idx="minor">
-            <a:schemeClr val="accent2"/>
-          </a:fontRef>
-        </p:style>
-        <p:txBody>
-          <a:bodyPr rtlCol="0" anchor="ctr"/>
-          <a:lstStyle/>
-          <a:p>
-            <a:pPr algn="ctr"/>
-            <a:r>
-              <a:rPr lang="de-CH" dirty="0" smtClean="0"/>
-              <a:t>Network</a:t>
-            </a:r>
-            <a:endParaRPr lang="de-CH" dirty="0"/>
-          </a:p>
-        </p:txBody>
-      </p:sp>
-      <p:sp>
-        <p:nvSpPr>
-          <p:cNvPr id="8" name="Rounded Rectangle 7"/>
-          <p:cNvSpPr/>
-          <p:nvPr/>
-        </p:nvSpPr>
-        <p:spPr>
-          <a:xfrm>
-            <a:off x="2231135" y="1970081"/>
-            <a:ext cx="2736649" cy="869758"/>
-          </a:xfrm>
-          <a:prstGeom prst="roundRect">
-            <a:avLst/>
-          </a:prstGeom>
-          <a:ln>
-            <a:headEnd type="none" w="med" len="med"/>
-            <a:tailEnd type="none" w="med" len="med"/>
-          </a:ln>
-        </p:spPr>
-        <p:style>
-          <a:lnRef idx="2">
-            <a:schemeClr val="accent2">
-              <a:shade val="50000"/>
-            </a:schemeClr>
-          </a:lnRef>
-          <a:fillRef idx="1">
-            <a:schemeClr val="accent2"/>
-          </a:fillRef>
-          <a:effectRef idx="0">
-            <a:schemeClr val="accent2"/>
-          </a:effectRef>
-          <a:fontRef idx="minor">
-            <a:schemeClr val="lt1"/>
-          </a:fontRef>
-        </p:style>
-        <p:txBody>
-          <a:bodyPr rtlCol="0" anchor="ctr"/>
-          <a:lstStyle/>
-          <a:p>
-            <a:pPr algn="ctr"/>
-            <a:r>
-              <a:rPr lang="de-CH" dirty="0" smtClean="0"/>
-              <a:t>Application</a:t>
-            </a:r>
-            <a:endParaRPr lang="de-CH" dirty="0"/>
-          </a:p>
-        </p:txBody>
-      </p:sp>
-      <p:sp>
-        <p:nvSpPr>
-          <p:cNvPr id="9" name="Rounded Rectangle 8"/>
-          <p:cNvSpPr/>
-          <p:nvPr/>
-        </p:nvSpPr>
-        <p:spPr>
-          <a:xfrm>
-            <a:off x="2231135" y="2894431"/>
-            <a:ext cx="2736649" cy="453758"/>
-          </a:xfrm>
-          <a:prstGeom prst="roundRect">
-            <a:avLst/>
-          </a:prstGeom>
-          <a:noFill/>
-          <a:ln w="9525" cap="flat" cmpd="sng" algn="ctr">
-            <a:solidFill>
-              <a:schemeClr val="accent2"/>
-            </a:solidFill>
-            <a:prstDash val="solid"/>
-            <a:round/>
-            <a:headEnd type="none" w="med" len="med"/>
-            <a:tailEnd type="none" w="med" len="med"/>
-          </a:ln>
-        </p:spPr>
-        <p:style>
-          <a:lnRef idx="0">
-            <a:scrgbClr r="0" g="0" b="0"/>
-          </a:lnRef>
-          <a:fillRef idx="0">
-            <a:scrgbClr r="0" g="0" b="0"/>
-          </a:fillRef>
-          <a:effectRef idx="0">
-            <a:scrgbClr r="0" g="0" b="0"/>
-          </a:effectRef>
-          <a:fontRef idx="minor">
-            <a:schemeClr val="accent2"/>
-          </a:fontRef>
-        </p:style>
-        <p:txBody>
-          <a:bodyPr rtlCol="0" anchor="ctr"/>
-          <a:lstStyle/>
-          <a:p>
-            <a:pPr algn="ctr"/>
-            <a:r>
-              <a:rPr lang="de-CH" dirty="0" smtClean="0"/>
-              <a:t>Security</a:t>
-            </a:r>
-            <a:endParaRPr lang="de-CH" dirty="0"/>
-          </a:p>
-        </p:txBody>
-      </p:sp>
-    </p:spTree>
-    <p:extLst>
-      <p:ext uri="{BB962C8B-B14F-4D97-AF65-F5344CB8AC3E}">
-        <p14:creationId xmlns:p14="http://schemas.microsoft.com/office/powerpoint/2010/main" val="717532287"/>
-      </p:ext>
-    </p:extLst>
-  </p:cSld>
-  <p:clrMapOvr>
-    <a:masterClrMapping/>
-  </p:clrMapOvr>
-  <p:timing>
-    <p:tnLst>
-      <p:par>
-        <p:cTn id="1" dur="indefinite" restart="never" nodeType="tmRoot"/>
-      </p:par>
-    </p:tnLst>
-  </p:timing>
 </p:sld>
 </file>
 
@@ -9218,10 +9487,9 @@
           <a:lstStyle/>
           <a:p>
             <a:r>
-              <a:rPr lang="de-CH" dirty="0" smtClean="0"/>
+              <a:rPr lang="de-CH" dirty="0"/>
               <a:t>Eignung im Bereich IOT</a:t>
             </a:r>
-            <a:endParaRPr lang="de-CH" dirty="0"/>
           </a:p>
         </p:txBody>
       </p:sp>
@@ -9242,43 +9510,22 @@
           <a:p>
             <a:r>
               <a:rPr lang="de-CH" dirty="0"/>
-              <a:t>Energieverbrauch: </a:t>
-            </a:r>
-            <a:r>
-              <a:rPr lang="de-CH" dirty="0" smtClean="0"/>
-              <a:t>	power-safe </a:t>
-            </a:r>
-            <a:r>
-              <a:rPr lang="de-CH" dirty="0"/>
-              <a:t>Mode </a:t>
+              <a:t>Energieverbrauch: 	power-safe Mode </a:t>
             </a:r>
             <a:br>
               <a:rPr lang="de-CH" dirty="0"/>
             </a:br>
             <a:r>
               <a:rPr lang="de-CH" dirty="0"/>
-              <a:t>Eignungsbereiche: </a:t>
-            </a:r>
-            <a:r>
-              <a:rPr lang="de-CH" dirty="0" smtClean="0"/>
-              <a:t>	SmartHome </a:t>
-            </a:r>
-            <a:r>
-              <a:rPr lang="de-CH" dirty="0"/>
-              <a:t/>
+              <a:t>Eignungsbereiche: 	SmartHome </a:t>
             </a:r>
             <a:br>
               <a:rPr lang="de-CH" dirty="0"/>
             </a:br>
             <a:r>
               <a:rPr lang="de-CH" dirty="0"/>
-              <a:t>Entwicklung: </a:t>
-            </a:r>
-            <a:r>
-              <a:rPr lang="de-CH" dirty="0" smtClean="0"/>
-              <a:t>		OpenZWave </a:t>
-            </a:r>
-            <a:endParaRPr lang="de-CH" dirty="0"/>
+              <a:t>Entwicklung: 		OpenZWave </a:t>
+            </a:r>
           </a:p>
         </p:txBody>
       </p:sp>
@@ -9358,10 +9605,9 @@
           <a:lstStyle/>
           <a:p>
             <a:r>
-              <a:rPr lang="de-CH" dirty="0" smtClean="0"/>
+              <a:rPr lang="de-CH" dirty="0"/>
               <a:t>Quellen &amp; Fragen</a:t>
             </a:r>
-            <a:endParaRPr lang="de-CH" dirty="0"/>
           </a:p>
         </p:txBody>
       </p:sp>
@@ -9381,45 +9627,44 @@
           <a:lstStyle/>
           <a:p>
             <a:r>
-              <a:rPr lang="de-CH" dirty="0" smtClean="0"/>
+              <a:rPr lang="de-CH" dirty="0"/>
               <a:t>Quellen</a:t>
             </a:r>
           </a:p>
           <a:p>
             <a:pPr lvl="1"/>
             <a:r>
-              <a:rPr lang="de-CH" dirty="0" smtClean="0"/>
+              <a:rPr lang="de-CH" dirty="0"/>
               <a:t>Offizielles Z-Wave FAQ</a:t>
             </a:r>
           </a:p>
           <a:p>
             <a:pPr lvl="1"/>
             <a:r>
-              <a:rPr lang="de-CH" dirty="0" smtClean="0"/>
+              <a:rPr lang="de-CH" dirty="0"/>
               <a:t>Video: Blackhat 2013 – Hacking Z-Wave</a:t>
             </a:r>
           </a:p>
           <a:p>
             <a:pPr lvl="1"/>
             <a:r>
-              <a:rPr lang="de-CH" dirty="0" smtClean="0"/>
+              <a:rPr lang="de-CH" dirty="0"/>
               <a:t>Z-Wave Europe Wiki – Handbook (Linksammlung)</a:t>
             </a:r>
           </a:p>
           <a:p>
             <a:pPr lvl="1"/>
             <a:r>
-              <a:rPr lang="de-CH" dirty="0" smtClean="0"/>
+              <a:rPr lang="de-CH" dirty="0"/>
               <a:t>Z-Wave Europe Wiki – Application Layer Details</a:t>
             </a:r>
           </a:p>
           <a:p>
             <a:pPr lvl="1"/>
             <a:r>
-              <a:rPr lang="de-CH" dirty="0" smtClean="0"/>
+              <a:rPr lang="de-CH" dirty="0"/>
               <a:t>Wikipedia – Z-Wave</a:t>
             </a:r>
-            <a:endParaRPr lang="de-CH" dirty="0"/>
           </a:p>
         </p:txBody>
       </p:sp>
@@ -9469,10 +9714,9 @@
           <a:lstStyle/>
           <a:p>
             <a:r>
-              <a:rPr lang="de-CH" dirty="0" smtClean="0"/>
+              <a:rPr lang="de-CH" dirty="0"/>
               <a:t>Inhalt</a:t>
             </a:r>
-            <a:endParaRPr lang="de-CH" dirty="0"/>
           </a:p>
         </p:txBody>
       </p:sp>
@@ -9494,78 +9738,81 @@
           <a:lstStyle/>
           <a:p>
             <a:r>
-              <a:rPr lang="de-CH" dirty="0" smtClean="0"/>
+              <a:rPr lang="de-CH" dirty="0"/>
               <a:t>Demo Z-Wave Prinzip</a:t>
             </a:r>
           </a:p>
           <a:p>
             <a:r>
-              <a:rPr lang="de-CH" dirty="0" smtClean="0"/>
+              <a:rPr lang="de-CH" dirty="0"/>
               <a:t>Generell</a:t>
             </a:r>
           </a:p>
           <a:p>
             <a:r>
-              <a:rPr lang="de-CH" dirty="0" smtClean="0"/>
+              <a:rPr lang="de-CH" dirty="0"/>
+              <a:t>Protokoll Stack</a:t>
+            </a:r>
+          </a:p>
+          <a:p>
+            <a:pPr lvl="1"/>
+            <a:r>
+              <a:rPr lang="de-CH" dirty="0"/>
+              <a:t>Physical Layer</a:t>
+            </a:r>
+          </a:p>
+          <a:p>
+            <a:pPr lvl="1"/>
+            <a:r>
+              <a:rPr lang="de-CH" dirty="0"/>
+              <a:t>Transport Layer</a:t>
+            </a:r>
+          </a:p>
+          <a:p>
+            <a:pPr lvl="1"/>
+            <a:r>
+              <a:rPr lang="de-CH" dirty="0"/>
+              <a:t>Network Layer</a:t>
+            </a:r>
+          </a:p>
+          <a:p>
+            <a:pPr lvl="1"/>
+            <a:r>
+              <a:rPr lang="de-CH" dirty="0"/>
+              <a:t>Security Layer</a:t>
+            </a:r>
+          </a:p>
+          <a:p>
+            <a:pPr lvl="1"/>
+            <a:r>
+              <a:rPr lang="de-CH" dirty="0" err="1"/>
+              <a:t>Application</a:t>
+            </a:r>
+            <a:r>
+              <a:rPr lang="de-CH" dirty="0"/>
+              <a:t> Layer</a:t>
+            </a:r>
+          </a:p>
+          <a:p>
+            <a:r>
+              <a:rPr lang="de-CH" dirty="0"/>
               <a:t>Gerätetypen &amp; Kosten</a:t>
             </a:r>
           </a:p>
           <a:p>
             <a:r>
-              <a:rPr lang="de-CH" dirty="0" smtClean="0"/>
-              <a:t>Protokoll Stack</a:t>
-            </a:r>
-          </a:p>
-          <a:p>
-            <a:pPr lvl="1"/>
-            <a:r>
-              <a:rPr lang="de-CH" dirty="0" smtClean="0"/>
-              <a:t>Physical Layer</a:t>
-            </a:r>
-          </a:p>
-          <a:p>
-            <a:pPr lvl="1"/>
-            <a:r>
-              <a:rPr lang="de-CH" dirty="0" smtClean="0"/>
-              <a:t>Transport Layer</a:t>
-            </a:r>
-          </a:p>
-          <a:p>
-            <a:pPr lvl="1"/>
-            <a:r>
-              <a:rPr lang="de-CH" dirty="0" smtClean="0"/>
-              <a:t>Network Layer</a:t>
-            </a:r>
-          </a:p>
-          <a:p>
-            <a:pPr lvl="1"/>
-            <a:r>
-              <a:rPr lang="de-CH" dirty="0" smtClean="0"/>
-              <a:t>Security Layer</a:t>
-            </a:r>
-          </a:p>
-          <a:p>
-            <a:pPr lvl="1"/>
-            <a:r>
-              <a:rPr lang="de-CH" dirty="0" smtClean="0"/>
-              <a:t>Application Layer</a:t>
-            </a:r>
+              <a:rPr lang="de-CH" dirty="0"/>
+              <a:t>Eignung im Bereich IoT</a:t>
+            </a:r>
+          </a:p>
+          <a:p>
+            <a:r>
+              <a:rPr lang="de-CH" dirty="0"/>
+              <a:t>Quellen &amp; Fragen</a:t>
+            </a:r>
+          </a:p>
+          <a:p>
             <a:endParaRPr lang="de-CH" dirty="0"/>
-          </a:p>
-          <a:p>
-            <a:r>
-              <a:rPr lang="de-CH" dirty="0" smtClean="0"/>
-              <a:t>Eignung im Bereich IoT</a:t>
-            </a:r>
-          </a:p>
-          <a:p>
-            <a:r>
-              <a:rPr lang="de-CH" dirty="0" smtClean="0"/>
-              <a:t>Quellen &amp; Fragen</a:t>
-            </a:r>
-          </a:p>
-          <a:p>
-            <a:endParaRPr lang="de-CH" dirty="0" smtClean="0"/>
           </a:p>
         </p:txBody>
       </p:sp>
@@ -9579,13 +9826,6 @@
   <p:clrMapOvr>
     <a:masterClrMapping/>
   </p:clrMapOvr>
-  <p:timing>
-    <p:tnLst>
-      <p:par>
-        <p:cTn id="1" dur="indefinite" restart="never" nodeType="tmRoot"/>
-      </p:par>
-    </p:tnLst>
-  </p:timing>
 </p:sld>
 </file>
 
@@ -9622,10 +9862,9 @@
           <a:lstStyle/>
           <a:p>
             <a:r>
-              <a:rPr lang="de-CH" dirty="0" smtClean="0"/>
+              <a:rPr lang="de-CH" dirty="0"/>
               <a:t>Prinzip Demo</a:t>
             </a:r>
-            <a:endParaRPr lang="de-CH" dirty="0"/>
           </a:p>
         </p:txBody>
       </p:sp>
@@ -9658,13 +9897,6 @@
   <p:clrMapOvr>
     <a:masterClrMapping/>
   </p:clrMapOvr>
-  <p:timing>
-    <p:tnLst>
-      <p:par>
-        <p:cTn id="1" dur="indefinite" restart="never" nodeType="tmRoot"/>
-      </p:par>
-    </p:tnLst>
-  </p:timing>
 </p:sld>
 </file>
 
@@ -10117,7 +10349,7 @@
           <a:lstStyle/>
           <a:p>
             <a:r>
-              <a:rPr lang="en-US" dirty="0" smtClean="0"/>
+              <a:rPr lang="en-US" dirty="0"/>
               <a:t>ZWAVE</a:t>
             </a:r>
             <a:endParaRPr lang="de-CH" dirty="0"/>
@@ -10395,13 +10627,6 @@
   <p:clrMapOvr>
     <a:masterClrMapping/>
   </p:clrMapOvr>
-  <p:timing>
-    <p:tnLst>
-      <p:par>
-        <p:cTn id="1" dur="indefinite" restart="never" nodeType="tmRoot"/>
-      </p:par>
-    </p:tnLst>
-  </p:timing>
 </p:sld>
 </file>
 
@@ -13233,10 +13458,9 @@
           <a:lstStyle/>
           <a:p>
             <a:r>
-              <a:rPr lang="de-CH" dirty="0" smtClean="0"/>
+              <a:rPr lang="de-CH" dirty="0"/>
               <a:t>Generell</a:t>
             </a:r>
-            <a:endParaRPr lang="de-CH" dirty="0"/>
           </a:p>
         </p:txBody>
       </p:sp>
@@ -13256,56 +13480,51 @@
           <a:lstStyle/>
           <a:p>
             <a:r>
-              <a:rPr lang="de-CH" dirty="0" smtClean="0"/>
+              <a:rPr lang="de-CH" dirty="0"/>
               <a:t>Einsatzgebiet: Home Automation</a:t>
             </a:r>
           </a:p>
           <a:p>
             <a:r>
-              <a:rPr lang="de-CH" dirty="0" smtClean="0"/>
+              <a:rPr lang="de-CH" dirty="0"/>
               <a:t>Geringer Energieverbrauch</a:t>
             </a:r>
           </a:p>
           <a:p>
             <a:r>
-              <a:rPr lang="de-CH" dirty="0" smtClean="0"/>
-              <a:t>Weltweit </a:t>
-            </a:r>
-            <a:r>
               <a:rPr lang="de-CH" dirty="0"/>
-              <a:t>größte Systemplattform interoperabler funkbasierter Produkte</a:t>
-            </a:r>
-            <a:endParaRPr lang="de-CH" dirty="0" smtClean="0"/>
-          </a:p>
-          <a:p>
-            <a:r>
-              <a:rPr lang="de-CH" dirty="0" smtClean="0"/>
+              <a:t>Weltweit größte Systemplattform interoperabler funkbasierter Produkte</a:t>
+            </a:r>
+          </a:p>
+          <a:p>
+            <a:r>
+              <a:rPr lang="de-CH" dirty="0"/>
               <a:t>Mesh Netzwerk</a:t>
             </a:r>
           </a:p>
           <a:p>
             <a:r>
-              <a:rPr lang="de-CH" dirty="0" smtClean="0"/>
+              <a:rPr lang="de-CH" dirty="0"/>
               <a:t>Reichweite</a:t>
             </a:r>
           </a:p>
           <a:p>
             <a:pPr lvl="1"/>
             <a:r>
-              <a:rPr lang="de-CH" dirty="0" smtClean="0"/>
+              <a:rPr lang="de-CH" dirty="0"/>
               <a:t>Bis zu 100m zwischen 2 Nodes</a:t>
             </a:r>
           </a:p>
           <a:p>
             <a:pPr lvl="1"/>
             <a:r>
-              <a:rPr lang="de-CH" dirty="0" smtClean="0"/>
+              <a:rPr lang="de-CH" dirty="0"/>
               <a:t>Bis zu 4 Nodes</a:t>
             </a:r>
           </a:p>
           <a:p>
             <a:r>
-              <a:rPr lang="de-CH" dirty="0" smtClean="0"/>
+              <a:rPr lang="de-CH" dirty="0"/>
               <a:t>232 Geräte pro Netzwerk</a:t>
             </a:r>
           </a:p>
@@ -13321,13 +13540,6 @@
   <p:clrMapOvr>
     <a:masterClrMapping/>
   </p:clrMapOvr>
-  <p:timing>
-    <p:tnLst>
-      <p:par>
-        <p:cTn id="1" dur="indefinite" restart="never" nodeType="tmRoot"/>
-      </p:par>
-    </p:tnLst>
-  </p:timing>
 </p:sld>
 </file>
 
@@ -13364,130 +13576,108 @@
           <a:lstStyle/>
           <a:p>
             <a:r>
-              <a:rPr lang="de-CH" dirty="0" smtClean="0"/>
-              <a:t>Gerätetypen &amp; Kosten</a:t>
-            </a:r>
+              <a:rPr lang="de-CH" dirty="0"/>
+              <a:t>Protokoll Stack</a:t>
+            </a:r>
+          </a:p>
+        </p:txBody>
+      </p:sp>
+      <p:sp>
+        <p:nvSpPr>
+          <p:cNvPr id="3" name="Content Placeholder 2"/>
+          <p:cNvSpPr>
+            <a:spLocks noGrp="1"/>
+          </p:cNvSpPr>
+          <p:nvPr>
+            <p:ph idx="1"/>
+          </p:nvPr>
+        </p:nvSpPr>
+        <p:spPr>
+          <a:xfrm>
+            <a:off x="5172502" y="1962364"/>
+            <a:ext cx="4788362" cy="4411140"/>
+          </a:xfrm>
+        </p:spPr>
+        <p:txBody>
+          <a:bodyPr/>
+          <a:lstStyle/>
+          <a:p>
             <a:endParaRPr lang="de-CH" dirty="0"/>
           </a:p>
         </p:txBody>
       </p:sp>
-      <p:pic>
-        <p:nvPicPr>
-          <p:cNvPr id="3074" name="Picture 2" descr="http://shop.tecmatic.ch/1369-thickbox/wandschalter-mit-geteilter-schaltwippe-z-wave-weiss-tz66d-tkb-home.jpg"/>
-          <p:cNvPicPr>
-            <a:picLocks noChangeAspect="1" noChangeArrowheads="1"/>
-          </p:cNvPicPr>
+      <p:sp>
+        <p:nvSpPr>
+          <p:cNvPr id="4" name="Rounded Rectangle 3"/>
+          <p:cNvSpPr/>
           <p:nvPr/>
-        </p:nvPicPr>
-        <p:blipFill rotWithShape="1">
-          <a:blip r:embed="rId3" cstate="print">
-            <a:extLst>
-              <a:ext uri="{28A0092B-C50C-407E-A947-70E740481C1C}">
-                <a14:useLocalDpi xmlns:a14="http://schemas.microsoft.com/office/drawing/2010/main" val="0"/>
-              </a:ext>
-            </a:extLst>
-          </a:blip>
-          <a:srcRect l="19001" t="19006" r="19070" b="19305"/>
-          <a:stretch/>
-        </p:blipFill>
-        <p:spPr bwMode="auto">
-          <a:xfrm>
-            <a:off x="4147807" y="1862913"/>
-            <a:ext cx="1118081" cy="1113748"/>
-          </a:xfrm>
-          <a:prstGeom prst="rect">
+        </p:nvSpPr>
+        <p:spPr>
+          <a:xfrm>
+            <a:off x="2231136" y="5367266"/>
+            <a:ext cx="2736649" cy="869758"/>
+          </a:xfrm>
+          <a:prstGeom prst="roundRect">
             <a:avLst/>
           </a:prstGeom>
-          <a:noFill/>
-          <a:extLst>
-            <a:ext uri="{909E8E84-426E-40DD-AFC4-6F175D3DCCD1}">
-              <a14:hiddenFill xmlns:a14="http://schemas.microsoft.com/office/drawing/2010/main">
-                <a:solidFill>
-                  <a:srgbClr val="FFFFFF"/>
-                </a:solidFill>
-              </a14:hiddenFill>
-            </a:ext>
-          </a:extLst>
-        </p:spPr>
-      </p:pic>
-      <p:pic>
-        <p:nvPicPr>
-          <p:cNvPr id="5" name="Picture 2" descr="https://allsmart.nl/1140-thickbox_default/vera-edge-z-wave-plus-gateway.jpg"/>
-          <p:cNvPicPr>
-            <a:picLocks noChangeAspect="1" noChangeArrowheads="1"/>
-          </p:cNvPicPr>
+        </p:spPr>
+        <p:style>
+          <a:lnRef idx="2">
+            <a:schemeClr val="accent4">
+              <a:shade val="50000"/>
+            </a:schemeClr>
+          </a:lnRef>
+          <a:fillRef idx="1">
+            <a:schemeClr val="accent4"/>
+          </a:fillRef>
+          <a:effectRef idx="0">
+            <a:schemeClr val="accent4"/>
+          </a:effectRef>
+          <a:fontRef idx="minor">
+            <a:schemeClr val="lt1"/>
+          </a:fontRef>
+        </p:style>
+        <p:txBody>
+          <a:bodyPr rtlCol="0" anchor="ctr"/>
+          <a:lstStyle/>
+          <a:p>
+            <a:pPr algn="ctr"/>
+            <a:r>
+              <a:rPr lang="de-CH" dirty="0"/>
+              <a:t>Physical</a:t>
+            </a:r>
+          </a:p>
+        </p:txBody>
+      </p:sp>
+      <p:sp>
+        <p:nvSpPr>
+          <p:cNvPr id="5" name="Rounded Rectangle 4"/>
+          <p:cNvSpPr/>
           <p:nvPr/>
-        </p:nvPicPr>
-        <p:blipFill>
-          <a:blip r:embed="rId4" cstate="print">
-            <a:extLst>
-              <a:ext uri="{BEBA8EAE-BF5A-486C-A8C5-ECC9F3942E4B}">
-                <a14:imgProps xmlns:a14="http://schemas.microsoft.com/office/drawing/2010/main">
-                  <a14:imgLayer r:embed="rId5">
-                    <a14:imgEffect>
-                      <a14:backgroundRemoval t="10000" b="90000" l="10000" r="90000"/>
-                    </a14:imgEffect>
-                  </a14:imgLayer>
-                </a14:imgProps>
-              </a:ext>
-              <a:ext uri="{28A0092B-C50C-407E-A947-70E740481C1C}">
-                <a14:useLocalDpi xmlns:a14="http://schemas.microsoft.com/office/drawing/2010/main" val="0"/>
-              </a:ext>
-            </a:extLst>
-          </a:blip>
-          <a:srcRect/>
-          <a:stretch>
-            <a:fillRect/>
-          </a:stretch>
-        </p:blipFill>
-        <p:spPr bwMode="auto">
-          <a:xfrm>
-            <a:off x="-257807" y="1726741"/>
-            <a:ext cx="2982072" cy="2982072"/>
-          </a:xfrm>
-          <a:prstGeom prst="rect">
+        </p:nvSpPr>
+        <p:spPr>
+          <a:xfrm>
+            <a:off x="2231136" y="4414196"/>
+            <a:ext cx="2736649" cy="869758"/>
+          </a:xfrm>
+          <a:prstGeom prst="roundRect">
             <a:avLst/>
           </a:prstGeom>
-          <a:noFill/>
-          <a:extLst>
-            <a:ext uri="{909E8E84-426E-40DD-AFC4-6F175D3DCCD1}">
-              <a14:hiddenFill xmlns:a14="http://schemas.microsoft.com/office/drawing/2010/main">
-                <a:solidFill>
-                  <a:srgbClr val="FFFFFF"/>
-                </a:solidFill>
-              </a14:hiddenFill>
-            </a:ext>
-          </a:extLst>
-        </p:spPr>
-      </p:pic>
-      <p:sp>
-        <p:nvSpPr>
-          <p:cNvPr id="4" name="Left Brace 3"/>
-          <p:cNvSpPr/>
-          <p:nvPr/>
-        </p:nvSpPr>
-        <p:spPr>
-          <a:xfrm>
-            <a:off x="3242930" y="1807535"/>
-            <a:ext cx="786810" cy="4540102"/>
-          </a:xfrm>
-          <a:prstGeom prst="leftBrace">
-            <a:avLst/>
-          </a:prstGeom>
-          <a:ln w="60325" cap="rnd"/>
         </p:spPr>
         <p:style>
-          <a:lnRef idx="3">
-            <a:schemeClr val="accent1"/>
+          <a:lnRef idx="2">
+            <a:schemeClr val="accent1">
+              <a:shade val="50000"/>
+            </a:schemeClr>
           </a:lnRef>
-          <a:fillRef idx="0">
+          <a:fillRef idx="1">
             <a:schemeClr val="accent1"/>
           </a:fillRef>
-          <a:effectRef idx="2">
+          <a:effectRef idx="0">
             <a:schemeClr val="accent1"/>
           </a:effectRef>
           <a:fontRef idx="minor">
-            <a:schemeClr val="tx1"/>
+            <a:schemeClr val="lt1"/>
           </a:fontRef>
         </p:style>
         <p:txBody>
@@ -13495,533 +13685,152 @@
           <a:lstStyle/>
           <a:p>
             <a:pPr algn="ctr"/>
-            <a:endParaRPr lang="de-CH"/>
-          </a:p>
-        </p:txBody>
-      </p:sp>
-      <p:pic>
-        <p:nvPicPr>
-          <p:cNvPr id="3076" name="Picture 4" descr="http://shop.tecmatic.ch/570-thickbox/sensor-temperatur-und-luftfeuchtigkeit-z-wave-st814-everspring.jpg"/>
-          <p:cNvPicPr>
-            <a:picLocks noChangeAspect="1" noChangeArrowheads="1"/>
-          </p:cNvPicPr>
+            <a:r>
+              <a:rPr lang="de-CH" dirty="0"/>
+              <a:t>Transport</a:t>
+            </a:r>
+          </a:p>
+        </p:txBody>
+      </p:sp>
+      <p:sp>
+        <p:nvSpPr>
+          <p:cNvPr id="6" name="Rounded Rectangle 5"/>
+          <p:cNvSpPr/>
           <p:nvPr/>
-        </p:nvPicPr>
-        <p:blipFill rotWithShape="1">
-          <a:blip r:embed="rId6">
-            <a:extLst>
-              <a:ext uri="{BEBA8EAE-BF5A-486C-A8C5-ECC9F3942E4B}">
-                <a14:imgProps xmlns:a14="http://schemas.microsoft.com/office/drawing/2010/main">
-                  <a14:imgLayer r:embed="rId7">
-                    <a14:imgEffect>
-                      <a14:backgroundRemoval t="10000" b="90000" l="10000" r="90000"/>
-                    </a14:imgEffect>
-                  </a14:imgLayer>
-                </a14:imgProps>
-              </a:ext>
-              <a:ext uri="{28A0092B-C50C-407E-A947-70E740481C1C}">
-                <a14:useLocalDpi xmlns:a14="http://schemas.microsoft.com/office/drawing/2010/main" val="0"/>
-              </a:ext>
-            </a:extLst>
-          </a:blip>
-          <a:srcRect l="26443" t="24460" r="26989" b="27568"/>
-          <a:stretch/>
-        </p:blipFill>
-        <p:spPr bwMode="auto">
-          <a:xfrm>
-            <a:off x="4371187" y="3658813"/>
-            <a:ext cx="2115880" cy="2179674"/>
-          </a:xfrm>
-          <a:prstGeom prst="rect">
+        </p:nvSpPr>
+        <p:spPr>
+          <a:xfrm>
+            <a:off x="2231136" y="3455413"/>
+            <a:ext cx="2736649" cy="869758"/>
+          </a:xfrm>
+          <a:prstGeom prst="roundRect">
             <a:avLst/>
           </a:prstGeom>
-          <a:noFill/>
-          <a:extLst>
-            <a:ext uri="{909E8E84-426E-40DD-AFC4-6F175D3DCCD1}">
-              <a14:hiddenFill xmlns:a14="http://schemas.microsoft.com/office/drawing/2010/main">
-                <a:solidFill>
-                  <a:srgbClr val="FFFFFF"/>
-                </a:solidFill>
-              </a14:hiddenFill>
-            </a:ext>
-          </a:extLst>
-        </p:spPr>
-      </p:pic>
-      <p:pic>
-        <p:nvPicPr>
-          <p:cNvPr id="9" name="Picture 6" descr="http://shop.tecmatic.ch/557-thickbox/bewegungsmelder-z-wave-sp103-everspring-.jpg"/>
-          <p:cNvPicPr>
-            <a:picLocks noChangeAspect="1" noChangeArrowheads="1"/>
-          </p:cNvPicPr>
+        </p:spPr>
+        <p:style>
+          <a:lnRef idx="2">
+            <a:schemeClr val="accent3">
+              <a:shade val="50000"/>
+            </a:schemeClr>
+          </a:lnRef>
+          <a:fillRef idx="1">
+            <a:schemeClr val="accent3"/>
+          </a:fillRef>
+          <a:effectRef idx="0">
+            <a:schemeClr val="accent3"/>
+          </a:effectRef>
+          <a:fontRef idx="minor">
+            <a:schemeClr val="lt1"/>
+          </a:fontRef>
+        </p:style>
+        <p:txBody>
+          <a:bodyPr rtlCol="0" anchor="ctr"/>
+          <a:lstStyle/>
+          <a:p>
+            <a:pPr algn="ctr"/>
+            <a:r>
+              <a:rPr lang="de-CH" dirty="0"/>
+              <a:t>Network</a:t>
+            </a:r>
+          </a:p>
+        </p:txBody>
+      </p:sp>
+      <p:sp>
+        <p:nvSpPr>
+          <p:cNvPr id="8" name="Rounded Rectangle 7"/>
+          <p:cNvSpPr/>
           <p:nvPr/>
-        </p:nvPicPr>
-        <p:blipFill rotWithShape="1">
-          <a:blip r:embed="rId8">
-            <a:extLst>
-              <a:ext uri="{BEBA8EAE-BF5A-486C-A8C5-ECC9F3942E4B}">
-                <a14:imgProps xmlns:a14="http://schemas.microsoft.com/office/drawing/2010/main">
-                  <a14:imgLayer r:embed="rId9">
-                    <a14:imgEffect>
-                      <a14:backgroundRemoval t="31667" b="67833" l="30167" r="67000">
-                        <a14:foregroundMark x1="36833" y1="53000" x2="36833" y2="53000"/>
-                        <a14:foregroundMark x1="35167" y1="54667" x2="35167" y2="54667"/>
-                        <a14:foregroundMark x1="40333" y1="39500" x2="40333" y2="39500"/>
-                        <a14:foregroundMark x1="37833" y1="40833" x2="37833" y2="40833"/>
-                        <a14:foregroundMark x1="37667" y1="40833" x2="37667" y2="40833"/>
-                        <a14:foregroundMark x1="40333" y1="37000" x2="40333" y2="37000"/>
-                        <a14:foregroundMark x1="42833" y1="36667" x2="44167" y2="36333"/>
-                        <a14:foregroundMark x1="47500" y1="36500" x2="48000" y2="36667"/>
-                        <a14:foregroundMark x1="48833" y1="37500" x2="48833" y2="37500"/>
-                        <a14:foregroundMark x1="50667" y1="39500" x2="51667" y2="40500"/>
-                        <a14:foregroundMark x1="51667" y1="40833" x2="51000" y2="42667"/>
-                        <a14:foregroundMark x1="41333" y1="52333" x2="41333" y2="52333"/>
-                        <a14:foregroundMark x1="41333" y1="52333" x2="41167" y2="53500"/>
-                        <a14:foregroundMark x1="37667" y1="55167" x2="37667" y2="55167"/>
-                        <a14:foregroundMark x1="37333" y1="55167" x2="37333" y2="55167"/>
-                        <a14:foregroundMark x1="37333" y1="52500" x2="37333" y2="50833"/>
-                      </a14:backgroundRemoval>
-                    </a14:imgEffect>
-                  </a14:imgLayer>
-                </a14:imgProps>
-              </a:ext>
-              <a:ext uri="{28A0092B-C50C-407E-A947-70E740481C1C}">
-                <a14:useLocalDpi xmlns:a14="http://schemas.microsoft.com/office/drawing/2010/main" val="0"/>
-              </a:ext>
-            </a:extLst>
-          </a:blip>
-          <a:srcRect l="30394" t="31717" r="33885" b="31445"/>
-          <a:stretch/>
-        </p:blipFill>
-        <p:spPr bwMode="auto">
-          <a:xfrm>
-            <a:off x="5624262" y="2419787"/>
-            <a:ext cx="1201480" cy="1239026"/>
-          </a:xfrm>
-          <a:prstGeom prst="rect">
+        </p:nvSpPr>
+        <p:spPr>
+          <a:xfrm>
+            <a:off x="2231135" y="1970081"/>
+            <a:ext cx="2736649" cy="869758"/>
+          </a:xfrm>
+          <a:prstGeom prst="roundRect">
             <a:avLst/>
           </a:prstGeom>
-          <a:noFill/>
-          <a:extLst>
-            <a:ext uri="{909E8E84-426E-40DD-AFC4-6F175D3DCCD1}">
-              <a14:hiddenFill xmlns:a14="http://schemas.microsoft.com/office/drawing/2010/main">
-                <a:solidFill>
-                  <a:srgbClr val="FFFFFF"/>
-                </a:solidFill>
-              </a14:hiddenFill>
-            </a:ext>
-          </a:extLst>
-        </p:spPr>
-      </p:pic>
-      <p:pic>
-        <p:nvPicPr>
-          <p:cNvPr id="3080" name="Picture 8" descr="http://shop.tecmatic.ch/1458-thickbox/zwischenstecker-z-wave-plus-mit-strommessfunktion-gen5-aeon-labs-zw075-zweu-adapter.jpg"/>
-          <p:cNvPicPr>
-            <a:picLocks noChangeAspect="1" noChangeArrowheads="1"/>
-          </p:cNvPicPr>
+        </p:spPr>
+        <p:style>
+          <a:lnRef idx="2">
+            <a:schemeClr val="accent2">
+              <a:shade val="50000"/>
+            </a:schemeClr>
+          </a:lnRef>
+          <a:fillRef idx="1">
+            <a:schemeClr val="accent2"/>
+          </a:fillRef>
+          <a:effectRef idx="0">
+            <a:schemeClr val="accent2"/>
+          </a:effectRef>
+          <a:fontRef idx="minor">
+            <a:schemeClr val="lt1"/>
+          </a:fontRef>
+        </p:style>
+        <p:txBody>
+          <a:bodyPr rtlCol="0" anchor="ctr"/>
+          <a:lstStyle/>
+          <a:p>
+            <a:pPr algn="ctr"/>
+            <a:r>
+              <a:rPr lang="de-CH" dirty="0"/>
+              <a:t>Application</a:t>
+            </a:r>
+          </a:p>
+        </p:txBody>
+      </p:sp>
+      <p:sp>
+        <p:nvSpPr>
+          <p:cNvPr id="9" name="Rounded Rectangle 8"/>
+          <p:cNvSpPr/>
           <p:nvPr/>
-        </p:nvPicPr>
-        <p:blipFill rotWithShape="1">
-          <a:blip r:embed="rId10">
-            <a:extLst>
-              <a:ext uri="{BEBA8EAE-BF5A-486C-A8C5-ECC9F3942E4B}">
-                <a14:imgProps xmlns:a14="http://schemas.microsoft.com/office/drawing/2010/main">
-                  <a14:imgLayer r:embed="rId11">
-                    <a14:imgEffect>
-                      <a14:backgroundRemoval t="32500" b="67000" l="34000" r="66000">
-                        <a14:foregroundMark x1="45167" y1="35167" x2="45167" y2="35167"/>
-                        <a14:foregroundMark x1="43000" y1="34667" x2="43000" y2="34667"/>
-                        <a14:foregroundMark x1="43833" y1="34333" x2="43833" y2="34333"/>
-                        <a14:foregroundMark x1="42833" y1="34333" x2="42833" y2="34333"/>
-                        <a14:foregroundMark x1="42167" y1="34000" x2="42167" y2="34000"/>
-                        <a14:foregroundMark x1="41833" y1="33833" x2="41500" y2="33833"/>
-                        <a14:foregroundMark x1="41333" y1="33833" x2="41333" y2="33833"/>
-                        <a14:foregroundMark x1="40667" y1="33833" x2="40667" y2="33833"/>
-                      </a14:backgroundRemoval>
-                    </a14:imgEffect>
-                  </a14:imgLayer>
-                </a14:imgProps>
-              </a:ext>
-              <a:ext uri="{28A0092B-C50C-407E-A947-70E740481C1C}">
-                <a14:useLocalDpi xmlns:a14="http://schemas.microsoft.com/office/drawing/2010/main" val="0"/>
-              </a:ext>
-            </a:extLst>
-          </a:blip>
-          <a:srcRect l="34301" t="32558" r="32397" b="32465"/>
-          <a:stretch/>
-        </p:blipFill>
-        <p:spPr bwMode="auto">
-          <a:xfrm>
-            <a:off x="6845441" y="3548575"/>
-            <a:ext cx="1529540" cy="1606444"/>
-          </a:xfrm>
-          <a:prstGeom prst="rect">
+        </p:nvSpPr>
+        <p:spPr>
+          <a:xfrm>
+            <a:off x="2231135" y="2894431"/>
+            <a:ext cx="2736649" cy="453758"/>
+          </a:xfrm>
+          <a:prstGeom prst="roundRect">
             <a:avLst/>
           </a:prstGeom>
-          <a:noFill/>
-          <a:extLst>
-            <a:ext uri="{909E8E84-426E-40DD-AFC4-6F175D3DCCD1}">
-              <a14:hiddenFill xmlns:a14="http://schemas.microsoft.com/office/drawing/2010/main">
-                <a:solidFill>
-                  <a:srgbClr val="FFFFFF"/>
-                </a:solidFill>
-              </a14:hiddenFill>
-            </a:ext>
-          </a:extLst>
-        </p:spPr>
-      </p:pic>
-      <p:pic>
-        <p:nvPicPr>
-          <p:cNvPr id="3082" name="Picture 10" descr="http://shop.tecmatic.ch/1887-thickbox/led-birne-z-wave-plus-aeon-labs-zw098-c55.jpg"/>
-          <p:cNvPicPr>
-            <a:picLocks noChangeAspect="1" noChangeArrowheads="1"/>
-          </p:cNvPicPr>
-          <p:nvPr/>
-        </p:nvPicPr>
-        <p:blipFill rotWithShape="1">
-          <a:blip r:embed="rId12">
-            <a:extLst>
-              <a:ext uri="{BEBA8EAE-BF5A-486C-A8C5-ECC9F3942E4B}">
-                <a14:imgProps xmlns:a14="http://schemas.microsoft.com/office/drawing/2010/main">
-                  <a14:imgLayer r:embed="rId13">
-                    <a14:imgEffect>
-                      <a14:backgroundRemoval t="30000" b="68333" l="16500" r="82500"/>
-                    </a14:imgEffect>
-                  </a14:imgLayer>
-                </a14:imgProps>
-              </a:ext>
-              <a:ext uri="{28A0092B-C50C-407E-A947-70E740481C1C}">
-                <a14:useLocalDpi xmlns:a14="http://schemas.microsoft.com/office/drawing/2010/main" val="0"/>
-              </a:ext>
-            </a:extLst>
-          </a:blip>
-          <a:srcRect l="16445" t="28614" r="15889" b="29500"/>
-          <a:stretch/>
-        </p:blipFill>
-        <p:spPr bwMode="auto">
-          <a:xfrm>
-            <a:off x="8952825" y="4351797"/>
-            <a:ext cx="2735092" cy="1693055"/>
-          </a:xfrm>
-          <a:prstGeom prst="rect">
-            <a:avLst/>
-          </a:prstGeom>
-          <a:noFill/>
-          <a:extLst>
-            <a:ext uri="{909E8E84-426E-40DD-AFC4-6F175D3DCCD1}">
-              <a14:hiddenFill xmlns:a14="http://schemas.microsoft.com/office/drawing/2010/main">
-                <a:solidFill>
-                  <a:srgbClr val="FFFFFF"/>
-                </a:solidFill>
-              </a14:hiddenFill>
-            </a:ext>
-          </a:extLst>
-        </p:spPr>
-      </p:pic>
-      <p:pic>
-        <p:nvPicPr>
-          <p:cNvPr id="3084" name="Picture 12" descr="http://shop.tecmatic.ch/727-thickbox/sirene-z-wave-be-alsound-benext.jpg"/>
-          <p:cNvPicPr>
-            <a:picLocks noChangeAspect="1" noChangeArrowheads="1"/>
-          </p:cNvPicPr>
-          <p:nvPr/>
-        </p:nvPicPr>
-        <p:blipFill rotWithShape="1">
-          <a:blip r:embed="rId14">
-            <a:extLst>
-              <a:ext uri="{BEBA8EAE-BF5A-486C-A8C5-ECC9F3942E4B}">
-                <a14:imgProps xmlns:a14="http://schemas.microsoft.com/office/drawing/2010/main">
-                  <a14:imgLayer r:embed="rId15">
-                    <a14:imgEffect>
-                      <a14:backgroundRemoval t="25667" b="80833" l="34333" r="66667"/>
-                    </a14:imgEffect>
-                  </a14:imgLayer>
-                </a14:imgProps>
-              </a:ext>
-              <a:ext uri="{28A0092B-C50C-407E-A947-70E740481C1C}">
-                <a14:useLocalDpi xmlns:a14="http://schemas.microsoft.com/office/drawing/2010/main" val="0"/>
-              </a:ext>
-            </a:extLst>
-          </a:blip>
-          <a:srcRect l="34278" t="25000" r="31722" b="16833"/>
-          <a:stretch/>
-        </p:blipFill>
-        <p:spPr bwMode="auto">
-          <a:xfrm>
-            <a:off x="8432457" y="2913154"/>
-            <a:ext cx="1361284" cy="2328863"/>
-          </a:xfrm>
-          <a:prstGeom prst="rect">
-            <a:avLst/>
-          </a:prstGeom>
-          <a:noFill/>
-          <a:extLst>
-            <a:ext uri="{909E8E84-426E-40DD-AFC4-6F175D3DCCD1}">
-              <a14:hiddenFill xmlns:a14="http://schemas.microsoft.com/office/drawing/2010/main">
-                <a:solidFill>
-                  <a:srgbClr val="FFFFFF"/>
-                </a:solidFill>
-              </a14:hiddenFill>
-            </a:ext>
-          </a:extLst>
-        </p:spPr>
-      </p:pic>
-      <p:pic>
-        <p:nvPicPr>
-          <p:cNvPr id="3086" name="Picture 14" descr="http://shop.tecmatic.ch/1803-thickbox/thermostat-z-wave-plus-thermofloor-heatit-3600w-16a-schwarz.jpg"/>
-          <p:cNvPicPr>
-            <a:picLocks noChangeAspect="1" noChangeArrowheads="1"/>
-          </p:cNvPicPr>
-          <p:nvPr/>
-        </p:nvPicPr>
-        <p:blipFill>
-          <a:blip r:embed="rId16" cstate="print">
-            <a:extLst>
-              <a:ext uri="{BEBA8EAE-BF5A-486C-A8C5-ECC9F3942E4B}">
-                <a14:imgProps xmlns:a14="http://schemas.microsoft.com/office/drawing/2010/main">
-                  <a14:imgLayer r:embed="rId17">
-                    <a14:imgEffect>
-                      <a14:backgroundRemoval t="3167" b="95333" l="3500" r="96167"/>
-                    </a14:imgEffect>
-                  </a14:imgLayer>
-                </a14:imgProps>
-              </a:ext>
-              <a:ext uri="{28A0092B-C50C-407E-A947-70E740481C1C}">
-                <a14:useLocalDpi xmlns:a14="http://schemas.microsoft.com/office/drawing/2010/main" val="0"/>
-              </a:ext>
-            </a:extLst>
-          </a:blip>
-          <a:srcRect/>
-          <a:stretch>
-            <a:fillRect/>
-          </a:stretch>
-        </p:blipFill>
-        <p:spPr bwMode="auto">
-          <a:xfrm>
-            <a:off x="7053241" y="1734945"/>
-            <a:ext cx="1261556" cy="1261556"/>
-          </a:xfrm>
-          <a:prstGeom prst="rect">
-            <a:avLst/>
-          </a:prstGeom>
-          <a:noFill/>
-          <a:extLst>
-            <a:ext uri="{909E8E84-426E-40DD-AFC4-6F175D3DCCD1}">
-              <a14:hiddenFill xmlns:a14="http://schemas.microsoft.com/office/drawing/2010/main">
-                <a:solidFill>
-                  <a:srgbClr val="FFFFFF"/>
-                </a:solidFill>
-              </a14:hiddenFill>
-            </a:ext>
-          </a:extLst>
-        </p:spPr>
-      </p:pic>
-      <p:pic>
-        <p:nvPicPr>
-          <p:cNvPr id="3088" name="Picture 16" descr="http://shop.tecmatic.ch/1490-thickbox/y-cam-bullet-hd-720-2-generation-ycblhd7-netzwerkkamera.jpg"/>
-          <p:cNvPicPr>
-            <a:picLocks noChangeAspect="1" noChangeArrowheads="1"/>
-          </p:cNvPicPr>
-          <p:nvPr/>
-        </p:nvPicPr>
-        <p:blipFill rotWithShape="1">
-          <a:blip r:embed="rId18">
-            <a:extLst>
-              <a:ext uri="{BEBA8EAE-BF5A-486C-A8C5-ECC9F3942E4B}">
-                <a14:imgProps xmlns:a14="http://schemas.microsoft.com/office/drawing/2010/main">
-                  <a14:imgLayer r:embed="rId19">
-                    <a14:imgEffect>
-                      <a14:backgroundRemoval t="24667" b="84000" l="8167" r="91500">
-                        <a14:foregroundMark x1="34000" y1="31833" x2="34000" y2="31833"/>
-                        <a14:foregroundMark x1="41167" y1="30167" x2="41167" y2="30167"/>
-                        <a14:foregroundMark x1="41167" y1="30167" x2="43333" y2="29500"/>
-                        <a14:foregroundMark x1="44833" y1="29333" x2="45833" y2="29333"/>
-                        <a14:foregroundMark x1="46833" y1="29333" x2="47333" y2="29500"/>
-                        <a14:foregroundMark x1="49000" y1="29667" x2="50000" y2="29833"/>
-                        <a14:foregroundMark x1="50000" y1="29833" x2="50000" y2="29833"/>
-                        <a14:foregroundMark x1="50000" y1="29833" x2="52500" y2="29500"/>
-                        <a14:foregroundMark x1="54833" y1="29167" x2="55667" y2="29167"/>
-                        <a14:foregroundMark x1="55833" y1="29167" x2="55833" y2="29167"/>
-                        <a14:foregroundMark x1="57167" y1="29000" x2="57667" y2="29000"/>
-                        <a14:foregroundMark x1="57833" y1="29000" x2="58333" y2="29000"/>
-                        <a14:foregroundMark x1="60167" y1="29500" x2="60167" y2="29500"/>
-                        <a14:foregroundMark x1="61000" y1="29667" x2="61000" y2="29667"/>
-                        <a14:foregroundMark x1="61500" y1="29667" x2="61500" y2="29667"/>
-                        <a14:foregroundMark x1="83500" y1="56000" x2="83500" y2="56000"/>
-                        <a14:foregroundMark x1="85333" y1="56000" x2="85333" y2="56000"/>
-                        <a14:foregroundMark x1="85667" y1="56167" x2="85667" y2="56167"/>
-                        <a14:foregroundMark x1="86667" y1="56667" x2="86667" y2="56667"/>
-                        <a14:foregroundMark x1="86833" y1="57000" x2="86833" y2="57000"/>
-                        <a14:foregroundMark x1="86333" y1="55500" x2="86333" y2="55500"/>
-                        <a14:foregroundMark x1="85333" y1="55167" x2="85333" y2="55167"/>
-                        <a14:foregroundMark x1="85167" y1="55167" x2="85167" y2="55167"/>
-                        <a14:foregroundMark x1="84667" y1="55000" x2="84667" y2="55000"/>
-                        <a14:foregroundMark x1="78667" y1="54167" x2="78667" y2="54167"/>
-                        <a14:foregroundMark x1="77167" y1="53833" x2="76833" y2="53667"/>
-                        <a14:foregroundMark x1="76500" y1="53667" x2="76500" y2="53667"/>
-                        <a14:foregroundMark x1="76000" y1="53333" x2="76000" y2="53333"/>
-                        <a14:foregroundMark x1="76000" y1="53333" x2="76000" y2="53333"/>
-                        <a14:foregroundMark x1="74667" y1="53000" x2="74667" y2="53000"/>
-                        <a14:foregroundMark x1="74667" y1="52667" x2="74167" y2="52667"/>
-                        <a14:foregroundMark x1="74333" y1="52167" x2="74333" y2="52167"/>
-                        <a14:foregroundMark x1="31000" y1="29667" x2="31000" y2="29667"/>
-                        <a14:foregroundMark x1="24667" y1="28833" x2="24667" y2="28833"/>
-                        <a14:foregroundMark x1="24167" y1="28333" x2="24167" y2="28333"/>
-                        <a14:foregroundMark x1="28000" y1="28167" x2="28000" y2="28167"/>
-                        <a14:foregroundMark x1="31000" y1="28000" x2="31833" y2="28000"/>
-                        <a14:foregroundMark x1="55000" y1="28167" x2="55000" y2="28167"/>
-                        <a14:foregroundMark x1="55667" y1="27667" x2="55667" y2="27667"/>
-                        <a14:foregroundMark x1="57667" y1="27667" x2="57667" y2="27667"/>
-                        <a14:foregroundMark x1="60167" y1="27667" x2="60167" y2="27667"/>
-                        <a14:foregroundMark x1="60167" y1="27667" x2="60167" y2="27667"/>
-                        <a14:foregroundMark x1="61833" y1="27667" x2="61833" y2="27667"/>
-                        <a14:foregroundMark x1="62333" y1="27667" x2="62333" y2="27667"/>
-                        <a14:foregroundMark x1="64000" y1="29167" x2="64000" y2="29167"/>
-                        <a14:foregroundMark x1="65333" y1="29333" x2="65333" y2="29333"/>
-                        <a14:foregroundMark x1="20500" y1="27333" x2="20500" y2="27333"/>
-                        <a14:foregroundMark x1="21500" y1="27333" x2="22500" y2="27333"/>
-                        <a14:foregroundMark x1="22500" y1="27333" x2="22500" y2="27333"/>
-                        <a14:foregroundMark x1="18333" y1="27333" x2="18333" y2="27333"/>
-                        <a14:foregroundMark x1="18333" y1="26667" x2="18333" y2="26667"/>
-                        <a14:foregroundMark x1="19167" y1="26667" x2="19167" y2="26667"/>
-                        <a14:foregroundMark x1="17333" y1="26667" x2="17333" y2="26667"/>
-                        <a14:foregroundMark x1="16000" y1="26667" x2="16000" y2="26667"/>
-                        <a14:foregroundMark x1="66500" y1="30167" x2="66500" y2="30167"/>
-                        <a14:foregroundMark x1="68333" y1="34000" x2="68333" y2="34000"/>
-                        <a14:foregroundMark x1="68833" y1="35000" x2="68833" y2="35000"/>
-                        <a14:foregroundMark x1="69167" y1="36000" x2="69167" y2="36000"/>
-                        <a14:foregroundMark x1="63667" y1="27500" x2="63667" y2="27500"/>
-                      </a14:backgroundRemoval>
-                    </a14:imgEffect>
-                  </a14:imgLayer>
-                </a14:imgProps>
-              </a:ext>
-              <a:ext uri="{28A0092B-C50C-407E-A947-70E740481C1C}">
-                <a14:useLocalDpi xmlns:a14="http://schemas.microsoft.com/office/drawing/2010/main" val="0"/>
-              </a:ext>
-            </a:extLst>
-          </a:blip>
-          <a:srcRect l="7111" t="23333" r="7056" b="15668"/>
-          <a:stretch/>
-        </p:blipFill>
-        <p:spPr bwMode="auto">
-          <a:xfrm>
-            <a:off x="8843277" y="1783960"/>
-            <a:ext cx="2638113" cy="1874853"/>
-          </a:xfrm>
-          <a:prstGeom prst="rect">
-            <a:avLst/>
-          </a:prstGeom>
-          <a:noFill/>
-          <a:extLst>
-            <a:ext uri="{909E8E84-426E-40DD-AFC4-6F175D3DCCD1}">
-              <a14:hiddenFill xmlns:a14="http://schemas.microsoft.com/office/drawing/2010/main">
-                <a:solidFill>
-                  <a:srgbClr val="FFFFFF"/>
-                </a:solidFill>
-              </a14:hiddenFill>
-            </a:ext>
-          </a:extLst>
-        </p:spPr>
-      </p:pic>
-      <p:pic>
-        <p:nvPicPr>
-          <p:cNvPr id="1026" name="Picture 2" descr="http://blog.smalleycreative.com/wp-content/uploads/2015/11/RASPBERRY_PI_2_B_02.png"/>
-          <p:cNvPicPr>
-            <a:picLocks noChangeAspect="1" noChangeArrowheads="1"/>
-          </p:cNvPicPr>
-          <p:nvPr/>
-        </p:nvPicPr>
-        <p:blipFill>
-          <a:blip r:embed="rId20" cstate="print">
-            <a:extLst>
-              <a:ext uri="{28A0092B-C50C-407E-A947-70E740481C1C}">
-                <a14:useLocalDpi xmlns:a14="http://schemas.microsoft.com/office/drawing/2010/main" val="0"/>
-              </a:ext>
-            </a:extLst>
-          </a:blip>
-          <a:srcRect/>
-          <a:stretch>
-            <a:fillRect/>
-          </a:stretch>
-        </p:blipFill>
-        <p:spPr bwMode="auto">
-          <a:xfrm>
-            <a:off x="360130" y="4198903"/>
-            <a:ext cx="2418092" cy="1639584"/>
-          </a:xfrm>
-          <a:prstGeom prst="rect">
-            <a:avLst/>
-          </a:prstGeom>
-          <a:noFill/>
-          <a:extLst>
-            <a:ext uri="{909E8E84-426E-40DD-AFC4-6F175D3DCCD1}">
-              <a14:hiddenFill xmlns:a14="http://schemas.microsoft.com/office/drawing/2010/main">
-                <a:solidFill>
-                  <a:srgbClr val="FFFFFF"/>
-                </a:solidFill>
-              </a14:hiddenFill>
-            </a:ext>
-          </a:extLst>
-        </p:spPr>
-      </p:pic>
-      <p:pic>
-        <p:nvPicPr>
-          <p:cNvPr id="1028" name="Picture 4" descr="http://z-wave.us/media/catalog/product/cache/1/image/800x800/18ff9b5ed1bd3738f61d707cc1509711/r/a/raz500_5.png"/>
-          <p:cNvPicPr>
-            <a:picLocks noChangeAspect="1" noChangeArrowheads="1"/>
-          </p:cNvPicPr>
-          <p:nvPr/>
-        </p:nvPicPr>
-        <p:blipFill>
-          <a:blip r:embed="rId21" cstate="print">
-            <a:extLst>
-              <a:ext uri="{28A0092B-C50C-407E-A947-70E740481C1C}">
-                <a14:useLocalDpi xmlns:a14="http://schemas.microsoft.com/office/drawing/2010/main" val="0"/>
-              </a:ext>
-            </a:extLst>
-          </a:blip>
-          <a:srcRect/>
-          <a:stretch>
-            <a:fillRect/>
-          </a:stretch>
-        </p:blipFill>
-        <p:spPr bwMode="auto">
-          <a:xfrm>
-            <a:off x="1997639" y="5152983"/>
-            <a:ext cx="1138957" cy="1138957"/>
-          </a:xfrm>
-          <a:prstGeom prst="rect">
-            <a:avLst/>
-          </a:prstGeom>
-          <a:noFill/>
-          <a:extLst>
-            <a:ext uri="{909E8E84-426E-40DD-AFC4-6F175D3DCCD1}">
-              <a14:hiddenFill xmlns:a14="http://schemas.microsoft.com/office/drawing/2010/main">
-                <a:solidFill>
-                  <a:srgbClr val="FFFFFF"/>
-                </a:solidFill>
-              </a14:hiddenFill>
-            </a:ext>
-          </a:extLst>
-        </p:spPr>
-      </p:pic>
+        </p:spPr>
+        <p:style>
+          <a:lnRef idx="2">
+            <a:schemeClr val="accent6">
+              <a:shade val="50000"/>
+            </a:schemeClr>
+          </a:lnRef>
+          <a:fillRef idx="1">
+            <a:schemeClr val="accent6"/>
+          </a:fillRef>
+          <a:effectRef idx="0">
+            <a:schemeClr val="accent6"/>
+          </a:effectRef>
+          <a:fontRef idx="minor">
+            <a:schemeClr val="lt1"/>
+          </a:fontRef>
+        </p:style>
+        <p:txBody>
+          <a:bodyPr rtlCol="0" anchor="ctr"/>
+          <a:lstStyle/>
+          <a:p>
+            <a:pPr algn="ctr"/>
+            <a:r>
+              <a:rPr lang="de-CH" dirty="0"/>
+              <a:t>Security</a:t>
+            </a:r>
+          </a:p>
+        </p:txBody>
+      </p:sp>
     </p:spTree>
     <p:extLst>
       <p:ext uri="{BB962C8B-B14F-4D97-AF65-F5344CB8AC3E}">
-        <p14:creationId xmlns:p14="http://schemas.microsoft.com/office/powerpoint/2010/main" val="1408299190"/>
+        <p14:creationId xmlns:p14="http://schemas.microsoft.com/office/powerpoint/2010/main" val="574879912"/>
       </p:ext>
     </p:extLst>
   </p:cSld>
   <p:clrMapOvr>
     <a:masterClrMapping/>
   </p:clrMapOvr>
-  <p:timing>
-    <p:tnLst>
-      <p:par>
-        <p:cTn id="1" dur="indefinite" restart="never" nodeType="tmRoot"/>
-      </p:par>
-    </p:tnLst>
-  </p:timing>
 </p:sld>
 </file>
 

--- a/Z-Wave_Presentation_backup.pptx
+++ b/Z-Wave_Presentation_backup.pptx
@@ -4088,14 +4088,14 @@
             <a:pPr lvl="1"/>
             <a:r>
               <a:rPr lang="de-CH" dirty="0"/>
-              <a:t>Europa: 	868.42 MHz (SRD)</a:t>
+              <a:t>Europa: 	868.42 MHz </a:t>
             </a:r>
           </a:p>
           <a:p>
             <a:pPr lvl="1"/>
             <a:r>
               <a:rPr lang="de-CH" dirty="0"/>
-              <a:t>USA:		908.42 MHz (ISM)</a:t>
+              <a:t>USA:		908.42 MHz</a:t>
             </a:r>
           </a:p>
           <a:p>
@@ -4116,19 +4116,6 @@
             <a:r>
               <a:rPr lang="de-CH" dirty="0"/>
               <a:t>NRZ (40kbps / 100kbps)</a:t>
-            </a:r>
-          </a:p>
-          <a:p>
-            <a:r>
-              <a:rPr lang="de-CH" dirty="0"/>
-              <a:t>Modulation</a:t>
-            </a:r>
-          </a:p>
-          <a:p>
-            <a:pPr lvl="1"/>
-            <a:r>
-              <a:rPr lang="de-CH" dirty="0"/>
-              <a:t>GFSK</a:t>
             </a:r>
           </a:p>
         </p:txBody>
